--- a/20200117/OpenCV & Alexnet.pptx
+++ b/20200117/OpenCV & Alexnet.pptx
@@ -218,7 +218,7 @@
           <p:cNvPr id="143362" name="Rectangle 2">
             <a:extLst>
               <a:ext uri="{FF2B5EF4-FFF2-40B4-BE49-F238E27FC236}">
-                <a16:creationId xmlns:a16="http://schemas.microsoft.com/office/drawing/2014/main" xmlns="" id="{7DB234C6-97B6-0E40-9A9F-F7BDE583B708}"/>
+                <a16:creationId xmlns:a16="http://schemas.microsoft.com/office/drawing/2014/main" id="{7DB234C6-97B6-0E40-9A9F-F7BDE583B708}"/>
               </a:ext>
             </a:extLst>
           </p:cNvPr>
@@ -274,7 +274,7 @@
           <p:cNvPr id="143363" name="Rectangle 3">
             <a:extLst>
               <a:ext uri="{FF2B5EF4-FFF2-40B4-BE49-F238E27FC236}">
-                <a16:creationId xmlns:a16="http://schemas.microsoft.com/office/drawing/2014/main" xmlns="" id="{E7BF2E2D-1AC1-F74F-AA9F-211838B1A3EF}"/>
+                <a16:creationId xmlns:a16="http://schemas.microsoft.com/office/drawing/2014/main" id="{E7BF2E2D-1AC1-F74F-AA9F-211838B1A3EF}"/>
               </a:ext>
             </a:extLst>
           </p:cNvPr>
@@ -330,7 +330,7 @@
           <p:cNvPr id="143364" name="Rectangle 4">
             <a:extLst>
               <a:ext uri="{FF2B5EF4-FFF2-40B4-BE49-F238E27FC236}">
-                <a16:creationId xmlns:a16="http://schemas.microsoft.com/office/drawing/2014/main" xmlns="" id="{6951528D-0B28-3B46-81A4-FEA857963765}"/>
+                <a16:creationId xmlns:a16="http://schemas.microsoft.com/office/drawing/2014/main" id="{6951528D-0B28-3B46-81A4-FEA857963765}"/>
               </a:ext>
             </a:extLst>
           </p:cNvPr>
@@ -386,7 +386,7 @@
           <p:cNvPr id="143365" name="Rectangle 5">
             <a:extLst>
               <a:ext uri="{FF2B5EF4-FFF2-40B4-BE49-F238E27FC236}">
-                <a16:creationId xmlns:a16="http://schemas.microsoft.com/office/drawing/2014/main" xmlns="" id="{DB771FA0-2DD0-5948-A3A8-9AD84E90FB4B}"/>
+                <a16:creationId xmlns:a16="http://schemas.microsoft.com/office/drawing/2014/main" id="{DB771FA0-2DD0-5948-A3A8-9AD84E90FB4B}"/>
               </a:ext>
             </a:extLst>
           </p:cNvPr>
@@ -485,7 +485,7 @@
           <p:cNvPr id="2" name="머리글 개체 틀 1">
             <a:extLst>
               <a:ext uri="{FF2B5EF4-FFF2-40B4-BE49-F238E27FC236}">
-                <a16:creationId xmlns:a16="http://schemas.microsoft.com/office/drawing/2014/main" xmlns="" id="{58B6377E-D9EA-0C43-8ABD-8E11920C49D9}"/>
+                <a16:creationId xmlns:a16="http://schemas.microsoft.com/office/drawing/2014/main" id="{58B6377E-D9EA-0C43-8ABD-8E11920C49D9}"/>
               </a:ext>
             </a:extLst>
           </p:cNvPr>
@@ -529,7 +529,7 @@
           <p:cNvPr id="3" name="날짜 개체 틀 2">
             <a:extLst>
               <a:ext uri="{FF2B5EF4-FFF2-40B4-BE49-F238E27FC236}">
-                <a16:creationId xmlns:a16="http://schemas.microsoft.com/office/drawing/2014/main" xmlns="" id="{519DA735-01F8-B84B-A63C-CC954E31844C}"/>
+                <a16:creationId xmlns:a16="http://schemas.microsoft.com/office/drawing/2014/main" id="{519DA735-01F8-B84B-A63C-CC954E31844C}"/>
               </a:ext>
             </a:extLst>
           </p:cNvPr>
@@ -569,7 +569,7 @@
               <a:pPr>
                 <a:defRPr/>
               </a:pPr>
-              <a:t>2020-06-05</a:t>
+              <a:t>2021-06-05</a:t>
             </a:fld>
             <a:endParaRPr lang="ko-KR" altLang="en-US"/>
           </a:p>
@@ -580,7 +580,7 @@
           <p:cNvPr id="4" name="슬라이드 이미지 개체 틀 3">
             <a:extLst>
               <a:ext uri="{FF2B5EF4-FFF2-40B4-BE49-F238E27FC236}">
-                <a16:creationId xmlns:a16="http://schemas.microsoft.com/office/drawing/2014/main" xmlns="" id="{E796D9CD-78ED-8742-8F20-97E7FC78392B}"/>
+                <a16:creationId xmlns:a16="http://schemas.microsoft.com/office/drawing/2014/main" id="{E796D9CD-78ED-8742-8F20-97E7FC78392B}"/>
               </a:ext>
             </a:extLst>
           </p:cNvPr>
@@ -620,7 +620,7 @@
           <p:cNvPr id="5" name="슬라이드 노트 개체 틀 4">
             <a:extLst>
               <a:ext uri="{FF2B5EF4-FFF2-40B4-BE49-F238E27FC236}">
-                <a16:creationId xmlns:a16="http://schemas.microsoft.com/office/drawing/2014/main" xmlns="" id="{51D12D42-F9E6-4C43-AFF5-444A08AC6CC1}"/>
+                <a16:creationId xmlns:a16="http://schemas.microsoft.com/office/drawing/2014/main" id="{51D12D42-F9E6-4C43-AFF5-444A08AC6CC1}"/>
               </a:ext>
             </a:extLst>
           </p:cNvPr>
@@ -687,7 +687,7 @@
           <p:cNvPr id="6" name="바닥글 개체 틀 5">
             <a:extLst>
               <a:ext uri="{FF2B5EF4-FFF2-40B4-BE49-F238E27FC236}">
-                <a16:creationId xmlns:a16="http://schemas.microsoft.com/office/drawing/2014/main" xmlns="" id="{13636FD2-AFF0-164C-AE0E-ADB1379FE7CB}"/>
+                <a16:creationId xmlns:a16="http://schemas.microsoft.com/office/drawing/2014/main" id="{13636FD2-AFF0-164C-AE0E-ADB1379FE7CB}"/>
               </a:ext>
             </a:extLst>
           </p:cNvPr>
@@ -731,7 +731,7 @@
           <p:cNvPr id="7" name="슬라이드 번호 개체 틀 6">
             <a:extLst>
               <a:ext uri="{FF2B5EF4-FFF2-40B4-BE49-F238E27FC236}">
-                <a16:creationId xmlns:a16="http://schemas.microsoft.com/office/drawing/2014/main" xmlns="" id="{21A1A755-443F-BD4F-ACF7-231486D65F7E}"/>
+                <a16:creationId xmlns:a16="http://schemas.microsoft.com/office/drawing/2014/main" id="{21A1A755-443F-BD4F-ACF7-231486D65F7E}"/>
               </a:ext>
             </a:extLst>
           </p:cNvPr>
@@ -1002,7 +1002,7 @@
           </a:bodyPr>
           <a:lstStyle/>
           <a:p>
-            <a:endParaRPr kumimoji="1" lang="ko-KR" altLang="en-US" dirty="0" smtClean="0"/>
+            <a:endParaRPr kumimoji="1" lang="ko-KR" altLang="en-US" dirty="0"/>
           </a:p>
         </p:txBody>
       </p:sp>
@@ -1180,7 +1180,7 @@
               </a:pPr>
               <a:t>1</a:t>
             </a:fld>
-            <a:endParaRPr lang="en-US" altLang="ko-KR" smtClean="0">
+            <a:endParaRPr lang="en-US" altLang="ko-KR">
               <a:latin typeface="굴림" panose="020B0600000101010101" pitchFamily="50" charset="-127"/>
               <a:ea typeface="굴림" panose="020B0600000101010101" pitchFamily="50" charset="-127"/>
             </a:endParaRPr>
@@ -1289,7 +1289,7 @@
           </a:bodyPr>
           <a:lstStyle/>
           <a:p>
-            <a:endParaRPr kumimoji="1" lang="en-US" altLang="ko-KR" baseline="0" dirty="0" smtClean="0"/>
+            <a:endParaRPr kumimoji="1" lang="en-US" altLang="ko-KR" baseline="0" dirty="0"/>
           </a:p>
         </p:txBody>
       </p:sp>
@@ -1440,7 +1440,7 @@
               <a:pPr/>
               <a:t>12</a:t>
             </a:fld>
-            <a:endParaRPr lang="en-US" altLang="ko-KR" smtClean="0"/>
+            <a:endParaRPr lang="en-US" altLang="ko-KR"/>
           </a:p>
         </p:txBody>
       </p:sp>
@@ -1546,7 +1546,7 @@
           </a:bodyPr>
           <a:lstStyle/>
           <a:p>
-            <a:endParaRPr kumimoji="1" lang="en-US" altLang="ko-KR" baseline="0" dirty="0" smtClean="0"/>
+            <a:endParaRPr kumimoji="1" lang="en-US" altLang="ko-KR" baseline="0" dirty="0"/>
           </a:p>
         </p:txBody>
       </p:sp>
@@ -1697,7 +1697,7 @@
               <a:pPr/>
               <a:t>13</a:t>
             </a:fld>
-            <a:endParaRPr lang="en-US" altLang="ko-KR" smtClean="0"/>
+            <a:endParaRPr lang="en-US" altLang="ko-KR"/>
           </a:p>
         </p:txBody>
       </p:sp>
@@ -1803,7 +1803,7 @@
           </a:bodyPr>
           <a:lstStyle/>
           <a:p>
-            <a:endParaRPr kumimoji="1" lang="en-US" altLang="ko-KR" baseline="0" dirty="0" smtClean="0"/>
+            <a:endParaRPr kumimoji="1" lang="en-US" altLang="ko-KR" baseline="0" dirty="0"/>
           </a:p>
         </p:txBody>
       </p:sp>
@@ -1954,7 +1954,7 @@
               <a:pPr/>
               <a:t>14</a:t>
             </a:fld>
-            <a:endParaRPr lang="en-US" altLang="ko-KR" smtClean="0"/>
+            <a:endParaRPr lang="en-US" altLang="ko-KR"/>
           </a:p>
         </p:txBody>
       </p:sp>
@@ -2060,7 +2060,7 @@
           </a:bodyPr>
           <a:lstStyle/>
           <a:p>
-            <a:endParaRPr kumimoji="1" lang="en-US" altLang="ko-KR" baseline="0" dirty="0" smtClean="0"/>
+            <a:endParaRPr kumimoji="1" lang="en-US" altLang="ko-KR" baseline="0" dirty="0"/>
           </a:p>
         </p:txBody>
       </p:sp>
@@ -2211,7 +2211,7 @@
               <a:pPr/>
               <a:t>15</a:t>
             </a:fld>
-            <a:endParaRPr lang="en-US" altLang="ko-KR" smtClean="0"/>
+            <a:endParaRPr lang="en-US" altLang="ko-KR"/>
           </a:p>
         </p:txBody>
       </p:sp>
@@ -2407,7 +2407,7 @@
           </a:bodyPr>
           <a:lstStyle/>
           <a:p>
-            <a:endParaRPr kumimoji="1" lang="en-US" altLang="ko-KR" baseline="0" dirty="0" smtClean="0"/>
+            <a:endParaRPr kumimoji="1" lang="en-US" altLang="ko-KR" baseline="0" dirty="0"/>
           </a:p>
         </p:txBody>
       </p:sp>
@@ -2558,7 +2558,7 @@
               <a:pPr/>
               <a:t>4</a:t>
             </a:fld>
-            <a:endParaRPr lang="en-US" altLang="ko-KR" smtClean="0"/>
+            <a:endParaRPr lang="en-US" altLang="ko-KR"/>
           </a:p>
         </p:txBody>
       </p:sp>
@@ -2664,7 +2664,7 @@
           </a:bodyPr>
           <a:lstStyle/>
           <a:p>
-            <a:endParaRPr kumimoji="1" lang="en-US" altLang="ko-KR" baseline="0" dirty="0" smtClean="0"/>
+            <a:endParaRPr kumimoji="1" lang="en-US" altLang="ko-KR" baseline="0" dirty="0"/>
           </a:p>
         </p:txBody>
       </p:sp>
@@ -2815,7 +2815,7 @@
               <a:pPr/>
               <a:t>5</a:t>
             </a:fld>
-            <a:endParaRPr lang="en-US" altLang="ko-KR" smtClean="0"/>
+            <a:endParaRPr lang="en-US" altLang="ko-KR"/>
           </a:p>
         </p:txBody>
       </p:sp>
@@ -2921,7 +2921,7 @@
           </a:bodyPr>
           <a:lstStyle/>
           <a:p>
-            <a:endParaRPr kumimoji="1" lang="en-US" altLang="ko-KR" baseline="0" dirty="0" smtClean="0"/>
+            <a:endParaRPr kumimoji="1" lang="en-US" altLang="ko-KR" baseline="0" dirty="0"/>
           </a:p>
         </p:txBody>
       </p:sp>
@@ -3072,7 +3072,7 @@
               <a:pPr/>
               <a:t>6</a:t>
             </a:fld>
-            <a:endParaRPr lang="en-US" altLang="ko-KR" smtClean="0"/>
+            <a:endParaRPr lang="en-US" altLang="ko-KR"/>
           </a:p>
         </p:txBody>
       </p:sp>
@@ -3178,7 +3178,7 @@
           </a:bodyPr>
           <a:lstStyle/>
           <a:p>
-            <a:endParaRPr kumimoji="1" lang="en-US" altLang="ko-KR" baseline="0" dirty="0" smtClean="0"/>
+            <a:endParaRPr kumimoji="1" lang="en-US" altLang="ko-KR" baseline="0" dirty="0"/>
           </a:p>
         </p:txBody>
       </p:sp>
@@ -3329,7 +3329,7 @@
               <a:pPr/>
               <a:t>7</a:t>
             </a:fld>
-            <a:endParaRPr lang="en-US" altLang="ko-KR" smtClean="0"/>
+            <a:endParaRPr lang="en-US" altLang="ko-KR"/>
           </a:p>
         </p:txBody>
       </p:sp>
@@ -3435,7 +3435,7 @@
           </a:bodyPr>
           <a:lstStyle/>
           <a:p>
-            <a:endParaRPr kumimoji="1" lang="en-US" altLang="ko-KR" baseline="0" dirty="0" smtClean="0"/>
+            <a:endParaRPr kumimoji="1" lang="en-US" altLang="ko-KR" baseline="0" dirty="0"/>
           </a:p>
         </p:txBody>
       </p:sp>
@@ -3586,7 +3586,7 @@
               <a:pPr/>
               <a:t>8</a:t>
             </a:fld>
-            <a:endParaRPr lang="en-US" altLang="ko-KR" smtClean="0"/>
+            <a:endParaRPr lang="en-US" altLang="ko-KR"/>
           </a:p>
         </p:txBody>
       </p:sp>
@@ -3692,7 +3692,7 @@
           </a:bodyPr>
           <a:lstStyle/>
           <a:p>
-            <a:endParaRPr kumimoji="1" lang="en-US" altLang="ko-KR" baseline="0" dirty="0" smtClean="0"/>
+            <a:endParaRPr kumimoji="1" lang="en-US" altLang="ko-KR" baseline="0" dirty="0"/>
           </a:p>
         </p:txBody>
       </p:sp>
@@ -3843,7 +3843,7 @@
               <a:pPr/>
               <a:t>9</a:t>
             </a:fld>
-            <a:endParaRPr lang="en-US" altLang="ko-KR" smtClean="0"/>
+            <a:endParaRPr lang="en-US" altLang="ko-KR"/>
           </a:p>
         </p:txBody>
       </p:sp>
@@ -3949,7 +3949,7 @@
           </a:bodyPr>
           <a:lstStyle/>
           <a:p>
-            <a:endParaRPr kumimoji="1" lang="en-US" altLang="ko-KR" baseline="0" dirty="0" smtClean="0"/>
+            <a:endParaRPr kumimoji="1" lang="en-US" altLang="ko-KR" baseline="0" dirty="0"/>
           </a:p>
         </p:txBody>
       </p:sp>
@@ -4100,7 +4100,7 @@
               <a:pPr/>
               <a:t>10</a:t>
             </a:fld>
-            <a:endParaRPr lang="en-US" altLang="ko-KR" smtClean="0"/>
+            <a:endParaRPr lang="en-US" altLang="ko-KR"/>
           </a:p>
         </p:txBody>
       </p:sp>
@@ -4206,7 +4206,7 @@
           </a:bodyPr>
           <a:lstStyle/>
           <a:p>
-            <a:endParaRPr kumimoji="1" lang="en-US" altLang="ko-KR" baseline="0" dirty="0" smtClean="0"/>
+            <a:endParaRPr kumimoji="1" lang="en-US" altLang="ko-KR" baseline="0" dirty="0"/>
           </a:p>
         </p:txBody>
       </p:sp>
@@ -4357,7 +4357,7 @@
               <a:pPr/>
               <a:t>11</a:t>
             </a:fld>
-            <a:endParaRPr lang="en-US" altLang="ko-KR" smtClean="0"/>
+            <a:endParaRPr lang="en-US" altLang="ko-KR"/>
           </a:p>
         </p:txBody>
       </p:sp>
@@ -4683,13 +4683,6 @@
     <p:sldLayoutId id="2147483891" r:id="rId4"/>
     <p:sldLayoutId id="2147483892" r:id="rId5"/>
   </p:sldLayoutIdLst>
-  <p:timing>
-    <p:tnLst>
-      <p:par>
-        <p:cTn id="1" dur="indefinite" restart="never" nodeType="tmRoot"/>
-      </p:par>
-    </p:tnLst>
-  </p:timing>
   <p:hf hdr="0" ftr="0" dt="0"/>
   <p:txStyles>
     <p:titleStyle>
@@ -5112,7 +5105,7 @@
           <p:cNvPr id="17" name="Text Box 58">
             <a:extLst>
               <a:ext uri="{FF2B5EF4-FFF2-40B4-BE49-F238E27FC236}">
-                <a16:creationId xmlns:a16="http://schemas.microsoft.com/office/drawing/2014/main" xmlns="" id="{0963EC9C-2568-B049-A73D-74FA92CFAF06}"/>
+                <a16:creationId xmlns:a16="http://schemas.microsoft.com/office/drawing/2014/main" id="{0963EC9C-2568-B049-A73D-74FA92CFAF06}"/>
               </a:ext>
             </a:extLst>
           </p:cNvPr>
@@ -5284,7 +5277,7 @@
               <a:defRPr/>
             </a:pPr>
             <a:r>
-              <a:rPr lang="en-US" altLang="ko-KR" sz="1600" b="1" smtClean="0">
+              <a:rPr lang="en-US" altLang="ko-KR" sz="1600" b="1">
                 <a:solidFill>
                   <a:schemeClr val="tx1">
                     <a:lumMod val="50000"/>
@@ -5311,66 +5304,12 @@
           </a:p>
         </p:txBody>
       </p:sp>
-      <p:pic>
-        <p:nvPicPr>
-          <p:cNvPr id="6147" name="그림 1"/>
-          <p:cNvPicPr>
-            <a:picLocks noChangeAspect="1"/>
-          </p:cNvPicPr>
-          <p:nvPr/>
-        </p:nvPicPr>
-        <p:blipFill>
-          <a:blip r:embed="rId4" cstate="print">
-            <a:extLst>
-              <a:ext uri="{28A0092B-C50C-407E-A947-70E740481C1C}">
-                <a14:useLocalDpi xmlns:a14="http://schemas.microsoft.com/office/drawing/2010/main" val="0"/>
-              </a:ext>
-            </a:extLst>
-          </a:blip>
-          <a:srcRect/>
-          <a:stretch>
-            <a:fillRect/>
-          </a:stretch>
-        </p:blipFill>
-        <p:spPr bwMode="auto">
-          <a:xfrm>
-            <a:off x="179388" y="6416675"/>
-            <a:ext cx="1223962" cy="298450"/>
-          </a:xfrm>
-          <a:prstGeom prst="rect">
-            <a:avLst/>
-          </a:prstGeom>
-          <a:noFill/>
-          <a:ln>
-            <a:noFill/>
-          </a:ln>
-          <a:extLst>
-            <a:ext uri="{909E8E84-426E-40DD-AFC4-6F175D3DCCD1}">
-              <a14:hiddenFill xmlns:a14="http://schemas.microsoft.com/office/drawing/2010/main">
-                <a:solidFill>
-                  <a:srgbClr val="FFFFFF"/>
-                </a:solidFill>
-              </a14:hiddenFill>
-            </a:ext>
-            <a:ext uri="{91240B29-F687-4F45-9708-019B960494DF}">
-              <a14:hiddenLine xmlns:a14="http://schemas.microsoft.com/office/drawing/2010/main" w="9525">
-                <a:solidFill>
-                  <a:srgbClr val="000000"/>
-                </a:solidFill>
-                <a:miter lim="800000"/>
-                <a:headEnd/>
-                <a:tailEnd/>
-              </a14:hiddenLine>
-            </a:ext>
-          </a:extLst>
-        </p:spPr>
-      </p:pic>
       <p:sp>
         <p:nvSpPr>
           <p:cNvPr id="9" name="Text Box 58">
             <a:extLst>
               <a:ext uri="{FF2B5EF4-FFF2-40B4-BE49-F238E27FC236}">
-                <a16:creationId xmlns:a16="http://schemas.microsoft.com/office/drawing/2014/main" xmlns="" id="{34FAEFD2-4303-844B-B2E2-B0A0E43B2034}"/>
+                <a16:creationId xmlns:a16="http://schemas.microsoft.com/office/drawing/2014/main" id="{34FAEFD2-4303-844B-B2E2-B0A0E43B2034}"/>
               </a:ext>
             </a:extLst>
           </p:cNvPr>
@@ -5542,7 +5481,7 @@
               <a:defRPr/>
             </a:pPr>
             <a:r>
-              <a:rPr lang="en-US" altLang="ko-KR" sz="4000" dirty="0" err="1" smtClean="0">
+              <a:rPr lang="en-US" altLang="ko-KR" sz="4000" dirty="0" err="1">
                 <a:latin typeface="NanumSquareOTF" panose="020B0600000101010101" pitchFamily="34" charset="-127"/>
                 <a:ea typeface="NanumSquareOTF" panose="020B0600000101010101" pitchFamily="34" charset="-127"/>
                 <a:cs typeface="Nanum Gothic" charset="-127"/>
@@ -5550,7 +5489,7 @@
               <a:t>OpenCV</a:t>
             </a:r>
             <a:r>
-              <a:rPr lang="en-US" altLang="ko-KR" sz="4000" dirty="0" smtClean="0">
+              <a:rPr lang="en-US" altLang="ko-KR" sz="4000" dirty="0">
                 <a:latin typeface="NanumSquareOTF" panose="020B0600000101010101" pitchFamily="34" charset="-127"/>
                 <a:ea typeface="NanumSquareOTF" panose="020B0600000101010101" pitchFamily="34" charset="-127"/>
                 <a:cs typeface="Nanum Gothic" charset="-127"/>
@@ -5558,7 +5497,7 @@
               <a:t> &amp; </a:t>
             </a:r>
             <a:r>
-              <a:rPr lang="en-US" altLang="ko-KR" sz="4000" dirty="0" err="1" smtClean="0">
+              <a:rPr lang="en-US" altLang="ko-KR" sz="4000" dirty="0" err="1">
                 <a:latin typeface="NanumSquareOTF" panose="020B0600000101010101" pitchFamily="34" charset="-127"/>
                 <a:ea typeface="NanumSquareOTF" panose="020B0600000101010101" pitchFamily="34" charset="-127"/>
                 <a:cs typeface="Nanum Gothic" charset="-127"/>
@@ -5629,13 +5568,6 @@
   <p:clrMapOvr>
     <a:masterClrMapping/>
   </p:clrMapOvr>
-  <p:timing>
-    <p:tnLst>
-      <p:par>
-        <p:cTn id="1" dur="indefinite" restart="never" nodeType="tmRoot"/>
-      </p:par>
-    </p:tnLst>
-  </p:timing>
 </p:sld>
 </file>
 
@@ -5946,7 +5878,7 @@
               <a:defRPr/>
             </a:pPr>
             <a:r>
-              <a:rPr lang="en-US" sz="2000" b="1" dirty="0" smtClean="0">
+              <a:rPr lang="en-US" sz="2000" b="1" dirty="0">
                 <a:gradFill>
                   <a:gsLst>
                     <a:gs pos="0">
@@ -6274,7 +6206,7 @@
               </a:lnSpc>
             </a:pPr>
             <a:r>
-              <a:rPr kumimoji="0" lang="en-US" altLang="ko-KR" sz="1400" dirty="0" smtClean="0">
+              <a:rPr kumimoji="0" lang="en-US" altLang="ko-KR" sz="1400" dirty="0">
                 <a:solidFill>
                   <a:srgbClr val="000000"/>
                 </a:solidFill>
@@ -6284,24 +6216,14 @@
               <a:t>        </a:t>
             </a:r>
             <a:r>
-              <a:rPr kumimoji="0" lang="ko-KR" altLang="ko-KR" sz="1400" i="1" dirty="0" smtClean="0">
+              <a:rPr kumimoji="0" lang="ko-KR" altLang="ko-KR" sz="1400" i="1" dirty="0">
                 <a:solidFill>
                   <a:srgbClr val="808080"/>
                 </a:solidFill>
                 <a:latin typeface="나눔고딕" panose="020D0604000000000000" pitchFamily="50" charset="-127"/>
                 <a:ea typeface="나눔고딕" panose="020D0604000000000000" pitchFamily="50" charset="-127"/>
               </a:rPr>
-              <a:t># </a:t>
-            </a:r>
-            <a:r>
-              <a:rPr kumimoji="0" lang="ko-KR" altLang="ko-KR" sz="1400" i="1" dirty="0">
-                <a:solidFill>
-                  <a:srgbClr val="808080"/>
-                </a:solidFill>
-                <a:latin typeface="나눔고딕" panose="020D0604000000000000" pitchFamily="50" charset="-127"/>
-                <a:ea typeface="나눔고딕" panose="020D0604000000000000" pitchFamily="50" charset="-127"/>
-              </a:rPr>
-              <a:t>은닉층4 (채널=384, 커널=3, 패딩=1, </a:t>
+              <a:t># 은닉층4 (채널=384, 커널=3, 패딩=1, </a:t>
             </a:r>
             <a:r>
               <a:rPr kumimoji="0" lang="ko-KR" altLang="ko-KR" sz="1400" i="1" dirty="0" err="1">
@@ -6373,7 +6295,7 @@
               </a:rPr>
             </a:br>
             <a:r>
-              <a:rPr kumimoji="0" lang="en-US" altLang="ko-KR" sz="1400" i="1" dirty="0" smtClean="0">
+              <a:rPr kumimoji="0" lang="en-US" altLang="ko-KR" sz="1400" i="1" dirty="0">
                 <a:solidFill>
                   <a:srgbClr val="808080"/>
                 </a:solidFill>
@@ -6383,7 +6305,7 @@
               <a:t>        </a:t>
             </a:r>
             <a:r>
-              <a:rPr kumimoji="0" lang="ko-KR" altLang="ko-KR" sz="1400" i="1" dirty="0" smtClean="0">
+              <a:rPr kumimoji="0" lang="ko-KR" altLang="ko-KR" sz="1400" i="1" dirty="0">
                 <a:solidFill>
                   <a:srgbClr val="808080"/>
                 </a:solidFill>
@@ -6442,7 +6364,7 @@
               </a:rPr>
             </a:br>
             <a:r>
-              <a:rPr kumimoji="0" lang="en-US" altLang="ko-KR" sz="1400" i="1" dirty="0" smtClean="0">
+              <a:rPr kumimoji="0" lang="en-US" altLang="ko-KR" sz="1400" i="1" dirty="0">
                 <a:solidFill>
                   <a:srgbClr val="808080"/>
                 </a:solidFill>
@@ -6452,7 +6374,7 @@
               <a:t>        </a:t>
             </a:r>
             <a:r>
-              <a:rPr kumimoji="0" lang="ko-KR" altLang="ko-KR" sz="1400" dirty="0" smtClean="0">
+              <a:rPr kumimoji="0" lang="ko-KR" altLang="ko-KR" sz="1400" dirty="0">
                 <a:solidFill>
                   <a:srgbClr val="000000"/>
                 </a:solidFill>
@@ -6462,7 +6384,7 @@
               <a:t>gluon.nn.Conv2D(</a:t>
             </a:r>
             <a:r>
-              <a:rPr kumimoji="0" lang="ko-KR" altLang="ko-KR" sz="1400" dirty="0" smtClean="0">
+              <a:rPr kumimoji="0" lang="ko-KR" altLang="ko-KR" sz="1400" dirty="0">
                 <a:solidFill>
                   <a:srgbClr val="0000FF"/>
                 </a:solidFill>
@@ -6670,16 +6592,6 @@
                 <a:ea typeface="나눔고딕" panose="020D0604000000000000" pitchFamily="50" charset="-127"/>
               </a:rPr>
             </a:br>
-            <a:r>
-              <a:rPr kumimoji="0" lang="ko-KR" altLang="ko-KR" sz="1400" dirty="0">
-                <a:solidFill>
-                  <a:srgbClr val="000000"/>
-                </a:solidFill>
-                <a:latin typeface="나눔고딕" panose="020D0604000000000000" pitchFamily="50" charset="-127"/>
-                <a:ea typeface="나눔고딕" panose="020D0604000000000000" pitchFamily="50" charset="-127"/>
-              </a:rPr>
-              <a:t/>
-            </a:r>
             <a:br>
               <a:rPr kumimoji="0" lang="ko-KR" altLang="ko-KR" sz="1400" dirty="0">
                 <a:solidFill>
@@ -6690,7 +6602,7 @@
               </a:rPr>
             </a:br>
             <a:r>
-              <a:rPr kumimoji="0" lang="en-US" altLang="ko-KR" sz="1400" dirty="0" smtClean="0">
+              <a:rPr kumimoji="0" lang="en-US" altLang="ko-KR" sz="1400" dirty="0">
                 <a:solidFill>
                   <a:srgbClr val="000000"/>
                 </a:solidFill>
@@ -6700,24 +6612,14 @@
               <a:t>        </a:t>
             </a:r>
             <a:r>
-              <a:rPr kumimoji="0" lang="ko-KR" altLang="ko-KR" sz="1400" i="1" dirty="0" smtClean="0">
+              <a:rPr kumimoji="0" lang="ko-KR" altLang="ko-KR" sz="1400" i="1" dirty="0">
                 <a:solidFill>
                   <a:srgbClr val="808080"/>
                 </a:solidFill>
                 <a:latin typeface="나눔고딕" panose="020D0604000000000000" pitchFamily="50" charset="-127"/>
                 <a:ea typeface="나눔고딕" panose="020D0604000000000000" pitchFamily="50" charset="-127"/>
               </a:rPr>
-              <a:t># </a:t>
-            </a:r>
-            <a:r>
-              <a:rPr kumimoji="0" lang="ko-KR" altLang="ko-KR" sz="1400" i="1" dirty="0">
-                <a:solidFill>
-                  <a:srgbClr val="808080"/>
-                </a:solidFill>
-                <a:latin typeface="나눔고딕" panose="020D0604000000000000" pitchFamily="50" charset="-127"/>
-                <a:ea typeface="나눔고딕" panose="020D0604000000000000" pitchFamily="50" charset="-127"/>
-              </a:rPr>
-              <a:t>은닉층5 (채널=256, 커널=3, 패딩=1, </a:t>
+              <a:t># 은닉층5 (채널=256, 커널=3, 패딩=1, </a:t>
             </a:r>
             <a:r>
               <a:rPr kumimoji="0" lang="ko-KR" altLang="ko-KR" sz="1400" i="1" dirty="0" err="1">
@@ -6789,7 +6691,7 @@
               </a:rPr>
             </a:br>
             <a:r>
-              <a:rPr kumimoji="0" lang="en-US" altLang="ko-KR" sz="1400" i="1" dirty="0" smtClean="0">
+              <a:rPr kumimoji="0" lang="en-US" altLang="ko-KR" sz="1400" i="1" dirty="0">
                 <a:solidFill>
                   <a:srgbClr val="808080"/>
                 </a:solidFill>
@@ -6799,7 +6701,7 @@
               <a:t>        </a:t>
             </a:r>
             <a:r>
-              <a:rPr kumimoji="0" lang="ko-KR" altLang="ko-KR" sz="1400" i="1" dirty="0" smtClean="0">
+              <a:rPr kumimoji="0" lang="ko-KR" altLang="ko-KR" sz="1400" i="1" dirty="0">
                 <a:solidFill>
                   <a:srgbClr val="808080"/>
                 </a:solidFill>
@@ -6858,7 +6760,7 @@
               </a:rPr>
             </a:br>
             <a:r>
-              <a:rPr kumimoji="0" lang="en-US" altLang="ko-KR" sz="1400" i="1" dirty="0" smtClean="0">
+              <a:rPr kumimoji="0" lang="en-US" altLang="ko-KR" sz="1400" i="1" dirty="0">
                 <a:solidFill>
                   <a:srgbClr val="808080"/>
                 </a:solidFill>
@@ -6868,7 +6770,7 @@
               <a:t>        </a:t>
             </a:r>
             <a:r>
-              <a:rPr kumimoji="0" lang="ko-KR" altLang="ko-KR" sz="1400" i="1" dirty="0" smtClean="0">
+              <a:rPr kumimoji="0" lang="ko-KR" altLang="ko-KR" sz="1400" i="1" dirty="0">
                 <a:solidFill>
                   <a:srgbClr val="808080"/>
                 </a:solidFill>
@@ -6927,7 +6829,7 @@
               </a:rPr>
             </a:br>
             <a:r>
-              <a:rPr kumimoji="0" lang="en-US" altLang="ko-KR" sz="1400" i="1" dirty="0" smtClean="0">
+              <a:rPr kumimoji="0" lang="en-US" altLang="ko-KR" sz="1400" i="1" dirty="0">
                 <a:solidFill>
                   <a:srgbClr val="808080"/>
                 </a:solidFill>
@@ -6937,7 +6839,7 @@
               <a:t>        </a:t>
             </a:r>
             <a:r>
-              <a:rPr kumimoji="0" lang="ko-KR" altLang="ko-KR" sz="1400" dirty="0" smtClean="0">
+              <a:rPr kumimoji="0" lang="ko-KR" altLang="ko-KR" sz="1400" dirty="0">
                 <a:solidFill>
                   <a:srgbClr val="000000"/>
                 </a:solidFill>
@@ -6947,7 +6849,7 @@
               <a:t>gluon.nn.Conv2D(</a:t>
             </a:r>
             <a:r>
-              <a:rPr kumimoji="0" lang="ko-KR" altLang="ko-KR" sz="1400" dirty="0" smtClean="0">
+              <a:rPr kumimoji="0" lang="ko-KR" altLang="ko-KR" sz="1400" dirty="0">
                 <a:solidFill>
                   <a:srgbClr val="0000FF"/>
                 </a:solidFill>
@@ -7116,7 +7018,7 @@
               </a:rPr>
             </a:br>
             <a:r>
-              <a:rPr kumimoji="0" lang="en-US" altLang="ko-KR" sz="1400" dirty="0" smtClean="0">
+              <a:rPr kumimoji="0" lang="en-US" altLang="ko-KR" sz="1400" dirty="0">
                 <a:solidFill>
                   <a:srgbClr val="000000"/>
                 </a:solidFill>
@@ -7126,7 +7028,7 @@
               <a:t>        </a:t>
             </a:r>
             <a:r>
-              <a:rPr kumimoji="0" lang="ko-KR" altLang="ko-KR" sz="1400" dirty="0" smtClean="0">
+              <a:rPr kumimoji="0" lang="ko-KR" altLang="ko-KR" sz="1400" dirty="0">
                 <a:solidFill>
                   <a:srgbClr val="000000"/>
                 </a:solidFill>
@@ -7136,7 +7038,7 @@
               <a:t>gluon.nn.MaxPool2D(</a:t>
             </a:r>
             <a:r>
-              <a:rPr kumimoji="0" lang="ko-KR" altLang="ko-KR" sz="1400" dirty="0" err="1" smtClean="0">
+              <a:rPr kumimoji="0" lang="ko-KR" altLang="ko-KR" sz="1400" dirty="0" err="1">
                 <a:solidFill>
                   <a:srgbClr val="660099"/>
                 </a:solidFill>
@@ -7146,7 +7048,7 @@
               <a:t>pool_size</a:t>
             </a:r>
             <a:r>
-              <a:rPr kumimoji="0" lang="ko-KR" altLang="ko-KR" sz="1400" dirty="0" smtClean="0">
+              <a:rPr kumimoji="0" lang="ko-KR" altLang="ko-KR" sz="1400" dirty="0">
                 <a:solidFill>
                   <a:srgbClr val="000000"/>
                 </a:solidFill>
@@ -7156,7 +7058,7 @@
               <a:t>=</a:t>
             </a:r>
             <a:r>
-              <a:rPr kumimoji="0" lang="ko-KR" altLang="ko-KR" sz="1400" dirty="0" smtClean="0">
+              <a:rPr kumimoji="0" lang="ko-KR" altLang="ko-KR" sz="1400" dirty="0">
                 <a:solidFill>
                   <a:srgbClr val="0000FF"/>
                 </a:solidFill>
@@ -7426,20 +7328,20 @@
               <a:buNone/>
             </a:pPr>
             <a:r>
-              <a:rPr lang="en-US" altLang="ko-KR" sz="2800" kern="0" dirty="0" smtClean="0">
+              <a:rPr lang="en-US" altLang="ko-KR" sz="2800" kern="0" dirty="0">
                 <a:latin typeface="나눔고딕 ExtraBold" panose="020D0904000000000000" pitchFamily="50" charset="-127"/>
                 <a:ea typeface="나눔고딕 ExtraBold" panose="020D0904000000000000" pitchFamily="50" charset="-127"/>
               </a:rPr>
               <a:t>1. </a:t>
             </a:r>
             <a:r>
-              <a:rPr lang="en-US" altLang="ko-KR" sz="2800" kern="0" dirty="0" err="1" smtClean="0">
+              <a:rPr lang="en-US" altLang="ko-KR" sz="2800" kern="0" dirty="0" err="1">
                 <a:latin typeface="나눔고딕 ExtraBold" panose="020D0904000000000000" pitchFamily="50" charset="-127"/>
                 <a:ea typeface="나눔고딕 ExtraBold" panose="020D0904000000000000" pitchFamily="50" charset="-127"/>
               </a:rPr>
               <a:t>Mxnet.gluon</a:t>
             </a:r>
-            <a:endParaRPr lang="ko-KR" altLang="en-US" sz="2800" kern="0" dirty="0" smtClean="0">
+            <a:endParaRPr lang="ko-KR" altLang="en-US" sz="2800" kern="0" dirty="0">
               <a:latin typeface="나눔고딕 ExtraBold" panose="020D0904000000000000" pitchFamily="50" charset="-127"/>
               <a:ea typeface="나눔고딕 ExtraBold" panose="020D0904000000000000" pitchFamily="50" charset="-127"/>
             </a:endParaRPr>
@@ -7736,7 +7638,7 @@
               <a:defRPr/>
             </a:pPr>
             <a:r>
-              <a:rPr lang="ko-KR" altLang="en-US" sz="1400" dirty="0" smtClean="0">
+              <a:rPr lang="ko-KR" altLang="en-US" sz="1400" dirty="0">
                 <a:solidFill>
                   <a:schemeClr val="tx1"/>
                 </a:solidFill>
@@ -7745,13 +7647,6 @@
               </a:rPr>
               <a:t>모델 설계하기</a:t>
             </a:r>
-            <a:endParaRPr lang="ko-KR" altLang="en-US" sz="1400" dirty="0">
-              <a:solidFill>
-                <a:schemeClr val="tx1"/>
-              </a:solidFill>
-              <a:latin typeface="나눔고딕" panose="020D0604000000000000" pitchFamily="50" charset="-127"/>
-              <a:ea typeface="나눔고딕" panose="020D0604000000000000" pitchFamily="50" charset="-127"/>
-            </a:endParaRPr>
           </a:p>
         </p:txBody>
       </p:sp>
@@ -7765,13 +7660,6 @@
   <p:clrMapOvr>
     <a:masterClrMapping/>
   </p:clrMapOvr>
-  <p:timing>
-    <p:tnLst>
-      <p:par>
-        <p:cTn id="1" dur="indefinite" restart="never" nodeType="tmRoot"/>
-      </p:par>
-    </p:tnLst>
-  </p:timing>
 </p:sld>
 </file>
 
@@ -8082,7 +7970,7 @@
               <a:defRPr/>
             </a:pPr>
             <a:r>
-              <a:rPr lang="en-US" sz="2000" b="1" dirty="0" smtClean="0">
+              <a:rPr lang="en-US" sz="2000" b="1" dirty="0">
                 <a:gradFill>
                   <a:gsLst>
                     <a:gs pos="0">
@@ -8410,7 +8298,7 @@
               </a:lnSpc>
             </a:pPr>
             <a:r>
-              <a:rPr kumimoji="0" lang="en-US" altLang="ko-KR" sz="1400" i="1" dirty="0" smtClean="0">
+              <a:rPr kumimoji="0" lang="en-US" altLang="ko-KR" sz="1400" i="1" dirty="0">
                 <a:solidFill>
                   <a:srgbClr val="808080"/>
                 </a:solidFill>
@@ -8420,24 +8308,14 @@
               <a:t>        </a:t>
             </a:r>
             <a:r>
-              <a:rPr kumimoji="0" lang="ko-KR" altLang="ko-KR" sz="1400" i="1" dirty="0" smtClean="0">
+              <a:rPr kumimoji="0" lang="ko-KR" altLang="ko-KR" sz="1400" i="1" dirty="0">
                 <a:solidFill>
                   <a:srgbClr val="808080"/>
                 </a:solidFill>
                 <a:latin typeface="나눔고딕" panose="020D0604000000000000" pitchFamily="50" charset="-127"/>
                 <a:ea typeface="나눔고딕" panose="020D0604000000000000" pitchFamily="50" charset="-127"/>
               </a:rPr>
-              <a:t># </a:t>
-            </a:r>
-            <a:r>
-              <a:rPr kumimoji="0" lang="ko-KR" altLang="ko-KR" sz="1400" i="1" dirty="0">
-                <a:solidFill>
-                  <a:srgbClr val="808080"/>
-                </a:solidFill>
-                <a:latin typeface="나눔고딕" panose="020D0604000000000000" pitchFamily="50" charset="-127"/>
-                <a:ea typeface="나눔고딕" panose="020D0604000000000000" pitchFamily="50" charset="-127"/>
-              </a:rPr>
-              <a:t>1차원 배열로</a:t>
+              <a:t># 1차원 배열로</a:t>
             </a:r>
             <a:br>
               <a:rPr kumimoji="0" lang="ko-KR" altLang="ko-KR" sz="1400" i="1" dirty="0">
@@ -8449,7 +8327,7 @@
               </a:rPr>
             </a:br>
             <a:r>
-              <a:rPr kumimoji="0" lang="en-US" altLang="ko-KR" sz="1400" i="1" dirty="0" smtClean="0">
+              <a:rPr kumimoji="0" lang="en-US" altLang="ko-KR" sz="1400" i="1" dirty="0">
                 <a:solidFill>
                   <a:srgbClr val="808080"/>
                 </a:solidFill>
@@ -8459,7 +8337,7 @@
               <a:t>        </a:t>
             </a:r>
             <a:r>
-              <a:rPr kumimoji="0" lang="ko-KR" altLang="ko-KR" sz="1400" dirty="0" err="1" smtClean="0">
+              <a:rPr kumimoji="0" lang="ko-KR" altLang="ko-KR" sz="1400" dirty="0" err="1">
                 <a:solidFill>
                   <a:srgbClr val="000000"/>
                 </a:solidFill>
@@ -8487,16 +8365,6 @@
                 <a:ea typeface="나눔고딕" panose="020D0604000000000000" pitchFamily="50" charset="-127"/>
               </a:rPr>
             </a:br>
-            <a:r>
-              <a:rPr kumimoji="0" lang="ko-KR" altLang="ko-KR" sz="1400" dirty="0">
-                <a:solidFill>
-                  <a:srgbClr val="000000"/>
-                </a:solidFill>
-                <a:latin typeface="나눔고딕" panose="020D0604000000000000" pitchFamily="50" charset="-127"/>
-                <a:ea typeface="나눔고딕" panose="020D0604000000000000" pitchFamily="50" charset="-127"/>
-              </a:rPr>
-              <a:t/>
-            </a:r>
             <a:br>
               <a:rPr kumimoji="0" lang="ko-KR" altLang="ko-KR" sz="1400" dirty="0">
                 <a:solidFill>
@@ -8507,7 +8375,7 @@
               </a:rPr>
             </a:br>
             <a:r>
-              <a:rPr kumimoji="0" lang="en-US" altLang="ko-KR" sz="1400" dirty="0" smtClean="0">
+              <a:rPr kumimoji="0" lang="en-US" altLang="ko-KR" sz="1400" dirty="0">
                 <a:solidFill>
                   <a:srgbClr val="000000"/>
                 </a:solidFill>
@@ -8517,24 +8385,14 @@
               <a:t>        </a:t>
             </a:r>
             <a:r>
-              <a:rPr kumimoji="0" lang="ko-KR" altLang="ko-KR" sz="1400" i="1" dirty="0" smtClean="0">
+              <a:rPr kumimoji="0" lang="ko-KR" altLang="ko-KR" sz="1400" i="1" dirty="0">
                 <a:solidFill>
                   <a:srgbClr val="808080"/>
                 </a:solidFill>
                 <a:latin typeface="나눔고딕" panose="020D0604000000000000" pitchFamily="50" charset="-127"/>
                 <a:ea typeface="나눔고딕" panose="020D0604000000000000" pitchFamily="50" charset="-127"/>
               </a:rPr>
-              <a:t># </a:t>
-            </a:r>
-            <a:r>
-              <a:rPr kumimoji="0" lang="ko-KR" altLang="ko-KR" sz="1400" i="1" dirty="0">
-                <a:solidFill>
-                  <a:srgbClr val="808080"/>
-                </a:solidFill>
-                <a:latin typeface="나눔고딕" panose="020D0604000000000000" pitchFamily="50" charset="-127"/>
-                <a:ea typeface="나눔고딕" panose="020D0604000000000000" pitchFamily="50" charset="-127"/>
-              </a:rPr>
-              <a:t>은닉층6 (채널=4096, </a:t>
+              <a:t># 은닉층6 (채널=4096, </a:t>
             </a:r>
             <a:r>
               <a:rPr kumimoji="0" lang="ko-KR" altLang="ko-KR" sz="1400" i="1" dirty="0" err="1">
@@ -8586,7 +8444,7 @@
               </a:rPr>
             </a:br>
             <a:r>
-              <a:rPr kumimoji="0" lang="en-US" altLang="ko-KR" sz="1400" i="1" dirty="0" smtClean="0">
+              <a:rPr kumimoji="0" lang="en-US" altLang="ko-KR" sz="1400" i="1" dirty="0">
                 <a:solidFill>
                   <a:srgbClr val="808080"/>
                 </a:solidFill>
@@ -8596,7 +8454,7 @@
               <a:t>        </a:t>
             </a:r>
             <a:r>
-              <a:rPr kumimoji="0" lang="ko-KR" altLang="ko-KR" sz="1400" i="1" dirty="0" smtClean="0">
+              <a:rPr kumimoji="0" lang="ko-KR" altLang="ko-KR" sz="1400" i="1" dirty="0">
                 <a:solidFill>
                   <a:srgbClr val="808080"/>
                 </a:solidFill>
@@ -8635,7 +8493,7 @@
               </a:rPr>
             </a:br>
             <a:r>
-              <a:rPr kumimoji="0" lang="en-US" altLang="ko-KR" sz="1400" i="1" dirty="0" smtClean="0">
+              <a:rPr kumimoji="0" lang="en-US" altLang="ko-KR" sz="1400" i="1" dirty="0">
                 <a:solidFill>
                   <a:srgbClr val="808080"/>
                 </a:solidFill>
@@ -8645,7 +8503,7 @@
               <a:t>       </a:t>
             </a:r>
             <a:r>
-              <a:rPr kumimoji="0" lang="ko-KR" altLang="ko-KR" sz="1400" i="1" dirty="0" smtClean="0">
+              <a:rPr kumimoji="0" lang="ko-KR" altLang="ko-KR" sz="1400" i="1" dirty="0">
                 <a:solidFill>
                   <a:srgbClr val="808080"/>
                 </a:solidFill>
@@ -8704,7 +8562,7 @@
               </a:rPr>
             </a:br>
             <a:r>
-              <a:rPr kumimoji="0" lang="en-US" altLang="ko-KR" sz="1400" i="1" dirty="0" smtClean="0">
+              <a:rPr kumimoji="0" lang="en-US" altLang="ko-KR" sz="1400" i="1" dirty="0">
                 <a:solidFill>
                   <a:srgbClr val="808080"/>
                 </a:solidFill>
@@ -8714,7 +8572,7 @@
               <a:t>        </a:t>
             </a:r>
             <a:r>
-              <a:rPr kumimoji="0" lang="ko-KR" altLang="ko-KR" sz="1400" dirty="0" err="1" smtClean="0">
+              <a:rPr kumimoji="0" lang="ko-KR" altLang="ko-KR" sz="1400" dirty="0" err="1">
                 <a:solidFill>
                   <a:srgbClr val="000000"/>
                 </a:solidFill>
@@ -8724,7 +8582,7 @@
               <a:t>gluon.nn.Dense</a:t>
             </a:r>
             <a:r>
-              <a:rPr kumimoji="0" lang="ko-KR" altLang="ko-KR" sz="1400" dirty="0" smtClean="0">
+              <a:rPr kumimoji="0" lang="ko-KR" altLang="ko-KR" sz="1400" dirty="0">
                 <a:solidFill>
                   <a:srgbClr val="000000"/>
                 </a:solidFill>
@@ -8734,7 +8592,7 @@
               <a:t>(</a:t>
             </a:r>
             <a:r>
-              <a:rPr kumimoji="0" lang="ko-KR" altLang="ko-KR" sz="1400" dirty="0" smtClean="0">
+              <a:rPr kumimoji="0" lang="ko-KR" altLang="ko-KR" sz="1400" dirty="0">
                 <a:solidFill>
                   <a:srgbClr val="0000FF"/>
                 </a:solidFill>
@@ -8862,16 +8720,6 @@
                 <a:ea typeface="나눔고딕" panose="020D0604000000000000" pitchFamily="50" charset="-127"/>
               </a:rPr>
             </a:br>
-            <a:r>
-              <a:rPr kumimoji="0" lang="ko-KR" altLang="ko-KR" sz="1400" dirty="0">
-                <a:solidFill>
-                  <a:srgbClr val="000000"/>
-                </a:solidFill>
-                <a:latin typeface="나눔고딕" panose="020D0604000000000000" pitchFamily="50" charset="-127"/>
-                <a:ea typeface="나눔고딕" panose="020D0604000000000000" pitchFamily="50" charset="-127"/>
-              </a:rPr>
-              <a:t/>
-            </a:r>
             <a:br>
               <a:rPr kumimoji="0" lang="ko-KR" altLang="ko-KR" sz="1400" dirty="0">
                 <a:solidFill>
@@ -8882,7 +8730,7 @@
               </a:rPr>
             </a:br>
             <a:r>
-              <a:rPr kumimoji="0" lang="en-US" altLang="ko-KR" sz="1400" dirty="0" smtClean="0">
+              <a:rPr kumimoji="0" lang="en-US" altLang="ko-KR" sz="1400" dirty="0">
                 <a:solidFill>
                   <a:srgbClr val="000000"/>
                 </a:solidFill>
@@ -8892,24 +8740,14 @@
               <a:t>        </a:t>
             </a:r>
             <a:r>
-              <a:rPr kumimoji="0" lang="ko-KR" altLang="ko-KR" sz="1400" i="1" dirty="0" smtClean="0">
+              <a:rPr kumimoji="0" lang="ko-KR" altLang="ko-KR" sz="1400" i="1" dirty="0">
                 <a:solidFill>
                   <a:srgbClr val="808080"/>
                 </a:solidFill>
                 <a:latin typeface="나눔고딕" panose="020D0604000000000000" pitchFamily="50" charset="-127"/>
                 <a:ea typeface="나눔고딕" panose="020D0604000000000000" pitchFamily="50" charset="-127"/>
               </a:rPr>
-              <a:t># </a:t>
-            </a:r>
-            <a:r>
-              <a:rPr kumimoji="0" lang="ko-KR" altLang="ko-KR" sz="1400" i="1" dirty="0">
-                <a:solidFill>
-                  <a:srgbClr val="808080"/>
-                </a:solidFill>
-                <a:latin typeface="나눔고딕" panose="020D0604000000000000" pitchFamily="50" charset="-127"/>
-                <a:ea typeface="나눔고딕" panose="020D0604000000000000" pitchFamily="50" charset="-127"/>
-              </a:rPr>
-              <a:t>은닉층7 (채널=4096, </a:t>
+              <a:t># 은닉층7 (채널=4096, </a:t>
             </a:r>
             <a:r>
               <a:rPr kumimoji="0" lang="ko-KR" altLang="ko-KR" sz="1400" i="1" dirty="0" err="1">
@@ -8961,7 +8799,7 @@
               </a:rPr>
             </a:br>
             <a:r>
-              <a:rPr kumimoji="0" lang="en-US" altLang="ko-KR" sz="1400" i="1" dirty="0" smtClean="0">
+              <a:rPr kumimoji="0" lang="en-US" altLang="ko-KR" sz="1400" i="1" dirty="0">
                 <a:solidFill>
                   <a:srgbClr val="808080"/>
                 </a:solidFill>
@@ -8971,7 +8809,7 @@
               <a:t>        </a:t>
             </a:r>
             <a:r>
-              <a:rPr kumimoji="0" lang="ko-KR" altLang="ko-KR" sz="1400" i="1" dirty="0" smtClean="0">
+              <a:rPr kumimoji="0" lang="ko-KR" altLang="ko-KR" sz="1400" i="1" dirty="0">
                 <a:solidFill>
                   <a:srgbClr val="808080"/>
                 </a:solidFill>
@@ -9010,7 +8848,7 @@
               </a:rPr>
             </a:br>
             <a:r>
-              <a:rPr kumimoji="0" lang="en-US" altLang="ko-KR" sz="1400" i="1" dirty="0" smtClean="0">
+              <a:rPr kumimoji="0" lang="en-US" altLang="ko-KR" sz="1400" i="1" dirty="0">
                 <a:solidFill>
                   <a:srgbClr val="808080"/>
                 </a:solidFill>
@@ -9020,7 +8858,7 @@
               <a:t>        </a:t>
             </a:r>
             <a:r>
-              <a:rPr kumimoji="0" lang="ko-KR" altLang="ko-KR" sz="1400" i="1" dirty="0" smtClean="0">
+              <a:rPr kumimoji="0" lang="ko-KR" altLang="ko-KR" sz="1400" i="1" dirty="0">
                 <a:solidFill>
                   <a:srgbClr val="808080"/>
                 </a:solidFill>
@@ -9079,7 +8917,7 @@
               </a:rPr>
             </a:br>
             <a:r>
-              <a:rPr kumimoji="0" lang="en-US" altLang="ko-KR" sz="1400" i="1" dirty="0" smtClean="0">
+              <a:rPr kumimoji="0" lang="en-US" altLang="ko-KR" sz="1400" i="1" dirty="0">
                 <a:solidFill>
                   <a:srgbClr val="808080"/>
                 </a:solidFill>
@@ -9089,7 +8927,7 @@
               <a:t>        </a:t>
             </a:r>
             <a:r>
-              <a:rPr kumimoji="0" lang="ko-KR" altLang="ko-KR" sz="1400" dirty="0" err="1" smtClean="0">
+              <a:rPr kumimoji="0" lang="ko-KR" altLang="ko-KR" sz="1400" dirty="0" err="1">
                 <a:solidFill>
                   <a:srgbClr val="000000"/>
                 </a:solidFill>
@@ -9099,7 +8937,7 @@
               <a:t>gluon.nn.Dense</a:t>
             </a:r>
             <a:r>
-              <a:rPr kumimoji="0" lang="ko-KR" altLang="ko-KR" sz="1400" dirty="0" smtClean="0">
+              <a:rPr kumimoji="0" lang="ko-KR" altLang="ko-KR" sz="1400" dirty="0">
                 <a:solidFill>
                   <a:srgbClr val="000000"/>
                 </a:solidFill>
@@ -9109,7 +8947,7 @@
               <a:t>(</a:t>
             </a:r>
             <a:r>
-              <a:rPr kumimoji="0" lang="ko-KR" altLang="ko-KR" sz="1400" dirty="0" smtClean="0">
+              <a:rPr kumimoji="0" lang="ko-KR" altLang="ko-KR" sz="1400" dirty="0">
                 <a:solidFill>
                   <a:srgbClr val="0000FF"/>
                 </a:solidFill>
@@ -9238,7 +9076,7 @@
               </a:rPr>
             </a:br>
             <a:r>
-              <a:rPr kumimoji="0" lang="en-US" altLang="ko-KR" sz="1400" dirty="0" smtClean="0">
+              <a:rPr kumimoji="0" lang="en-US" altLang="ko-KR" sz="1400" dirty="0">
                 <a:solidFill>
                   <a:srgbClr val="000000"/>
                 </a:solidFill>
@@ -9248,7 +9086,7 @@
               <a:t>        </a:t>
             </a:r>
             <a:r>
-              <a:rPr kumimoji="0" lang="ko-KR" altLang="ko-KR" sz="1400" i="1" dirty="0" smtClean="0">
+              <a:rPr kumimoji="0" lang="ko-KR" altLang="ko-KR" sz="1400" i="1" dirty="0">
                 <a:solidFill>
                   <a:srgbClr val="808080"/>
                 </a:solidFill>
@@ -9258,7 +9096,7 @@
               <a:t># </a:t>
             </a:r>
             <a:r>
-              <a:rPr kumimoji="0" lang="ko-KR" altLang="en-US" sz="1400" i="1" dirty="0" err="1" smtClean="0">
+              <a:rPr kumimoji="0" lang="ko-KR" altLang="en-US" sz="1400" i="1" dirty="0" err="1">
                 <a:solidFill>
                   <a:srgbClr val="808080"/>
                 </a:solidFill>
@@ -9268,7 +9106,7 @@
               <a:t>은닉츠</a:t>
             </a:r>
             <a:r>
-              <a:rPr kumimoji="0" lang="en-US" altLang="ko-KR" sz="1400" i="1" dirty="0" smtClean="0">
+              <a:rPr kumimoji="0" lang="en-US" altLang="ko-KR" sz="1400" i="1" dirty="0">
                 <a:solidFill>
                   <a:srgbClr val="808080"/>
                 </a:solidFill>
@@ -9278,7 +9116,7 @@
               <a:t>8=</a:t>
             </a:r>
             <a:r>
-              <a:rPr kumimoji="0" lang="ko-KR" altLang="en-US" sz="1400" i="1" dirty="0" err="1" smtClean="0">
+              <a:rPr kumimoji="0" lang="ko-KR" altLang="en-US" sz="1400" i="1" dirty="0" err="1">
                 <a:solidFill>
                   <a:srgbClr val="808080"/>
                 </a:solidFill>
@@ -9287,7 +9125,7 @@
               </a:rPr>
               <a:t>출력층</a:t>
             </a:r>
-            <a:endParaRPr kumimoji="0" lang="en-US" altLang="ko-KR" sz="1400" i="1" dirty="0" smtClean="0">
+            <a:endParaRPr kumimoji="0" lang="en-US" altLang="ko-KR" sz="1400" i="1" dirty="0">
               <a:solidFill>
                 <a:srgbClr val="808080"/>
               </a:solidFill>
@@ -9302,7 +9140,7 @@
               </a:lnSpc>
             </a:pPr>
             <a:r>
-              <a:rPr kumimoji="0" lang="en-US" altLang="ko-KR" sz="1400" i="1" dirty="0" smtClean="0">
+              <a:rPr kumimoji="0" lang="en-US" altLang="ko-KR" sz="1400" i="1" dirty="0">
                 <a:solidFill>
                   <a:srgbClr val="808080"/>
                 </a:solidFill>
@@ -9312,7 +9150,7 @@
               <a:t>        </a:t>
             </a:r>
             <a:r>
-              <a:rPr kumimoji="0" lang="ko-KR" altLang="ko-KR" sz="1400" i="1" dirty="0" smtClean="0">
+              <a:rPr kumimoji="0" lang="ko-KR" altLang="ko-KR" sz="1400" i="1" dirty="0">
                 <a:solidFill>
                   <a:srgbClr val="808080"/>
                 </a:solidFill>
@@ -9322,7 +9160,7 @@
               <a:t># </a:t>
             </a:r>
             <a:r>
-              <a:rPr kumimoji="0" lang="en-US" altLang="ko-KR" sz="1400" i="1" dirty="0" smtClean="0">
+              <a:rPr kumimoji="0" lang="en-US" altLang="ko-KR" sz="1400" i="1" dirty="0">
                 <a:solidFill>
                   <a:srgbClr val="808080"/>
                 </a:solidFill>
@@ -9332,7 +9170,7 @@
               <a:t>CIFAR10</a:t>
             </a:r>
             <a:r>
-              <a:rPr kumimoji="0" lang="ko-KR" altLang="en-US" sz="1400" i="1" dirty="0" smtClean="0">
+              <a:rPr kumimoji="0" lang="ko-KR" altLang="en-US" sz="1400" i="1" dirty="0">
                 <a:solidFill>
                   <a:srgbClr val="808080"/>
                 </a:solidFill>
@@ -9342,7 +9180,7 @@
               <a:t>은 </a:t>
             </a:r>
             <a:r>
-              <a:rPr kumimoji="0" lang="en-US" altLang="ko-KR" sz="1400" i="1" dirty="0" smtClean="0">
+              <a:rPr kumimoji="0" lang="en-US" altLang="ko-KR" sz="1400" i="1" dirty="0">
                 <a:solidFill>
                   <a:srgbClr val="808080"/>
                 </a:solidFill>
@@ -9352,7 +9190,7 @@
               <a:t>10</a:t>
             </a:r>
             <a:r>
-              <a:rPr kumimoji="0" lang="ko-KR" altLang="en-US" sz="1400" i="1" dirty="0" smtClean="0">
+              <a:rPr kumimoji="0" lang="ko-KR" altLang="en-US" sz="1400" i="1" dirty="0">
                 <a:solidFill>
                   <a:srgbClr val="808080"/>
                 </a:solidFill>
@@ -9361,7 +9199,7 @@
               </a:rPr>
               <a:t>가지의 사진을 가지고 있는 데이터</a:t>
             </a:r>
-            <a:endParaRPr kumimoji="0" lang="en-US" altLang="ko-KR" sz="1400" i="1" dirty="0" smtClean="0">
+            <a:endParaRPr kumimoji="0" lang="en-US" altLang="ko-KR" sz="1400" i="1" dirty="0">
               <a:solidFill>
                 <a:srgbClr val="808080"/>
               </a:solidFill>
@@ -9376,7 +9214,7 @@
               </a:lnSpc>
             </a:pPr>
             <a:r>
-              <a:rPr kumimoji="0" lang="en-US" altLang="ko-KR" sz="1400" i="1" dirty="0" smtClean="0">
+              <a:rPr kumimoji="0" lang="en-US" altLang="ko-KR" sz="1400" i="1" dirty="0">
                 <a:solidFill>
                   <a:srgbClr val="808080"/>
                 </a:solidFill>
@@ -9386,7 +9224,7 @@
               <a:t>        </a:t>
             </a:r>
             <a:r>
-              <a:rPr kumimoji="0" lang="ko-KR" altLang="ko-KR" sz="1400" dirty="0" err="1" smtClean="0">
+              <a:rPr kumimoji="0" lang="ko-KR" altLang="ko-KR" sz="1400" dirty="0" err="1">
                 <a:solidFill>
                   <a:srgbClr val="000000"/>
                 </a:solidFill>
@@ -9396,7 +9234,7 @@
               <a:t>gluon.nn.Dense</a:t>
             </a:r>
             <a:r>
-              <a:rPr kumimoji="0" lang="ko-KR" altLang="ko-KR" sz="1400" dirty="0" smtClean="0">
+              <a:rPr kumimoji="0" lang="ko-KR" altLang="ko-KR" sz="1400" dirty="0">
                 <a:solidFill>
                   <a:srgbClr val="000000"/>
                 </a:solidFill>
@@ -9406,7 +9244,7 @@
               <a:t>(</a:t>
             </a:r>
             <a:r>
-              <a:rPr kumimoji="0" lang="ko-KR" altLang="ko-KR" sz="1400" dirty="0" smtClean="0">
+              <a:rPr kumimoji="0" lang="ko-KR" altLang="ko-KR" sz="1400" dirty="0">
                 <a:solidFill>
                   <a:srgbClr val="0000FF"/>
                 </a:solidFill>
@@ -9416,7 +9254,7 @@
               <a:t>10</a:t>
             </a:r>
             <a:r>
-              <a:rPr kumimoji="0" lang="ko-KR" altLang="ko-KR" sz="1400" dirty="0" smtClean="0">
+              <a:rPr kumimoji="0" lang="ko-KR" altLang="ko-KR" sz="1400" dirty="0">
                 <a:solidFill>
                   <a:srgbClr val="000000"/>
                 </a:solidFill>
@@ -9627,20 +9465,20 @@
               <a:buNone/>
             </a:pPr>
             <a:r>
-              <a:rPr lang="en-US" altLang="ko-KR" sz="2800" kern="0" dirty="0" smtClean="0">
+              <a:rPr lang="en-US" altLang="ko-KR" sz="2800" kern="0" dirty="0">
                 <a:latin typeface="나눔고딕 ExtraBold" panose="020D0904000000000000" pitchFamily="50" charset="-127"/>
                 <a:ea typeface="나눔고딕 ExtraBold" panose="020D0904000000000000" pitchFamily="50" charset="-127"/>
               </a:rPr>
               <a:t>1. </a:t>
             </a:r>
             <a:r>
-              <a:rPr lang="en-US" altLang="ko-KR" sz="2800" kern="0" dirty="0" err="1" smtClean="0">
+              <a:rPr lang="en-US" altLang="ko-KR" sz="2800" kern="0" dirty="0" err="1">
                 <a:latin typeface="나눔고딕 ExtraBold" panose="020D0904000000000000" pitchFamily="50" charset="-127"/>
                 <a:ea typeface="나눔고딕 ExtraBold" panose="020D0904000000000000" pitchFamily="50" charset="-127"/>
               </a:rPr>
               <a:t>Mxnet.gluon</a:t>
             </a:r>
-            <a:endParaRPr lang="ko-KR" altLang="en-US" sz="2800" kern="0" dirty="0" smtClean="0">
+            <a:endParaRPr lang="ko-KR" altLang="en-US" sz="2800" kern="0" dirty="0">
               <a:latin typeface="나눔고딕 ExtraBold" panose="020D0904000000000000" pitchFamily="50" charset="-127"/>
               <a:ea typeface="나눔고딕 ExtraBold" panose="020D0904000000000000" pitchFamily="50" charset="-127"/>
             </a:endParaRPr>
@@ -9937,7 +9775,7 @@
               <a:defRPr/>
             </a:pPr>
             <a:r>
-              <a:rPr lang="ko-KR" altLang="en-US" sz="1400" dirty="0" smtClean="0">
+              <a:rPr lang="ko-KR" altLang="en-US" sz="1400" dirty="0">
                 <a:solidFill>
                   <a:schemeClr val="tx1"/>
                 </a:solidFill>
@@ -9946,13 +9784,6 @@
               </a:rPr>
               <a:t>모델 설계하기</a:t>
             </a:r>
-            <a:endParaRPr lang="ko-KR" altLang="en-US" sz="1400" dirty="0">
-              <a:solidFill>
-                <a:schemeClr val="tx1"/>
-              </a:solidFill>
-              <a:latin typeface="나눔고딕" panose="020D0604000000000000" pitchFamily="50" charset="-127"/>
-              <a:ea typeface="나눔고딕" panose="020D0604000000000000" pitchFamily="50" charset="-127"/>
-            </a:endParaRPr>
           </a:p>
         </p:txBody>
       </p:sp>
@@ -9966,13 +9797,6 @@
   <p:clrMapOvr>
     <a:masterClrMapping/>
   </p:clrMapOvr>
-  <p:timing>
-    <p:tnLst>
-      <p:par>
-        <p:cTn id="1" dur="indefinite" restart="never" nodeType="tmRoot"/>
-      </p:par>
-    </p:tnLst>
-  </p:timing>
 </p:sld>
 </file>
 
@@ -10283,7 +10107,7 @@
               <a:defRPr/>
             </a:pPr>
             <a:r>
-              <a:rPr lang="en-US" sz="2000" b="1" dirty="0" smtClean="0">
+              <a:rPr lang="en-US" sz="2000" b="1" dirty="0">
                 <a:gradFill>
                   <a:gsLst>
                     <a:gs pos="0">
@@ -10611,7 +10435,7 @@
               </a:lnSpc>
             </a:pPr>
             <a:r>
-              <a:rPr kumimoji="0" lang="ko-KR" altLang="ko-KR" sz="1400" dirty="0" err="1" smtClean="0">
+              <a:rPr kumimoji="0" lang="ko-KR" altLang="ko-KR" sz="1400" dirty="0" err="1">
                 <a:solidFill>
                   <a:srgbClr val="000000"/>
                 </a:solidFill>
@@ -10621,7 +10445,7 @@
               <a:t>net.collect_params</a:t>
             </a:r>
             <a:r>
-              <a:rPr kumimoji="0" lang="ko-KR" altLang="ko-KR" sz="1400" dirty="0" smtClean="0">
+              <a:rPr kumimoji="0" lang="ko-KR" altLang="ko-KR" sz="1400" dirty="0">
                 <a:solidFill>
                   <a:srgbClr val="000000"/>
                 </a:solidFill>
@@ -10631,7 +10455,7 @@
               <a:t>().</a:t>
             </a:r>
             <a:r>
-              <a:rPr kumimoji="0" lang="ko-KR" altLang="ko-KR" sz="1400" dirty="0" err="1" smtClean="0">
+              <a:rPr kumimoji="0" lang="ko-KR" altLang="ko-KR" sz="1400" dirty="0" err="1">
                 <a:solidFill>
                   <a:srgbClr val="000000"/>
                 </a:solidFill>
@@ -10641,7 +10465,7 @@
               <a:t>initialize</a:t>
             </a:r>
             <a:r>
-              <a:rPr kumimoji="0" lang="ko-KR" altLang="ko-KR" sz="1400" dirty="0" smtClean="0">
+              <a:rPr kumimoji="0" lang="ko-KR" altLang="ko-KR" sz="1400" dirty="0">
                 <a:solidFill>
                   <a:srgbClr val="000000"/>
                 </a:solidFill>
@@ -10651,7 +10475,7 @@
               <a:t>(</a:t>
             </a:r>
             <a:r>
-              <a:rPr kumimoji="0" lang="ko-KR" altLang="ko-KR" sz="1400" dirty="0" err="1" smtClean="0">
+              <a:rPr kumimoji="0" lang="ko-KR" altLang="ko-KR" sz="1400" dirty="0" err="1">
                 <a:solidFill>
                   <a:srgbClr val="000000"/>
                 </a:solidFill>
@@ -10661,7 +10485,7 @@
               <a:t>mx.init.Xavier</a:t>
             </a:r>
             <a:r>
-              <a:rPr kumimoji="0" lang="ko-KR" altLang="ko-KR" sz="1400" dirty="0" smtClean="0">
+              <a:rPr kumimoji="0" lang="ko-KR" altLang="ko-KR" sz="1400" dirty="0">
                 <a:solidFill>
                   <a:srgbClr val="000000"/>
                 </a:solidFill>
@@ -10671,7 +10495,7 @@
               <a:t>(</a:t>
             </a:r>
             <a:r>
-              <a:rPr kumimoji="0" lang="ko-KR" altLang="ko-KR" sz="1400" dirty="0" err="1" smtClean="0">
+              <a:rPr kumimoji="0" lang="ko-KR" altLang="ko-KR" sz="1400" dirty="0" err="1">
                 <a:solidFill>
                   <a:srgbClr val="660099"/>
                 </a:solidFill>
@@ -10681,7 +10505,7 @@
               <a:t>magnitude</a:t>
             </a:r>
             <a:r>
-              <a:rPr kumimoji="0" lang="ko-KR" altLang="ko-KR" sz="1400" dirty="0" smtClean="0">
+              <a:rPr kumimoji="0" lang="ko-KR" altLang="ko-KR" sz="1400" dirty="0">
                 <a:solidFill>
                   <a:srgbClr val="660099"/>
                 </a:solidFill>
@@ -10691,7 +10515,7 @@
               <a:t> </a:t>
             </a:r>
             <a:r>
-              <a:rPr kumimoji="0" lang="ko-KR" altLang="ko-KR" sz="1400" dirty="0" smtClean="0">
+              <a:rPr kumimoji="0" lang="ko-KR" altLang="ko-KR" sz="1400" dirty="0">
                 <a:solidFill>
                   <a:srgbClr val="000000"/>
                 </a:solidFill>
@@ -10701,7 +10525,7 @@
               <a:t>= </a:t>
             </a:r>
             <a:r>
-              <a:rPr kumimoji="0" lang="ko-KR" altLang="ko-KR" sz="1400" dirty="0" smtClean="0">
+              <a:rPr kumimoji="0" lang="ko-KR" altLang="ko-KR" sz="1400" dirty="0">
                 <a:solidFill>
                   <a:srgbClr val="0000FF"/>
                 </a:solidFill>
@@ -10711,7 +10535,7 @@
               <a:t>2.24</a:t>
             </a:r>
             <a:r>
-              <a:rPr kumimoji="0" lang="ko-KR" altLang="ko-KR" sz="1400" dirty="0" smtClean="0">
+              <a:rPr kumimoji="0" lang="ko-KR" altLang="ko-KR" sz="1400" dirty="0">
                 <a:solidFill>
                   <a:srgbClr val="000000"/>
                 </a:solidFill>
@@ -10721,7 +10545,7 @@
               <a:t>), </a:t>
             </a:r>
             <a:r>
-              <a:rPr kumimoji="0" lang="ko-KR" altLang="ko-KR" sz="1400" dirty="0" err="1" smtClean="0">
+              <a:rPr kumimoji="0" lang="ko-KR" altLang="ko-KR" sz="1400" dirty="0" err="1">
                 <a:solidFill>
                   <a:srgbClr val="660099"/>
                 </a:solidFill>
@@ -10731,7 +10555,7 @@
               <a:t>ctx</a:t>
             </a:r>
             <a:r>
-              <a:rPr kumimoji="0" lang="ko-KR" altLang="ko-KR" sz="1400" dirty="0" smtClean="0">
+              <a:rPr kumimoji="0" lang="ko-KR" altLang="ko-KR" sz="1400" dirty="0">
                 <a:solidFill>
                   <a:srgbClr val="660099"/>
                 </a:solidFill>
@@ -10741,7 +10565,7 @@
               <a:t> </a:t>
             </a:r>
             <a:r>
-              <a:rPr kumimoji="0" lang="ko-KR" altLang="ko-KR" sz="1400" dirty="0" smtClean="0">
+              <a:rPr kumimoji="0" lang="ko-KR" altLang="ko-KR" sz="1400" dirty="0">
                 <a:solidFill>
                   <a:srgbClr val="000000"/>
                 </a:solidFill>
@@ -10751,7 +10575,7 @@
               <a:t>= </a:t>
             </a:r>
             <a:r>
-              <a:rPr kumimoji="0" lang="ko-KR" altLang="ko-KR" sz="1400" dirty="0" err="1" smtClean="0">
+              <a:rPr kumimoji="0" lang="ko-KR" altLang="ko-KR" sz="1400" dirty="0" err="1">
                 <a:solidFill>
                   <a:srgbClr val="000000"/>
                 </a:solidFill>
@@ -10761,7 +10585,7 @@
               <a:t>ctx</a:t>
             </a:r>
             <a:r>
-              <a:rPr kumimoji="0" lang="ko-KR" altLang="ko-KR" sz="1400" dirty="0" smtClean="0">
+              <a:rPr kumimoji="0" lang="ko-KR" altLang="ko-KR" sz="1400" dirty="0">
                 <a:solidFill>
                   <a:srgbClr val="000000"/>
                 </a:solidFill>
@@ -10771,7 +10595,7 @@
               <a:t>)</a:t>
             </a:r>
             <a:br>
-              <a:rPr kumimoji="0" lang="ko-KR" altLang="ko-KR" sz="1400" dirty="0" smtClean="0">
+              <a:rPr kumimoji="0" lang="ko-KR" altLang="ko-KR" sz="1400" dirty="0">
                 <a:solidFill>
                   <a:srgbClr val="000000"/>
                 </a:solidFill>
@@ -10779,18 +10603,8 @@
                 <a:ea typeface="나눔고딕" panose="020D0604000000000000" pitchFamily="50" charset="-127"/>
               </a:rPr>
             </a:br>
-            <a:r>
-              <a:rPr kumimoji="0" lang="ko-KR" altLang="ko-KR" sz="1400" dirty="0" smtClean="0">
-                <a:solidFill>
-                  <a:srgbClr val="000000"/>
-                </a:solidFill>
-                <a:latin typeface="나눔고딕" panose="020D0604000000000000" pitchFamily="50" charset="-127"/>
-                <a:ea typeface="나눔고딕" panose="020D0604000000000000" pitchFamily="50" charset="-127"/>
-              </a:rPr>
-              <a:t/>
-            </a:r>
             <a:br>
-              <a:rPr kumimoji="0" lang="ko-KR" altLang="ko-KR" sz="1400" dirty="0" smtClean="0">
+              <a:rPr kumimoji="0" lang="ko-KR" altLang="ko-KR" sz="1400" dirty="0">
                 <a:solidFill>
                   <a:srgbClr val="000000"/>
                 </a:solidFill>
@@ -10799,7 +10613,7 @@
               </a:rPr>
             </a:br>
             <a:r>
-              <a:rPr kumimoji="0" lang="ko-KR" altLang="ko-KR" sz="1400" dirty="0" err="1" smtClean="0">
+              <a:rPr kumimoji="0" lang="ko-KR" altLang="ko-KR" sz="1400" dirty="0" err="1">
                 <a:solidFill>
                   <a:srgbClr val="000000"/>
                 </a:solidFill>
@@ -10809,7 +10623,7 @@
               <a:t>trainer</a:t>
             </a:r>
             <a:r>
-              <a:rPr kumimoji="0" lang="ko-KR" altLang="ko-KR" sz="1400" dirty="0" smtClean="0">
+              <a:rPr kumimoji="0" lang="ko-KR" altLang="ko-KR" sz="1400" dirty="0">
                 <a:solidFill>
                   <a:srgbClr val="000000"/>
                 </a:solidFill>
@@ -10819,7 +10633,7 @@
               <a:t> = </a:t>
             </a:r>
             <a:r>
-              <a:rPr kumimoji="0" lang="ko-KR" altLang="ko-KR" sz="1400" dirty="0" err="1" smtClean="0">
+              <a:rPr kumimoji="0" lang="ko-KR" altLang="ko-KR" sz="1400" dirty="0" err="1">
                 <a:solidFill>
                   <a:srgbClr val="000000"/>
                 </a:solidFill>
@@ -10829,7 +10643,7 @@
               <a:t>gluon.Trainer</a:t>
             </a:r>
             <a:r>
-              <a:rPr kumimoji="0" lang="ko-KR" altLang="ko-KR" sz="1400" dirty="0" smtClean="0">
+              <a:rPr kumimoji="0" lang="ko-KR" altLang="ko-KR" sz="1400" dirty="0">
                 <a:solidFill>
                   <a:srgbClr val="000000"/>
                 </a:solidFill>
@@ -10839,7 +10653,7 @@
               <a:t>(</a:t>
             </a:r>
             <a:r>
-              <a:rPr kumimoji="0" lang="ko-KR" altLang="ko-KR" sz="1400" dirty="0" err="1" smtClean="0">
+              <a:rPr kumimoji="0" lang="ko-KR" altLang="ko-KR" sz="1400" dirty="0" err="1">
                 <a:solidFill>
                   <a:srgbClr val="000000"/>
                 </a:solidFill>
@@ -10849,7 +10663,7 @@
               <a:t>alex_net.collect_params</a:t>
             </a:r>
             <a:r>
-              <a:rPr kumimoji="0" lang="ko-KR" altLang="ko-KR" sz="1400" dirty="0" smtClean="0">
+              <a:rPr kumimoji="0" lang="ko-KR" altLang="ko-KR" sz="1400" dirty="0">
                 <a:solidFill>
                   <a:srgbClr val="000000"/>
                 </a:solidFill>
@@ -10859,7 +10673,7 @@
               <a:t>(), </a:t>
             </a:r>
             <a:r>
-              <a:rPr kumimoji="0" lang="ko-KR" altLang="ko-KR" sz="1400" b="1" dirty="0" smtClean="0">
+              <a:rPr kumimoji="0" lang="ko-KR" altLang="ko-KR" sz="1400" b="1" dirty="0">
                 <a:solidFill>
                   <a:srgbClr val="008080"/>
                 </a:solidFill>
@@ -10869,7 +10683,7 @@
               <a:t>'</a:t>
             </a:r>
             <a:r>
-              <a:rPr kumimoji="0" lang="ko-KR" altLang="ko-KR" sz="1400" b="1" dirty="0" err="1" smtClean="0">
+              <a:rPr kumimoji="0" lang="ko-KR" altLang="ko-KR" sz="1400" b="1" dirty="0" err="1">
                 <a:solidFill>
                   <a:srgbClr val="008080"/>
                 </a:solidFill>
@@ -10879,7 +10693,7 @@
               <a:t>sgd</a:t>
             </a:r>
             <a:r>
-              <a:rPr kumimoji="0" lang="ko-KR" altLang="ko-KR" sz="1400" b="1" dirty="0" smtClean="0">
+              <a:rPr kumimoji="0" lang="ko-KR" altLang="ko-KR" sz="1400" b="1" dirty="0">
                 <a:solidFill>
                   <a:srgbClr val="008080"/>
                 </a:solidFill>
@@ -10889,7 +10703,7 @@
               <a:t>'</a:t>
             </a:r>
             <a:r>
-              <a:rPr kumimoji="0" lang="ko-KR" altLang="ko-KR" sz="1400" dirty="0" smtClean="0">
+              <a:rPr kumimoji="0" lang="ko-KR" altLang="ko-KR" sz="1400" dirty="0">
                 <a:solidFill>
                   <a:srgbClr val="000000"/>
                 </a:solidFill>
@@ -10899,7 +10713,7 @@
               <a:t>, {</a:t>
             </a:r>
             <a:r>
-              <a:rPr kumimoji="0" lang="ko-KR" altLang="ko-KR" sz="1400" b="1" dirty="0" smtClean="0">
+              <a:rPr kumimoji="0" lang="ko-KR" altLang="ko-KR" sz="1400" b="1" dirty="0">
                 <a:solidFill>
                   <a:srgbClr val="008080"/>
                 </a:solidFill>
@@ -10909,7 +10723,7 @@
               <a:t>'</a:t>
             </a:r>
             <a:r>
-              <a:rPr kumimoji="0" lang="ko-KR" altLang="ko-KR" sz="1400" b="1" dirty="0" err="1" smtClean="0">
+              <a:rPr kumimoji="0" lang="ko-KR" altLang="ko-KR" sz="1400" b="1" dirty="0" err="1">
                 <a:solidFill>
                   <a:srgbClr val="008080"/>
                 </a:solidFill>
@@ -10919,7 +10733,7 @@
               <a:t>learning_rate</a:t>
             </a:r>
             <a:r>
-              <a:rPr kumimoji="0" lang="ko-KR" altLang="ko-KR" sz="1400" b="1" dirty="0" smtClean="0">
+              <a:rPr kumimoji="0" lang="ko-KR" altLang="ko-KR" sz="1400" b="1" dirty="0">
                 <a:solidFill>
                   <a:srgbClr val="008080"/>
                 </a:solidFill>
@@ -10929,7 +10743,7 @@
               <a:t>'</a:t>
             </a:r>
             <a:r>
-              <a:rPr kumimoji="0" lang="ko-KR" altLang="ko-KR" sz="1400" dirty="0" smtClean="0">
+              <a:rPr kumimoji="0" lang="ko-KR" altLang="ko-KR" sz="1400" dirty="0">
                 <a:solidFill>
                   <a:srgbClr val="000000"/>
                 </a:solidFill>
@@ -10956,20 +10770,10 @@
                 <a:latin typeface="나눔고딕" panose="020D0604000000000000" pitchFamily="50" charset="-127"/>
                 <a:ea typeface="나눔고딕" panose="020D0604000000000000" pitchFamily="50" charset="-127"/>
               </a:rPr>
-              <a:t>.0</a:t>
-            </a:r>
-            <a:r>
-              <a:rPr kumimoji="0" lang="ko-KR" altLang="ko-KR" sz="1400" dirty="0" smtClean="0">
-                <a:solidFill>
-                  <a:srgbClr val="0000FF"/>
-                </a:solidFill>
-                <a:latin typeface="나눔고딕" panose="020D0604000000000000" pitchFamily="50" charset="-127"/>
-                <a:ea typeface="나눔고딕" panose="020D0604000000000000" pitchFamily="50" charset="-127"/>
-              </a:rPr>
-              <a:t>1</a:t>
-            </a:r>
-            <a:r>
-              <a:rPr kumimoji="0" lang="ko-KR" altLang="ko-KR" sz="1400" dirty="0" smtClean="0">
+              <a:t>.01</a:t>
+            </a:r>
+            <a:r>
+              <a:rPr kumimoji="0" lang="ko-KR" altLang="ko-KR" sz="1400" dirty="0">
                 <a:solidFill>
                   <a:srgbClr val="000000"/>
                 </a:solidFill>
@@ -10979,7 +10783,7 @@
               <a:t>})</a:t>
             </a:r>
             <a:br>
-              <a:rPr kumimoji="0" lang="ko-KR" altLang="ko-KR" sz="1400" dirty="0" smtClean="0">
+              <a:rPr kumimoji="0" lang="ko-KR" altLang="ko-KR" sz="1400" dirty="0">
                 <a:solidFill>
                   <a:srgbClr val="000000"/>
                 </a:solidFill>
@@ -10987,18 +10791,8 @@
                 <a:ea typeface="나눔고딕" panose="020D0604000000000000" pitchFamily="50" charset="-127"/>
               </a:rPr>
             </a:br>
-            <a:r>
-              <a:rPr kumimoji="0" lang="ko-KR" altLang="ko-KR" sz="1400" dirty="0" smtClean="0">
-                <a:solidFill>
-                  <a:srgbClr val="000000"/>
-                </a:solidFill>
-                <a:latin typeface="나눔고딕" panose="020D0604000000000000" pitchFamily="50" charset="-127"/>
-                <a:ea typeface="나눔고딕" panose="020D0604000000000000" pitchFamily="50" charset="-127"/>
-              </a:rPr>
-              <a:t/>
-            </a:r>
             <a:br>
-              <a:rPr kumimoji="0" lang="ko-KR" altLang="ko-KR" sz="1400" dirty="0" smtClean="0">
+              <a:rPr kumimoji="0" lang="ko-KR" altLang="ko-KR" sz="1400" dirty="0">
                 <a:solidFill>
                   <a:srgbClr val="000000"/>
                 </a:solidFill>
@@ -11007,7 +10801,7 @@
               </a:rPr>
             </a:br>
             <a:r>
-              <a:rPr kumimoji="0" lang="ko-KR" altLang="ko-KR" sz="1400" dirty="0" err="1" smtClean="0">
+              <a:rPr kumimoji="0" lang="ko-KR" altLang="ko-KR" sz="1400" dirty="0" err="1">
                 <a:solidFill>
                   <a:srgbClr val="000000"/>
                 </a:solidFill>
@@ -11017,7 +10811,7 @@
               <a:t>softmax_cross_entropy</a:t>
             </a:r>
             <a:r>
-              <a:rPr kumimoji="0" lang="ko-KR" altLang="ko-KR" sz="1400" dirty="0" smtClean="0">
+              <a:rPr kumimoji="0" lang="ko-KR" altLang="ko-KR" sz="1400" dirty="0">
                 <a:solidFill>
                   <a:srgbClr val="000000"/>
                 </a:solidFill>
@@ -11027,7 +10821,7 @@
               <a:t> = </a:t>
             </a:r>
             <a:r>
-              <a:rPr kumimoji="0" lang="ko-KR" altLang="ko-KR" sz="1400" dirty="0" err="1" smtClean="0">
+              <a:rPr kumimoji="0" lang="ko-KR" altLang="ko-KR" sz="1400" dirty="0" err="1">
                 <a:solidFill>
                   <a:srgbClr val="000000"/>
                 </a:solidFill>
@@ -11037,7 +10831,7 @@
               <a:t>gluon.loss.SoftmaxCrossEntropyLoss</a:t>
             </a:r>
             <a:r>
-              <a:rPr kumimoji="0" lang="ko-KR" altLang="ko-KR" sz="1400" dirty="0" smtClean="0">
+              <a:rPr kumimoji="0" lang="ko-KR" altLang="ko-KR" sz="1400" dirty="0">
                 <a:solidFill>
                   <a:srgbClr val="000000"/>
                 </a:solidFill>
@@ -11248,20 +11042,20 @@
               <a:buNone/>
             </a:pPr>
             <a:r>
-              <a:rPr lang="en-US" altLang="ko-KR" sz="2800" kern="0" dirty="0" smtClean="0">
+              <a:rPr lang="en-US" altLang="ko-KR" sz="2800" kern="0" dirty="0">
                 <a:latin typeface="나눔고딕 ExtraBold" panose="020D0904000000000000" pitchFamily="50" charset="-127"/>
                 <a:ea typeface="나눔고딕 ExtraBold" panose="020D0904000000000000" pitchFamily="50" charset="-127"/>
               </a:rPr>
               <a:t>1. </a:t>
             </a:r>
             <a:r>
-              <a:rPr lang="en-US" altLang="ko-KR" sz="2800" kern="0" dirty="0" err="1" smtClean="0">
+              <a:rPr lang="en-US" altLang="ko-KR" sz="2800" kern="0" dirty="0" err="1">
                 <a:latin typeface="나눔고딕 ExtraBold" panose="020D0904000000000000" pitchFamily="50" charset="-127"/>
                 <a:ea typeface="나눔고딕 ExtraBold" panose="020D0904000000000000" pitchFamily="50" charset="-127"/>
               </a:rPr>
               <a:t>Mxnet.gluon</a:t>
             </a:r>
-            <a:endParaRPr lang="ko-KR" altLang="en-US" sz="2800" kern="0" dirty="0" smtClean="0">
+            <a:endParaRPr lang="ko-KR" altLang="en-US" sz="2800" kern="0" dirty="0">
               <a:latin typeface="나눔고딕 ExtraBold" panose="020D0904000000000000" pitchFamily="50" charset="-127"/>
               <a:ea typeface="나눔고딕 ExtraBold" panose="020D0904000000000000" pitchFamily="50" charset="-127"/>
             </a:endParaRPr>
@@ -11558,7 +11352,7 @@
               <a:defRPr/>
             </a:pPr>
             <a:r>
-              <a:rPr lang="ko-KR" altLang="en-US" sz="1400" dirty="0" smtClean="0">
+              <a:rPr lang="ko-KR" altLang="en-US" sz="1400" dirty="0">
                 <a:solidFill>
                   <a:schemeClr val="tx1"/>
                 </a:solidFill>
@@ -11567,13 +11361,6 @@
               </a:rPr>
               <a:t>컴파일하기</a:t>
             </a:r>
-            <a:endParaRPr lang="ko-KR" altLang="en-US" sz="1400" dirty="0">
-              <a:solidFill>
-                <a:schemeClr val="tx1"/>
-              </a:solidFill>
-              <a:latin typeface="나눔고딕" panose="020D0604000000000000" pitchFamily="50" charset="-127"/>
-              <a:ea typeface="나눔고딕" panose="020D0604000000000000" pitchFamily="50" charset="-127"/>
-            </a:endParaRPr>
           </a:p>
         </p:txBody>
       </p:sp>
@@ -12711,13 +12498,6 @@
   <p:clrMapOvr>
     <a:masterClrMapping/>
   </p:clrMapOvr>
-  <p:timing>
-    <p:tnLst>
-      <p:par>
-        <p:cTn id="1" dur="indefinite" restart="never" nodeType="tmRoot"/>
-      </p:par>
-    </p:tnLst>
-  </p:timing>
 </p:sld>
 </file>
 
@@ -13028,7 +12808,7 @@
               <a:defRPr/>
             </a:pPr>
             <a:r>
-              <a:rPr lang="en-US" sz="2000" b="1" dirty="0" smtClean="0">
+              <a:rPr lang="en-US" sz="2000" b="1" dirty="0">
                 <a:gradFill>
                   <a:gsLst>
                     <a:gs pos="0">
@@ -13353,7 +13133,7 @@
               <a:defRPr/>
             </a:pPr>
             <a:r>
-              <a:rPr lang="ko-KR" altLang="en-US" sz="1400" dirty="0" smtClean="0">
+              <a:rPr lang="ko-KR" altLang="en-US" sz="1400" dirty="0">
                 <a:solidFill>
                   <a:schemeClr val="tx1"/>
                 </a:solidFill>
@@ -13362,13 +13142,6 @@
               </a:rPr>
               <a:t>데이터 사이즈 조정하기</a:t>
             </a:r>
-            <a:endParaRPr lang="ko-KR" altLang="en-US" sz="1400" dirty="0">
-              <a:solidFill>
-                <a:schemeClr val="tx1"/>
-              </a:solidFill>
-              <a:latin typeface="나눔고딕" panose="020D0604000000000000" pitchFamily="50" charset="-127"/>
-              <a:ea typeface="나눔고딕" panose="020D0604000000000000" pitchFamily="50" charset="-127"/>
-            </a:endParaRPr>
           </a:p>
         </p:txBody>
       </p:sp>
@@ -13685,7 +13458,7 @@
               <a:t> = </a:t>
             </a:r>
             <a:r>
-              <a:rPr kumimoji="0" lang="en-US" altLang="ko-KR" sz="1400" dirty="0" smtClean="0">
+              <a:rPr kumimoji="0" lang="en-US" altLang="ko-KR" sz="1400" dirty="0">
                 <a:solidFill>
                   <a:srgbClr val="000000"/>
                 </a:solidFill>
@@ -13694,7 +13467,7 @@
               </a:rPr>
               <a:t>3</a:t>
             </a:r>
-            <a:r>
+            <a:br>
               <a:rPr kumimoji="0" lang="ko-KR" altLang="ko-KR" sz="1400" dirty="0">
                 <a:solidFill>
                   <a:srgbClr val="0000FF"/>
@@ -13702,7 +13475,46 @@
                 <a:latin typeface="나눔고딕" panose="020D0604000000000000" pitchFamily="50" charset="-127"/>
                 <a:ea typeface="나눔고딕" panose="020D0604000000000000" pitchFamily="50" charset="-127"/>
               </a:rPr>
-              <a:t/>
+            </a:br>
+            <a:r>
+              <a:rPr kumimoji="0" lang="ko-KR" altLang="ko-KR" sz="1400" dirty="0" err="1">
+                <a:solidFill>
+                  <a:srgbClr val="000000"/>
+                </a:solidFill>
+                <a:latin typeface="나눔고딕" panose="020D0604000000000000" pitchFamily="50" charset="-127"/>
+                <a:ea typeface="나눔고딕" panose="020D0604000000000000" pitchFamily="50" charset="-127"/>
+              </a:rPr>
+              <a:t>smoothing_constant</a:t>
+            </a:r>
+            <a:r>
+              <a:rPr kumimoji="0" lang="ko-KR" altLang="ko-KR" sz="1400" dirty="0">
+                <a:solidFill>
+                  <a:srgbClr val="000000"/>
+                </a:solidFill>
+                <a:latin typeface="나눔고딕" panose="020D0604000000000000" pitchFamily="50" charset="-127"/>
+                <a:ea typeface="나눔고딕" panose="020D0604000000000000" pitchFamily="50" charset="-127"/>
+              </a:rPr>
+              <a:t> = </a:t>
+            </a:r>
+            <a:r>
+              <a:rPr kumimoji="0" lang="en-US" altLang="ko-KR" sz="1400" dirty="0">
+                <a:solidFill>
+                  <a:srgbClr val="0000FF"/>
+                </a:solidFill>
+                <a:latin typeface="나눔고딕" panose="020D0604000000000000" pitchFamily="50" charset="-127"/>
+                <a:ea typeface="나눔고딕" panose="020D0604000000000000" pitchFamily="50" charset="-127"/>
+              </a:rPr>
+              <a:t>0</a:t>
+            </a:r>
+            <a:r>
+              <a:rPr kumimoji="0" lang="ko-KR" altLang="ko-KR" sz="1400" dirty="0">
+                <a:solidFill>
+                  <a:srgbClr val="0000FF"/>
+                </a:solidFill>
+                <a:latin typeface="나눔고딕" panose="020D0604000000000000" pitchFamily="50" charset="-127"/>
+                <a:ea typeface="나눔고딕" panose="020D0604000000000000" pitchFamily="50" charset="-127"/>
+              </a:rPr>
+              <a:t>.01</a:t>
             </a:r>
             <a:br>
               <a:rPr kumimoji="0" lang="ko-KR" altLang="ko-KR" sz="1400" dirty="0">
@@ -13713,6 +13525,35 @@
                 <a:ea typeface="나눔고딕" panose="020D0604000000000000" pitchFamily="50" charset="-127"/>
               </a:rPr>
             </a:br>
+            <a:br>
+              <a:rPr kumimoji="0" lang="ko-KR" altLang="ko-KR" sz="1400" dirty="0">
+                <a:solidFill>
+                  <a:srgbClr val="0000FF"/>
+                </a:solidFill>
+                <a:latin typeface="나눔고딕" panose="020D0604000000000000" pitchFamily="50" charset="-127"/>
+                <a:ea typeface="나눔고딕" panose="020D0604000000000000" pitchFamily="50" charset="-127"/>
+              </a:rPr>
+            </a:br>
+            <a:r>
+              <a:rPr kumimoji="0" lang="ko-KR" altLang="ko-KR" sz="1400" b="1" dirty="0" err="1">
+                <a:solidFill>
+                  <a:srgbClr val="000080"/>
+                </a:solidFill>
+                <a:latin typeface="나눔고딕" panose="020D0604000000000000" pitchFamily="50" charset="-127"/>
+                <a:ea typeface="나눔고딕" panose="020D0604000000000000" pitchFamily="50" charset="-127"/>
+              </a:rPr>
+              <a:t>for</a:t>
+            </a:r>
+            <a:r>
+              <a:rPr kumimoji="0" lang="ko-KR" altLang="ko-KR" sz="1400" b="1" dirty="0">
+                <a:solidFill>
+                  <a:srgbClr val="000080"/>
+                </a:solidFill>
+                <a:latin typeface="나눔고딕" panose="020D0604000000000000" pitchFamily="50" charset="-127"/>
+                <a:ea typeface="나눔고딕" panose="020D0604000000000000" pitchFamily="50" charset="-127"/>
+              </a:rPr>
+              <a:t> </a:t>
+            </a:r>
             <a:r>
               <a:rPr kumimoji="0" lang="ko-KR" altLang="ko-KR" sz="1400" dirty="0" err="1">
                 <a:solidFill>
@@ -13721,7 +13562,265 @@
                 <a:latin typeface="나눔고딕" panose="020D0604000000000000" pitchFamily="50" charset="-127"/>
                 <a:ea typeface="나눔고딕" panose="020D0604000000000000" pitchFamily="50" charset="-127"/>
               </a:rPr>
-              <a:t>smoothing_constant</a:t>
+              <a:t>e</a:t>
+            </a:r>
+            <a:r>
+              <a:rPr kumimoji="0" lang="ko-KR" altLang="ko-KR" sz="1400" dirty="0">
+                <a:solidFill>
+                  <a:srgbClr val="000000"/>
+                </a:solidFill>
+                <a:latin typeface="나눔고딕" panose="020D0604000000000000" pitchFamily="50" charset="-127"/>
+                <a:ea typeface="나눔고딕" panose="020D0604000000000000" pitchFamily="50" charset="-127"/>
+              </a:rPr>
+              <a:t> </a:t>
+            </a:r>
+            <a:r>
+              <a:rPr kumimoji="0" lang="ko-KR" altLang="ko-KR" sz="1400" b="1" dirty="0" err="1">
+                <a:solidFill>
+                  <a:srgbClr val="000080"/>
+                </a:solidFill>
+                <a:latin typeface="나눔고딕" panose="020D0604000000000000" pitchFamily="50" charset="-127"/>
+                <a:ea typeface="나눔고딕" panose="020D0604000000000000" pitchFamily="50" charset="-127"/>
+              </a:rPr>
+              <a:t>in</a:t>
+            </a:r>
+            <a:r>
+              <a:rPr kumimoji="0" lang="ko-KR" altLang="ko-KR" sz="1400" b="1" dirty="0">
+                <a:solidFill>
+                  <a:srgbClr val="000080"/>
+                </a:solidFill>
+                <a:latin typeface="나눔고딕" panose="020D0604000000000000" pitchFamily="50" charset="-127"/>
+                <a:ea typeface="나눔고딕" panose="020D0604000000000000" pitchFamily="50" charset="-127"/>
+              </a:rPr>
+              <a:t> </a:t>
+            </a:r>
+            <a:r>
+              <a:rPr kumimoji="0" lang="ko-KR" altLang="ko-KR" sz="1400" dirty="0" err="1">
+                <a:solidFill>
+                  <a:srgbClr val="000080"/>
+                </a:solidFill>
+                <a:latin typeface="나눔고딕" panose="020D0604000000000000" pitchFamily="50" charset="-127"/>
+                <a:ea typeface="나눔고딕" panose="020D0604000000000000" pitchFamily="50" charset="-127"/>
+              </a:rPr>
+              <a:t>range</a:t>
+            </a:r>
+            <a:r>
+              <a:rPr kumimoji="0" lang="ko-KR" altLang="ko-KR" sz="1400" dirty="0">
+                <a:solidFill>
+                  <a:srgbClr val="000000"/>
+                </a:solidFill>
+                <a:latin typeface="나눔고딕" panose="020D0604000000000000" pitchFamily="50" charset="-127"/>
+                <a:ea typeface="나눔고딕" panose="020D0604000000000000" pitchFamily="50" charset="-127"/>
+              </a:rPr>
+              <a:t>(</a:t>
+            </a:r>
+            <a:r>
+              <a:rPr kumimoji="0" lang="ko-KR" altLang="ko-KR" sz="1400" dirty="0" err="1">
+                <a:solidFill>
+                  <a:srgbClr val="000000"/>
+                </a:solidFill>
+                <a:latin typeface="나눔고딕" panose="020D0604000000000000" pitchFamily="50" charset="-127"/>
+                <a:ea typeface="나눔고딕" panose="020D0604000000000000" pitchFamily="50" charset="-127"/>
+              </a:rPr>
+              <a:t>epochs</a:t>
+            </a:r>
+            <a:r>
+              <a:rPr kumimoji="0" lang="ko-KR" altLang="ko-KR" sz="1400" dirty="0">
+                <a:solidFill>
+                  <a:srgbClr val="000000"/>
+                </a:solidFill>
+                <a:latin typeface="나눔고딕" panose="020D0604000000000000" pitchFamily="50" charset="-127"/>
+                <a:ea typeface="나눔고딕" panose="020D0604000000000000" pitchFamily="50" charset="-127"/>
+              </a:rPr>
+              <a:t>):</a:t>
+            </a:r>
+            <a:br>
+              <a:rPr kumimoji="0" lang="ko-KR" altLang="ko-KR" sz="1400" dirty="0">
+                <a:solidFill>
+                  <a:srgbClr val="000000"/>
+                </a:solidFill>
+                <a:latin typeface="나눔고딕" panose="020D0604000000000000" pitchFamily="50" charset="-127"/>
+                <a:ea typeface="나눔고딕" panose="020D0604000000000000" pitchFamily="50" charset="-127"/>
+              </a:rPr>
+            </a:br>
+            <a:r>
+              <a:rPr kumimoji="0" lang="ko-KR" altLang="ko-KR" sz="1400" dirty="0">
+                <a:solidFill>
+                  <a:srgbClr val="000000"/>
+                </a:solidFill>
+                <a:latin typeface="나눔고딕" panose="020D0604000000000000" pitchFamily="50" charset="-127"/>
+                <a:ea typeface="나눔고딕" panose="020D0604000000000000" pitchFamily="50" charset="-127"/>
+              </a:rPr>
+              <a:t>    </a:t>
+            </a:r>
+            <a:r>
+              <a:rPr kumimoji="0" lang="ko-KR" altLang="ko-KR" sz="1400" b="1" dirty="0" err="1">
+                <a:solidFill>
+                  <a:srgbClr val="000080"/>
+                </a:solidFill>
+                <a:latin typeface="나눔고딕" panose="020D0604000000000000" pitchFamily="50" charset="-127"/>
+                <a:ea typeface="나눔고딕" panose="020D0604000000000000" pitchFamily="50" charset="-127"/>
+              </a:rPr>
+              <a:t>for</a:t>
+            </a:r>
+            <a:r>
+              <a:rPr kumimoji="0" lang="ko-KR" altLang="ko-KR" sz="1400" b="1" dirty="0">
+                <a:solidFill>
+                  <a:srgbClr val="000080"/>
+                </a:solidFill>
+                <a:latin typeface="나눔고딕" panose="020D0604000000000000" pitchFamily="50" charset="-127"/>
+                <a:ea typeface="나눔고딕" panose="020D0604000000000000" pitchFamily="50" charset="-127"/>
+              </a:rPr>
+              <a:t> </a:t>
+            </a:r>
+            <a:r>
+              <a:rPr kumimoji="0" lang="ko-KR" altLang="ko-KR" sz="1400" dirty="0" err="1">
+                <a:solidFill>
+                  <a:srgbClr val="000000"/>
+                </a:solidFill>
+                <a:latin typeface="나눔고딕" panose="020D0604000000000000" pitchFamily="50" charset="-127"/>
+                <a:ea typeface="나눔고딕" panose="020D0604000000000000" pitchFamily="50" charset="-127"/>
+              </a:rPr>
+              <a:t>i</a:t>
+            </a:r>
+            <a:r>
+              <a:rPr kumimoji="0" lang="ko-KR" altLang="ko-KR" sz="1400" dirty="0">
+                <a:solidFill>
+                  <a:srgbClr val="000000"/>
+                </a:solidFill>
+                <a:latin typeface="나눔고딕" panose="020D0604000000000000" pitchFamily="50" charset="-127"/>
+                <a:ea typeface="나눔고딕" panose="020D0604000000000000" pitchFamily="50" charset="-127"/>
+              </a:rPr>
+              <a:t>, (</a:t>
+            </a:r>
+            <a:r>
+              <a:rPr kumimoji="0" lang="ko-KR" altLang="ko-KR" sz="1400" dirty="0" err="1">
+                <a:solidFill>
+                  <a:srgbClr val="000000"/>
+                </a:solidFill>
+                <a:latin typeface="나눔고딕" panose="020D0604000000000000" pitchFamily="50" charset="-127"/>
+                <a:ea typeface="나눔고딕" panose="020D0604000000000000" pitchFamily="50" charset="-127"/>
+              </a:rPr>
+              <a:t>d</a:t>
+            </a:r>
+            <a:r>
+              <a:rPr kumimoji="0" lang="ko-KR" altLang="ko-KR" sz="1400" dirty="0">
+                <a:solidFill>
+                  <a:srgbClr val="000000"/>
+                </a:solidFill>
+                <a:latin typeface="나눔고딕" panose="020D0604000000000000" pitchFamily="50" charset="-127"/>
+                <a:ea typeface="나눔고딕" panose="020D0604000000000000" pitchFamily="50" charset="-127"/>
+              </a:rPr>
+              <a:t>, </a:t>
+            </a:r>
+            <a:r>
+              <a:rPr kumimoji="0" lang="ko-KR" altLang="ko-KR" sz="1400" dirty="0" err="1">
+                <a:solidFill>
+                  <a:srgbClr val="000000"/>
+                </a:solidFill>
+                <a:latin typeface="나눔고딕" panose="020D0604000000000000" pitchFamily="50" charset="-127"/>
+                <a:ea typeface="나눔고딕" panose="020D0604000000000000" pitchFamily="50" charset="-127"/>
+              </a:rPr>
+              <a:t>l</a:t>
+            </a:r>
+            <a:r>
+              <a:rPr kumimoji="0" lang="ko-KR" altLang="ko-KR" sz="1400" dirty="0">
+                <a:solidFill>
+                  <a:srgbClr val="000000"/>
+                </a:solidFill>
+                <a:latin typeface="나눔고딕" panose="020D0604000000000000" pitchFamily="50" charset="-127"/>
+                <a:ea typeface="나눔고딕" panose="020D0604000000000000" pitchFamily="50" charset="-127"/>
+              </a:rPr>
+              <a:t>) </a:t>
+            </a:r>
+            <a:r>
+              <a:rPr kumimoji="0" lang="ko-KR" altLang="ko-KR" sz="1400" b="1" dirty="0" err="1">
+                <a:solidFill>
+                  <a:srgbClr val="000080"/>
+                </a:solidFill>
+                <a:latin typeface="나눔고딕" panose="020D0604000000000000" pitchFamily="50" charset="-127"/>
+                <a:ea typeface="나눔고딕" panose="020D0604000000000000" pitchFamily="50" charset="-127"/>
+              </a:rPr>
+              <a:t>in</a:t>
+            </a:r>
+            <a:r>
+              <a:rPr kumimoji="0" lang="ko-KR" altLang="ko-KR" sz="1400" b="1" dirty="0">
+                <a:solidFill>
+                  <a:srgbClr val="000080"/>
+                </a:solidFill>
+                <a:latin typeface="나눔고딕" panose="020D0604000000000000" pitchFamily="50" charset="-127"/>
+                <a:ea typeface="나눔고딕" panose="020D0604000000000000" pitchFamily="50" charset="-127"/>
+              </a:rPr>
+              <a:t> </a:t>
+            </a:r>
+            <a:r>
+              <a:rPr kumimoji="0" lang="ko-KR" altLang="ko-KR" sz="1400" dirty="0" err="1">
+                <a:solidFill>
+                  <a:srgbClr val="000080"/>
+                </a:solidFill>
+                <a:latin typeface="나눔고딕" panose="020D0604000000000000" pitchFamily="50" charset="-127"/>
+                <a:ea typeface="나눔고딕" panose="020D0604000000000000" pitchFamily="50" charset="-127"/>
+              </a:rPr>
+              <a:t>enumerate</a:t>
+            </a:r>
+            <a:r>
+              <a:rPr kumimoji="0" lang="ko-KR" altLang="ko-KR" sz="1400" dirty="0">
+                <a:solidFill>
+                  <a:srgbClr val="000000"/>
+                </a:solidFill>
+                <a:latin typeface="나눔고딕" panose="020D0604000000000000" pitchFamily="50" charset="-127"/>
+                <a:ea typeface="나눔고딕" panose="020D0604000000000000" pitchFamily="50" charset="-127"/>
+              </a:rPr>
+              <a:t>(</a:t>
+            </a:r>
+            <a:r>
+              <a:rPr kumimoji="0" lang="ko-KR" altLang="ko-KR" sz="1400" dirty="0" err="1">
+                <a:solidFill>
+                  <a:srgbClr val="000000"/>
+                </a:solidFill>
+                <a:latin typeface="나눔고딕" panose="020D0604000000000000" pitchFamily="50" charset="-127"/>
+                <a:ea typeface="나눔고딕" panose="020D0604000000000000" pitchFamily="50" charset="-127"/>
+              </a:rPr>
+              <a:t>train_data</a:t>
+            </a:r>
+            <a:r>
+              <a:rPr kumimoji="0" lang="ko-KR" altLang="ko-KR" sz="1400" dirty="0">
+                <a:solidFill>
+                  <a:srgbClr val="000000"/>
+                </a:solidFill>
+                <a:latin typeface="나눔고딕" panose="020D0604000000000000" pitchFamily="50" charset="-127"/>
+                <a:ea typeface="나눔고딕" panose="020D0604000000000000" pitchFamily="50" charset="-127"/>
+              </a:rPr>
+              <a:t>):</a:t>
+            </a:r>
+            <a:br>
+              <a:rPr kumimoji="0" lang="ko-KR" altLang="ko-KR" sz="1400" dirty="0">
+                <a:solidFill>
+                  <a:srgbClr val="000000"/>
+                </a:solidFill>
+                <a:latin typeface="나눔고딕" panose="020D0604000000000000" pitchFamily="50" charset="-127"/>
+                <a:ea typeface="나눔고딕" panose="020D0604000000000000" pitchFamily="50" charset="-127"/>
+              </a:rPr>
+            </a:br>
+            <a:r>
+              <a:rPr kumimoji="0" lang="ko-KR" altLang="ko-KR" sz="1400" dirty="0">
+                <a:solidFill>
+                  <a:srgbClr val="000000"/>
+                </a:solidFill>
+                <a:latin typeface="나눔고딕" panose="020D0604000000000000" pitchFamily="50" charset="-127"/>
+                <a:ea typeface="나눔고딕" panose="020D0604000000000000" pitchFamily="50" charset="-127"/>
+              </a:rPr>
+              <a:t>        </a:t>
+            </a:r>
+            <a:r>
+              <a:rPr kumimoji="0" lang="ko-KR" altLang="ko-KR" sz="1400" dirty="0" err="1">
+                <a:solidFill>
+                  <a:srgbClr val="000000"/>
+                </a:solidFill>
+                <a:latin typeface="나눔고딕" panose="020D0604000000000000" pitchFamily="50" charset="-127"/>
+                <a:ea typeface="나눔고딕" panose="020D0604000000000000" pitchFamily="50" charset="-127"/>
+              </a:rPr>
+              <a:t>data</a:t>
             </a:r>
             <a:r>
               <a:rPr kumimoji="0" lang="ko-KR" altLang="ko-KR" sz="1400" dirty="0">
@@ -13734,7 +13833,461 @@
               <a:t> = </a:t>
             </a:r>
             <a:r>
-              <a:rPr kumimoji="0" lang="en-US" altLang="ko-KR" sz="1400" dirty="0">
+              <a:rPr kumimoji="0" lang="ko-KR" altLang="ko-KR" sz="1400" dirty="0" err="1">
+                <a:solidFill>
+                  <a:srgbClr val="000000"/>
+                </a:solidFill>
+                <a:latin typeface="나눔고딕" panose="020D0604000000000000" pitchFamily="50" charset="-127"/>
+                <a:ea typeface="나눔고딕" panose="020D0604000000000000" pitchFamily="50" charset="-127"/>
+              </a:rPr>
+              <a:t>d.as_in_context</a:t>
+            </a:r>
+            <a:r>
+              <a:rPr kumimoji="0" lang="ko-KR" altLang="ko-KR" sz="1400" dirty="0">
+                <a:solidFill>
+                  <a:srgbClr val="000000"/>
+                </a:solidFill>
+                <a:latin typeface="나눔고딕" panose="020D0604000000000000" pitchFamily="50" charset="-127"/>
+                <a:ea typeface="나눔고딕" panose="020D0604000000000000" pitchFamily="50" charset="-127"/>
+              </a:rPr>
+              <a:t>(</a:t>
+            </a:r>
+            <a:r>
+              <a:rPr kumimoji="0" lang="ko-KR" altLang="ko-KR" sz="1400" dirty="0" err="1">
+                <a:solidFill>
+                  <a:srgbClr val="000000"/>
+                </a:solidFill>
+                <a:latin typeface="나눔고딕" panose="020D0604000000000000" pitchFamily="50" charset="-127"/>
+                <a:ea typeface="나눔고딕" panose="020D0604000000000000" pitchFamily="50" charset="-127"/>
+              </a:rPr>
+              <a:t>ctx</a:t>
+            </a:r>
+            <a:r>
+              <a:rPr kumimoji="0" lang="ko-KR" altLang="ko-KR" sz="1400" dirty="0">
+                <a:solidFill>
+                  <a:srgbClr val="000000"/>
+                </a:solidFill>
+                <a:latin typeface="나눔고딕" panose="020D0604000000000000" pitchFamily="50" charset="-127"/>
+                <a:ea typeface="나눔고딕" panose="020D0604000000000000" pitchFamily="50" charset="-127"/>
+              </a:rPr>
+              <a:t>)</a:t>
+            </a:r>
+            <a:br>
+              <a:rPr kumimoji="0" lang="ko-KR" altLang="ko-KR" sz="1400" dirty="0">
+                <a:solidFill>
+                  <a:srgbClr val="000000"/>
+                </a:solidFill>
+                <a:latin typeface="나눔고딕" panose="020D0604000000000000" pitchFamily="50" charset="-127"/>
+                <a:ea typeface="나눔고딕" panose="020D0604000000000000" pitchFamily="50" charset="-127"/>
+              </a:rPr>
+            </a:br>
+            <a:r>
+              <a:rPr kumimoji="0" lang="ko-KR" altLang="ko-KR" sz="1400" dirty="0">
+                <a:solidFill>
+                  <a:srgbClr val="000000"/>
+                </a:solidFill>
+                <a:latin typeface="나눔고딕" panose="020D0604000000000000" pitchFamily="50" charset="-127"/>
+                <a:ea typeface="나눔고딕" panose="020D0604000000000000" pitchFamily="50" charset="-127"/>
+              </a:rPr>
+              <a:t>        </a:t>
+            </a:r>
+            <a:r>
+              <a:rPr kumimoji="0" lang="ko-KR" altLang="ko-KR" sz="1400" dirty="0" err="1">
+                <a:solidFill>
+                  <a:srgbClr val="000000"/>
+                </a:solidFill>
+                <a:latin typeface="나눔고딕" panose="020D0604000000000000" pitchFamily="50" charset="-127"/>
+                <a:ea typeface="나눔고딕" panose="020D0604000000000000" pitchFamily="50" charset="-127"/>
+              </a:rPr>
+              <a:t>label</a:t>
+            </a:r>
+            <a:r>
+              <a:rPr kumimoji="0" lang="ko-KR" altLang="ko-KR" sz="1400" dirty="0">
+                <a:solidFill>
+                  <a:srgbClr val="000000"/>
+                </a:solidFill>
+                <a:latin typeface="나눔고딕" panose="020D0604000000000000" pitchFamily="50" charset="-127"/>
+                <a:ea typeface="나눔고딕" panose="020D0604000000000000" pitchFamily="50" charset="-127"/>
+              </a:rPr>
+              <a:t> = </a:t>
+            </a:r>
+            <a:r>
+              <a:rPr kumimoji="0" lang="ko-KR" altLang="ko-KR" sz="1400" dirty="0" err="1">
+                <a:solidFill>
+                  <a:srgbClr val="000000"/>
+                </a:solidFill>
+                <a:latin typeface="나눔고딕" panose="020D0604000000000000" pitchFamily="50" charset="-127"/>
+                <a:ea typeface="나눔고딕" panose="020D0604000000000000" pitchFamily="50" charset="-127"/>
+              </a:rPr>
+              <a:t>l.as_in_context</a:t>
+            </a:r>
+            <a:r>
+              <a:rPr kumimoji="0" lang="ko-KR" altLang="ko-KR" sz="1400" dirty="0">
+                <a:solidFill>
+                  <a:srgbClr val="000000"/>
+                </a:solidFill>
+                <a:latin typeface="나눔고딕" panose="020D0604000000000000" pitchFamily="50" charset="-127"/>
+                <a:ea typeface="나눔고딕" panose="020D0604000000000000" pitchFamily="50" charset="-127"/>
+              </a:rPr>
+              <a:t>(</a:t>
+            </a:r>
+            <a:r>
+              <a:rPr kumimoji="0" lang="ko-KR" altLang="ko-KR" sz="1400" dirty="0" err="1">
+                <a:solidFill>
+                  <a:srgbClr val="000000"/>
+                </a:solidFill>
+                <a:latin typeface="나눔고딕" panose="020D0604000000000000" pitchFamily="50" charset="-127"/>
+                <a:ea typeface="나눔고딕" panose="020D0604000000000000" pitchFamily="50" charset="-127"/>
+              </a:rPr>
+              <a:t>ctx</a:t>
+            </a:r>
+            <a:r>
+              <a:rPr kumimoji="0" lang="ko-KR" altLang="ko-KR" sz="1400" dirty="0">
+                <a:solidFill>
+                  <a:srgbClr val="000000"/>
+                </a:solidFill>
+                <a:latin typeface="나눔고딕" panose="020D0604000000000000" pitchFamily="50" charset="-127"/>
+                <a:ea typeface="나눔고딕" panose="020D0604000000000000" pitchFamily="50" charset="-127"/>
+              </a:rPr>
+              <a:t>)</a:t>
+            </a:r>
+            <a:br>
+              <a:rPr kumimoji="0" lang="ko-KR" altLang="ko-KR" sz="1400" dirty="0">
+                <a:solidFill>
+                  <a:srgbClr val="000000"/>
+                </a:solidFill>
+                <a:latin typeface="나눔고딕" panose="020D0604000000000000" pitchFamily="50" charset="-127"/>
+                <a:ea typeface="나눔고딕" panose="020D0604000000000000" pitchFamily="50" charset="-127"/>
+              </a:rPr>
+            </a:br>
+            <a:r>
+              <a:rPr kumimoji="0" lang="ko-KR" altLang="ko-KR" sz="1400" dirty="0">
+                <a:solidFill>
+                  <a:srgbClr val="000000"/>
+                </a:solidFill>
+                <a:latin typeface="나눔고딕" panose="020D0604000000000000" pitchFamily="50" charset="-127"/>
+                <a:ea typeface="나눔고딕" panose="020D0604000000000000" pitchFamily="50" charset="-127"/>
+              </a:rPr>
+              <a:t>        </a:t>
+            </a:r>
+            <a:r>
+              <a:rPr kumimoji="0" lang="ko-KR" altLang="ko-KR" sz="1400" b="1" dirty="0" err="1">
+                <a:solidFill>
+                  <a:srgbClr val="000080"/>
+                </a:solidFill>
+                <a:latin typeface="나눔고딕" panose="020D0604000000000000" pitchFamily="50" charset="-127"/>
+                <a:ea typeface="나눔고딕" panose="020D0604000000000000" pitchFamily="50" charset="-127"/>
+              </a:rPr>
+              <a:t>with</a:t>
+            </a:r>
+            <a:r>
+              <a:rPr kumimoji="0" lang="ko-KR" altLang="ko-KR" sz="1400" b="1" dirty="0">
+                <a:solidFill>
+                  <a:srgbClr val="000080"/>
+                </a:solidFill>
+                <a:latin typeface="나눔고딕" panose="020D0604000000000000" pitchFamily="50" charset="-127"/>
+                <a:ea typeface="나눔고딕" panose="020D0604000000000000" pitchFamily="50" charset="-127"/>
+              </a:rPr>
+              <a:t> </a:t>
+            </a:r>
+            <a:r>
+              <a:rPr kumimoji="0" lang="ko-KR" altLang="ko-KR" sz="1400" dirty="0" err="1">
+                <a:solidFill>
+                  <a:srgbClr val="000000"/>
+                </a:solidFill>
+                <a:latin typeface="나눔고딕" panose="020D0604000000000000" pitchFamily="50" charset="-127"/>
+                <a:ea typeface="나눔고딕" panose="020D0604000000000000" pitchFamily="50" charset="-127"/>
+              </a:rPr>
+              <a:t>autograd.record</a:t>
+            </a:r>
+            <a:r>
+              <a:rPr kumimoji="0" lang="ko-KR" altLang="ko-KR" sz="1400" dirty="0">
+                <a:solidFill>
+                  <a:srgbClr val="000000"/>
+                </a:solidFill>
+                <a:latin typeface="나눔고딕" panose="020D0604000000000000" pitchFamily="50" charset="-127"/>
+                <a:ea typeface="나눔고딕" panose="020D0604000000000000" pitchFamily="50" charset="-127"/>
+              </a:rPr>
+              <a:t>():</a:t>
+            </a:r>
+            <a:br>
+              <a:rPr kumimoji="0" lang="ko-KR" altLang="ko-KR" sz="1400" dirty="0">
+                <a:solidFill>
+                  <a:srgbClr val="000000"/>
+                </a:solidFill>
+                <a:latin typeface="나눔고딕" panose="020D0604000000000000" pitchFamily="50" charset="-127"/>
+                <a:ea typeface="나눔고딕" panose="020D0604000000000000" pitchFamily="50" charset="-127"/>
+              </a:rPr>
+            </a:br>
+            <a:r>
+              <a:rPr kumimoji="0" lang="ko-KR" altLang="ko-KR" sz="1400" dirty="0">
+                <a:solidFill>
+                  <a:srgbClr val="000000"/>
+                </a:solidFill>
+                <a:latin typeface="나눔고딕" panose="020D0604000000000000" pitchFamily="50" charset="-127"/>
+                <a:ea typeface="나눔고딕" panose="020D0604000000000000" pitchFamily="50" charset="-127"/>
+              </a:rPr>
+              <a:t>            </a:t>
+            </a:r>
+            <a:r>
+              <a:rPr kumimoji="0" lang="ko-KR" altLang="ko-KR" sz="1400" dirty="0" err="1">
+                <a:solidFill>
+                  <a:srgbClr val="000000"/>
+                </a:solidFill>
+                <a:latin typeface="나눔고딕" panose="020D0604000000000000" pitchFamily="50" charset="-127"/>
+                <a:ea typeface="나눔고딕" panose="020D0604000000000000" pitchFamily="50" charset="-127"/>
+              </a:rPr>
+              <a:t>output</a:t>
+            </a:r>
+            <a:r>
+              <a:rPr kumimoji="0" lang="ko-KR" altLang="ko-KR" sz="1400" dirty="0">
+                <a:solidFill>
+                  <a:srgbClr val="000000"/>
+                </a:solidFill>
+                <a:latin typeface="나눔고딕" panose="020D0604000000000000" pitchFamily="50" charset="-127"/>
+                <a:ea typeface="나눔고딕" panose="020D0604000000000000" pitchFamily="50" charset="-127"/>
+              </a:rPr>
+              <a:t> = </a:t>
+            </a:r>
+            <a:r>
+              <a:rPr kumimoji="0" lang="ko-KR" altLang="ko-KR" sz="1400" dirty="0" err="1">
+                <a:solidFill>
+                  <a:srgbClr val="000000"/>
+                </a:solidFill>
+                <a:latin typeface="나눔고딕" panose="020D0604000000000000" pitchFamily="50" charset="-127"/>
+                <a:ea typeface="나눔고딕" panose="020D0604000000000000" pitchFamily="50" charset="-127"/>
+              </a:rPr>
+              <a:t>net</a:t>
+            </a:r>
+            <a:r>
+              <a:rPr kumimoji="0" lang="ko-KR" altLang="ko-KR" sz="1400" dirty="0">
+                <a:solidFill>
+                  <a:srgbClr val="000000"/>
+                </a:solidFill>
+                <a:latin typeface="나눔고딕" panose="020D0604000000000000" pitchFamily="50" charset="-127"/>
+                <a:ea typeface="나눔고딕" panose="020D0604000000000000" pitchFamily="50" charset="-127"/>
+              </a:rPr>
+              <a:t>(</a:t>
+            </a:r>
+            <a:r>
+              <a:rPr kumimoji="0" lang="ko-KR" altLang="ko-KR" sz="1400" dirty="0" err="1">
+                <a:solidFill>
+                  <a:srgbClr val="000000"/>
+                </a:solidFill>
+                <a:latin typeface="나눔고딕" panose="020D0604000000000000" pitchFamily="50" charset="-127"/>
+                <a:ea typeface="나눔고딕" panose="020D0604000000000000" pitchFamily="50" charset="-127"/>
+              </a:rPr>
+              <a:t>data</a:t>
+            </a:r>
+            <a:r>
+              <a:rPr kumimoji="0" lang="ko-KR" altLang="ko-KR" sz="1400" dirty="0">
+                <a:solidFill>
+                  <a:srgbClr val="000000"/>
+                </a:solidFill>
+                <a:latin typeface="나눔고딕" panose="020D0604000000000000" pitchFamily="50" charset="-127"/>
+                <a:ea typeface="나눔고딕" panose="020D0604000000000000" pitchFamily="50" charset="-127"/>
+              </a:rPr>
+              <a:t>)</a:t>
+            </a:r>
+            <a:br>
+              <a:rPr kumimoji="0" lang="ko-KR" altLang="ko-KR" sz="1400" dirty="0">
+                <a:solidFill>
+                  <a:srgbClr val="000000"/>
+                </a:solidFill>
+                <a:latin typeface="나눔고딕" panose="020D0604000000000000" pitchFamily="50" charset="-127"/>
+                <a:ea typeface="나눔고딕" panose="020D0604000000000000" pitchFamily="50" charset="-127"/>
+              </a:rPr>
+            </a:br>
+            <a:r>
+              <a:rPr kumimoji="0" lang="ko-KR" altLang="ko-KR" sz="1400" dirty="0">
+                <a:solidFill>
+                  <a:srgbClr val="000000"/>
+                </a:solidFill>
+                <a:latin typeface="나눔고딕" panose="020D0604000000000000" pitchFamily="50" charset="-127"/>
+                <a:ea typeface="나눔고딕" panose="020D0604000000000000" pitchFamily="50" charset="-127"/>
+              </a:rPr>
+              <a:t>            </a:t>
+            </a:r>
+            <a:r>
+              <a:rPr kumimoji="0" lang="ko-KR" altLang="ko-KR" sz="1400" dirty="0" err="1">
+                <a:solidFill>
+                  <a:srgbClr val="000000"/>
+                </a:solidFill>
+                <a:latin typeface="나눔고딕" panose="020D0604000000000000" pitchFamily="50" charset="-127"/>
+                <a:ea typeface="나눔고딕" panose="020D0604000000000000" pitchFamily="50" charset="-127"/>
+              </a:rPr>
+              <a:t>loss</a:t>
+            </a:r>
+            <a:r>
+              <a:rPr kumimoji="0" lang="ko-KR" altLang="ko-KR" sz="1400" dirty="0">
+                <a:solidFill>
+                  <a:srgbClr val="000000"/>
+                </a:solidFill>
+                <a:latin typeface="나눔고딕" panose="020D0604000000000000" pitchFamily="50" charset="-127"/>
+                <a:ea typeface="나눔고딕" panose="020D0604000000000000" pitchFamily="50" charset="-127"/>
+              </a:rPr>
+              <a:t> = </a:t>
+            </a:r>
+            <a:r>
+              <a:rPr kumimoji="0" lang="ko-KR" altLang="ko-KR" sz="1400" dirty="0" err="1">
+                <a:solidFill>
+                  <a:srgbClr val="000000"/>
+                </a:solidFill>
+                <a:latin typeface="나눔고딕" panose="020D0604000000000000" pitchFamily="50" charset="-127"/>
+                <a:ea typeface="나눔고딕" panose="020D0604000000000000" pitchFamily="50" charset="-127"/>
+              </a:rPr>
+              <a:t>softmax_cross_entropy</a:t>
+            </a:r>
+            <a:r>
+              <a:rPr kumimoji="0" lang="ko-KR" altLang="ko-KR" sz="1400" dirty="0">
+                <a:solidFill>
+                  <a:srgbClr val="000000"/>
+                </a:solidFill>
+                <a:latin typeface="나눔고딕" panose="020D0604000000000000" pitchFamily="50" charset="-127"/>
+                <a:ea typeface="나눔고딕" panose="020D0604000000000000" pitchFamily="50" charset="-127"/>
+              </a:rPr>
+              <a:t>(</a:t>
+            </a:r>
+            <a:r>
+              <a:rPr kumimoji="0" lang="ko-KR" altLang="ko-KR" sz="1400" dirty="0" err="1">
+                <a:solidFill>
+                  <a:srgbClr val="000000"/>
+                </a:solidFill>
+                <a:latin typeface="나눔고딕" panose="020D0604000000000000" pitchFamily="50" charset="-127"/>
+                <a:ea typeface="나눔고딕" panose="020D0604000000000000" pitchFamily="50" charset="-127"/>
+              </a:rPr>
+              <a:t>output</a:t>
+            </a:r>
+            <a:r>
+              <a:rPr kumimoji="0" lang="ko-KR" altLang="ko-KR" sz="1400" dirty="0">
+                <a:solidFill>
+                  <a:srgbClr val="000000"/>
+                </a:solidFill>
+                <a:latin typeface="나눔고딕" panose="020D0604000000000000" pitchFamily="50" charset="-127"/>
+                <a:ea typeface="나눔고딕" panose="020D0604000000000000" pitchFamily="50" charset="-127"/>
+              </a:rPr>
+              <a:t>, </a:t>
+            </a:r>
+            <a:r>
+              <a:rPr kumimoji="0" lang="ko-KR" altLang="ko-KR" sz="1400" dirty="0" err="1">
+                <a:solidFill>
+                  <a:srgbClr val="000000"/>
+                </a:solidFill>
+                <a:latin typeface="나눔고딕" panose="020D0604000000000000" pitchFamily="50" charset="-127"/>
+                <a:ea typeface="나눔고딕" panose="020D0604000000000000" pitchFamily="50" charset="-127"/>
+              </a:rPr>
+              <a:t>label</a:t>
+            </a:r>
+            <a:r>
+              <a:rPr kumimoji="0" lang="ko-KR" altLang="ko-KR" sz="1400" dirty="0">
+                <a:solidFill>
+                  <a:srgbClr val="000000"/>
+                </a:solidFill>
+                <a:latin typeface="나눔고딕" panose="020D0604000000000000" pitchFamily="50" charset="-127"/>
+                <a:ea typeface="나눔고딕" panose="020D0604000000000000" pitchFamily="50" charset="-127"/>
+              </a:rPr>
+              <a:t>)</a:t>
+            </a:r>
+            <a:br>
+              <a:rPr kumimoji="0" lang="ko-KR" altLang="ko-KR" sz="1400" dirty="0">
+                <a:solidFill>
+                  <a:srgbClr val="000000"/>
+                </a:solidFill>
+                <a:latin typeface="나눔고딕" panose="020D0604000000000000" pitchFamily="50" charset="-127"/>
+                <a:ea typeface="나눔고딕" panose="020D0604000000000000" pitchFamily="50" charset="-127"/>
+              </a:rPr>
+            </a:br>
+            <a:r>
+              <a:rPr kumimoji="0" lang="ko-KR" altLang="ko-KR" sz="1400" dirty="0">
+                <a:solidFill>
+                  <a:srgbClr val="000000"/>
+                </a:solidFill>
+                <a:latin typeface="나눔고딕" panose="020D0604000000000000" pitchFamily="50" charset="-127"/>
+                <a:ea typeface="나눔고딕" panose="020D0604000000000000" pitchFamily="50" charset="-127"/>
+              </a:rPr>
+              <a:t>        </a:t>
+            </a:r>
+            <a:r>
+              <a:rPr kumimoji="0" lang="ko-KR" altLang="ko-KR" sz="1400" dirty="0" err="1">
+                <a:solidFill>
+                  <a:srgbClr val="000000"/>
+                </a:solidFill>
+                <a:latin typeface="나눔고딕" panose="020D0604000000000000" pitchFamily="50" charset="-127"/>
+                <a:ea typeface="나눔고딕" panose="020D0604000000000000" pitchFamily="50" charset="-127"/>
+              </a:rPr>
+              <a:t>loss.backward</a:t>
+            </a:r>
+            <a:r>
+              <a:rPr kumimoji="0" lang="ko-KR" altLang="ko-KR" sz="1400" dirty="0">
+                <a:solidFill>
+                  <a:srgbClr val="000000"/>
+                </a:solidFill>
+                <a:latin typeface="나눔고딕" panose="020D0604000000000000" pitchFamily="50" charset="-127"/>
+                <a:ea typeface="나눔고딕" panose="020D0604000000000000" pitchFamily="50" charset="-127"/>
+              </a:rPr>
+              <a:t>()</a:t>
+            </a:r>
+            <a:br>
+              <a:rPr kumimoji="0" lang="ko-KR" altLang="ko-KR" sz="1400" dirty="0">
+                <a:solidFill>
+                  <a:srgbClr val="000000"/>
+                </a:solidFill>
+                <a:latin typeface="나눔고딕" panose="020D0604000000000000" pitchFamily="50" charset="-127"/>
+                <a:ea typeface="나눔고딕" panose="020D0604000000000000" pitchFamily="50" charset="-127"/>
+              </a:rPr>
+            </a:br>
+            <a:r>
+              <a:rPr kumimoji="0" lang="ko-KR" altLang="ko-KR" sz="1400" dirty="0">
+                <a:solidFill>
+                  <a:srgbClr val="000000"/>
+                </a:solidFill>
+                <a:latin typeface="나눔고딕" panose="020D0604000000000000" pitchFamily="50" charset="-127"/>
+                <a:ea typeface="나눔고딕" panose="020D0604000000000000" pitchFamily="50" charset="-127"/>
+              </a:rPr>
+              <a:t>        </a:t>
+            </a:r>
+            <a:r>
+              <a:rPr kumimoji="0" lang="ko-KR" altLang="ko-KR" sz="1400" dirty="0" err="1">
+                <a:solidFill>
+                  <a:srgbClr val="000000"/>
+                </a:solidFill>
+                <a:latin typeface="나눔고딕" panose="020D0604000000000000" pitchFamily="50" charset="-127"/>
+                <a:ea typeface="나눔고딕" panose="020D0604000000000000" pitchFamily="50" charset="-127"/>
+              </a:rPr>
+              <a:t>trainer.step</a:t>
+            </a:r>
+            <a:r>
+              <a:rPr kumimoji="0" lang="ko-KR" altLang="ko-KR" sz="1400" dirty="0">
+                <a:solidFill>
+                  <a:srgbClr val="000000"/>
+                </a:solidFill>
+                <a:latin typeface="나눔고딕" panose="020D0604000000000000" pitchFamily="50" charset="-127"/>
+                <a:ea typeface="나눔고딕" panose="020D0604000000000000" pitchFamily="50" charset="-127"/>
+              </a:rPr>
+              <a:t>(</a:t>
+            </a:r>
+            <a:r>
+              <a:rPr kumimoji="0" lang="ko-KR" altLang="ko-KR" sz="1400" dirty="0" err="1">
+                <a:solidFill>
+                  <a:srgbClr val="000000"/>
+                </a:solidFill>
+                <a:latin typeface="나눔고딕" panose="020D0604000000000000" pitchFamily="50" charset="-127"/>
+                <a:ea typeface="나눔고딕" panose="020D0604000000000000" pitchFamily="50" charset="-127"/>
+              </a:rPr>
+              <a:t>data.shape</a:t>
+            </a:r>
+            <a:r>
+              <a:rPr kumimoji="0" lang="ko-KR" altLang="ko-KR" sz="1400" dirty="0">
+                <a:solidFill>
+                  <a:srgbClr val="000000"/>
+                </a:solidFill>
+                <a:latin typeface="나눔고딕" panose="020D0604000000000000" pitchFamily="50" charset="-127"/>
+                <a:ea typeface="나눔고딕" panose="020D0604000000000000" pitchFamily="50" charset="-127"/>
+              </a:rPr>
+              <a:t>[</a:t>
+            </a:r>
+            <a:r>
+              <a:rPr kumimoji="0" lang="ko-KR" altLang="ko-KR" sz="1400" dirty="0">
                 <a:solidFill>
                   <a:srgbClr val="0000FF"/>
                 </a:solidFill>
@@ -13746,842 +14299,12 @@
             <a:r>
               <a:rPr kumimoji="0" lang="ko-KR" altLang="ko-KR" sz="1400" dirty="0">
                 <a:solidFill>
-                  <a:srgbClr val="0000FF"/>
-                </a:solidFill>
-                <a:latin typeface="나눔고딕" panose="020D0604000000000000" pitchFamily="50" charset="-127"/>
-                <a:ea typeface="나눔고딕" panose="020D0604000000000000" pitchFamily="50" charset="-127"/>
-              </a:rPr>
-              <a:t>.0</a:t>
-            </a:r>
-            <a:r>
-              <a:rPr kumimoji="0" lang="ko-KR" altLang="ko-KR" sz="1400" dirty="0" smtClean="0">
-                <a:solidFill>
-                  <a:srgbClr val="0000FF"/>
-                </a:solidFill>
-                <a:latin typeface="나눔고딕" panose="020D0604000000000000" pitchFamily="50" charset="-127"/>
-                <a:ea typeface="나눔고딕" panose="020D0604000000000000" pitchFamily="50" charset="-127"/>
-              </a:rPr>
-              <a:t>1</a:t>
-            </a:r>
-            <a:r>
-              <a:rPr kumimoji="0" lang="ko-KR" altLang="ko-KR" sz="1400" dirty="0">
-                <a:solidFill>
-                  <a:srgbClr val="0000FF"/>
-                </a:solidFill>
-                <a:latin typeface="나눔고딕" panose="020D0604000000000000" pitchFamily="50" charset="-127"/>
-                <a:ea typeface="나눔고딕" panose="020D0604000000000000" pitchFamily="50" charset="-127"/>
-              </a:rPr>
-              <a:t/>
-            </a:r>
-            <a:br>
-              <a:rPr kumimoji="0" lang="ko-KR" altLang="ko-KR" sz="1400" dirty="0">
-                <a:solidFill>
-                  <a:srgbClr val="0000FF"/>
-                </a:solidFill>
-                <a:latin typeface="나눔고딕" panose="020D0604000000000000" pitchFamily="50" charset="-127"/>
-                <a:ea typeface="나눔고딕" panose="020D0604000000000000" pitchFamily="50" charset="-127"/>
-              </a:rPr>
-            </a:br>
-            <a:r>
-              <a:rPr kumimoji="0" lang="ko-KR" altLang="ko-KR" sz="1400" dirty="0">
-                <a:solidFill>
-                  <a:srgbClr val="0000FF"/>
-                </a:solidFill>
-                <a:latin typeface="나눔고딕" panose="020D0604000000000000" pitchFamily="50" charset="-127"/>
-                <a:ea typeface="나눔고딕" panose="020D0604000000000000" pitchFamily="50" charset="-127"/>
-              </a:rPr>
-              <a:t/>
-            </a:r>
-            <a:br>
-              <a:rPr kumimoji="0" lang="ko-KR" altLang="ko-KR" sz="1400" dirty="0">
-                <a:solidFill>
-                  <a:srgbClr val="0000FF"/>
-                </a:solidFill>
-                <a:latin typeface="나눔고딕" panose="020D0604000000000000" pitchFamily="50" charset="-127"/>
-                <a:ea typeface="나눔고딕" panose="020D0604000000000000" pitchFamily="50" charset="-127"/>
-              </a:rPr>
-            </a:br>
-            <a:r>
-              <a:rPr kumimoji="0" lang="ko-KR" altLang="ko-KR" sz="1400" b="1" dirty="0" err="1">
-                <a:solidFill>
-                  <a:srgbClr val="000080"/>
-                </a:solidFill>
-                <a:latin typeface="나눔고딕" panose="020D0604000000000000" pitchFamily="50" charset="-127"/>
-                <a:ea typeface="나눔고딕" panose="020D0604000000000000" pitchFamily="50" charset="-127"/>
-              </a:rPr>
-              <a:t>for</a:t>
-            </a:r>
-            <a:r>
-              <a:rPr kumimoji="0" lang="ko-KR" altLang="ko-KR" sz="1400" b="1" dirty="0">
-                <a:solidFill>
-                  <a:srgbClr val="000080"/>
-                </a:solidFill>
-                <a:latin typeface="나눔고딕" panose="020D0604000000000000" pitchFamily="50" charset="-127"/>
-                <a:ea typeface="나눔고딕" panose="020D0604000000000000" pitchFamily="50" charset="-127"/>
-              </a:rPr>
-              <a:t> </a:t>
-            </a:r>
-            <a:r>
-              <a:rPr kumimoji="0" lang="ko-KR" altLang="ko-KR" sz="1400" dirty="0" err="1">
-                <a:solidFill>
-                  <a:srgbClr val="000000"/>
-                </a:solidFill>
-                <a:latin typeface="나눔고딕" panose="020D0604000000000000" pitchFamily="50" charset="-127"/>
-                <a:ea typeface="나눔고딕" panose="020D0604000000000000" pitchFamily="50" charset="-127"/>
-              </a:rPr>
-              <a:t>e</a:t>
-            </a:r>
-            <a:r>
-              <a:rPr kumimoji="0" lang="ko-KR" altLang="ko-KR" sz="1400" dirty="0">
-                <a:solidFill>
-                  <a:srgbClr val="000000"/>
-                </a:solidFill>
-                <a:latin typeface="나눔고딕" panose="020D0604000000000000" pitchFamily="50" charset="-127"/>
-                <a:ea typeface="나눔고딕" panose="020D0604000000000000" pitchFamily="50" charset="-127"/>
-              </a:rPr>
-              <a:t> </a:t>
-            </a:r>
-            <a:r>
-              <a:rPr kumimoji="0" lang="ko-KR" altLang="ko-KR" sz="1400" b="1" dirty="0" err="1">
-                <a:solidFill>
-                  <a:srgbClr val="000080"/>
-                </a:solidFill>
-                <a:latin typeface="나눔고딕" panose="020D0604000000000000" pitchFamily="50" charset="-127"/>
-                <a:ea typeface="나눔고딕" panose="020D0604000000000000" pitchFamily="50" charset="-127"/>
-              </a:rPr>
-              <a:t>in</a:t>
-            </a:r>
-            <a:r>
-              <a:rPr kumimoji="0" lang="ko-KR" altLang="ko-KR" sz="1400" b="1" dirty="0">
-                <a:solidFill>
-                  <a:srgbClr val="000080"/>
-                </a:solidFill>
-                <a:latin typeface="나눔고딕" panose="020D0604000000000000" pitchFamily="50" charset="-127"/>
-                <a:ea typeface="나눔고딕" panose="020D0604000000000000" pitchFamily="50" charset="-127"/>
-              </a:rPr>
-              <a:t> </a:t>
-            </a:r>
-            <a:r>
-              <a:rPr kumimoji="0" lang="ko-KR" altLang="ko-KR" sz="1400" dirty="0" err="1">
-                <a:solidFill>
-                  <a:srgbClr val="000080"/>
-                </a:solidFill>
-                <a:latin typeface="나눔고딕" panose="020D0604000000000000" pitchFamily="50" charset="-127"/>
-                <a:ea typeface="나눔고딕" panose="020D0604000000000000" pitchFamily="50" charset="-127"/>
-              </a:rPr>
-              <a:t>range</a:t>
-            </a:r>
-            <a:r>
-              <a:rPr kumimoji="0" lang="ko-KR" altLang="ko-KR" sz="1400" dirty="0">
-                <a:solidFill>
-                  <a:srgbClr val="000000"/>
-                </a:solidFill>
-                <a:latin typeface="나눔고딕" panose="020D0604000000000000" pitchFamily="50" charset="-127"/>
-                <a:ea typeface="나눔고딕" panose="020D0604000000000000" pitchFamily="50" charset="-127"/>
-              </a:rPr>
-              <a:t>(</a:t>
-            </a:r>
-            <a:r>
-              <a:rPr kumimoji="0" lang="ko-KR" altLang="ko-KR" sz="1400" dirty="0" err="1">
-                <a:solidFill>
-                  <a:srgbClr val="000000"/>
-                </a:solidFill>
-                <a:latin typeface="나눔고딕" panose="020D0604000000000000" pitchFamily="50" charset="-127"/>
-                <a:ea typeface="나눔고딕" panose="020D0604000000000000" pitchFamily="50" charset="-127"/>
-              </a:rPr>
-              <a:t>epochs</a:t>
-            </a:r>
-            <a:r>
-              <a:rPr kumimoji="0" lang="ko-KR" altLang="ko-KR" sz="1400" dirty="0">
-                <a:solidFill>
-                  <a:srgbClr val="000000"/>
-                </a:solidFill>
-                <a:latin typeface="나눔고딕" panose="020D0604000000000000" pitchFamily="50" charset="-127"/>
-                <a:ea typeface="나눔고딕" panose="020D0604000000000000" pitchFamily="50" charset="-127"/>
-              </a:rPr>
-              <a:t>):</a:t>
-            </a:r>
-            <a:br>
-              <a:rPr kumimoji="0" lang="ko-KR" altLang="ko-KR" sz="1400" dirty="0">
-                <a:solidFill>
-                  <a:srgbClr val="000000"/>
-                </a:solidFill>
-                <a:latin typeface="나눔고딕" panose="020D0604000000000000" pitchFamily="50" charset="-127"/>
-                <a:ea typeface="나눔고딕" panose="020D0604000000000000" pitchFamily="50" charset="-127"/>
-              </a:rPr>
-            </a:br>
-            <a:r>
-              <a:rPr kumimoji="0" lang="ko-KR" altLang="ko-KR" sz="1400" dirty="0">
-                <a:solidFill>
-                  <a:srgbClr val="000000"/>
-                </a:solidFill>
-                <a:latin typeface="나눔고딕" panose="020D0604000000000000" pitchFamily="50" charset="-127"/>
-                <a:ea typeface="나눔고딕" panose="020D0604000000000000" pitchFamily="50" charset="-127"/>
-              </a:rPr>
-              <a:t>    </a:t>
-            </a:r>
-            <a:r>
-              <a:rPr kumimoji="0" lang="ko-KR" altLang="ko-KR" sz="1400" b="1" dirty="0" err="1">
-                <a:solidFill>
-                  <a:srgbClr val="000080"/>
-                </a:solidFill>
-                <a:latin typeface="나눔고딕" panose="020D0604000000000000" pitchFamily="50" charset="-127"/>
-                <a:ea typeface="나눔고딕" panose="020D0604000000000000" pitchFamily="50" charset="-127"/>
-              </a:rPr>
-              <a:t>for</a:t>
-            </a:r>
-            <a:r>
-              <a:rPr kumimoji="0" lang="ko-KR" altLang="ko-KR" sz="1400" b="1" dirty="0">
-                <a:solidFill>
-                  <a:srgbClr val="000080"/>
-                </a:solidFill>
-                <a:latin typeface="나눔고딕" panose="020D0604000000000000" pitchFamily="50" charset="-127"/>
-                <a:ea typeface="나눔고딕" panose="020D0604000000000000" pitchFamily="50" charset="-127"/>
-              </a:rPr>
-              <a:t> </a:t>
-            </a:r>
-            <a:r>
-              <a:rPr kumimoji="0" lang="ko-KR" altLang="ko-KR" sz="1400" dirty="0" err="1">
-                <a:solidFill>
-                  <a:srgbClr val="000000"/>
-                </a:solidFill>
-                <a:latin typeface="나눔고딕" panose="020D0604000000000000" pitchFamily="50" charset="-127"/>
-                <a:ea typeface="나눔고딕" panose="020D0604000000000000" pitchFamily="50" charset="-127"/>
-              </a:rPr>
-              <a:t>i</a:t>
-            </a:r>
-            <a:r>
-              <a:rPr kumimoji="0" lang="ko-KR" altLang="ko-KR" sz="1400" dirty="0">
-                <a:solidFill>
-                  <a:srgbClr val="000000"/>
-                </a:solidFill>
-                <a:latin typeface="나눔고딕" panose="020D0604000000000000" pitchFamily="50" charset="-127"/>
-                <a:ea typeface="나눔고딕" panose="020D0604000000000000" pitchFamily="50" charset="-127"/>
-              </a:rPr>
-              <a:t>, (</a:t>
-            </a:r>
-            <a:r>
-              <a:rPr kumimoji="0" lang="ko-KR" altLang="ko-KR" sz="1400" dirty="0" err="1">
-                <a:solidFill>
-                  <a:srgbClr val="000000"/>
-                </a:solidFill>
-                <a:latin typeface="나눔고딕" panose="020D0604000000000000" pitchFamily="50" charset="-127"/>
-                <a:ea typeface="나눔고딕" panose="020D0604000000000000" pitchFamily="50" charset="-127"/>
-              </a:rPr>
-              <a:t>d</a:t>
-            </a:r>
-            <a:r>
-              <a:rPr kumimoji="0" lang="ko-KR" altLang="ko-KR" sz="1400" dirty="0">
-                <a:solidFill>
-                  <a:srgbClr val="000000"/>
-                </a:solidFill>
-                <a:latin typeface="나눔고딕" panose="020D0604000000000000" pitchFamily="50" charset="-127"/>
-                <a:ea typeface="나눔고딕" panose="020D0604000000000000" pitchFamily="50" charset="-127"/>
-              </a:rPr>
-              <a:t>, </a:t>
-            </a:r>
-            <a:r>
-              <a:rPr kumimoji="0" lang="ko-KR" altLang="ko-KR" sz="1400" dirty="0" err="1">
-                <a:solidFill>
-                  <a:srgbClr val="000000"/>
-                </a:solidFill>
-                <a:latin typeface="나눔고딕" panose="020D0604000000000000" pitchFamily="50" charset="-127"/>
-                <a:ea typeface="나눔고딕" panose="020D0604000000000000" pitchFamily="50" charset="-127"/>
-              </a:rPr>
-              <a:t>l</a:t>
-            </a:r>
-            <a:r>
-              <a:rPr kumimoji="0" lang="ko-KR" altLang="ko-KR" sz="1400" dirty="0">
-                <a:solidFill>
-                  <a:srgbClr val="000000"/>
-                </a:solidFill>
-                <a:latin typeface="나눔고딕" panose="020D0604000000000000" pitchFamily="50" charset="-127"/>
-                <a:ea typeface="나눔고딕" panose="020D0604000000000000" pitchFamily="50" charset="-127"/>
-              </a:rPr>
-              <a:t>) </a:t>
-            </a:r>
-            <a:r>
-              <a:rPr kumimoji="0" lang="ko-KR" altLang="ko-KR" sz="1400" b="1" dirty="0" err="1">
-                <a:solidFill>
-                  <a:srgbClr val="000080"/>
-                </a:solidFill>
-                <a:latin typeface="나눔고딕" panose="020D0604000000000000" pitchFamily="50" charset="-127"/>
-                <a:ea typeface="나눔고딕" panose="020D0604000000000000" pitchFamily="50" charset="-127"/>
-              </a:rPr>
-              <a:t>in</a:t>
-            </a:r>
-            <a:r>
-              <a:rPr kumimoji="0" lang="ko-KR" altLang="ko-KR" sz="1400" b="1" dirty="0">
-                <a:solidFill>
-                  <a:srgbClr val="000080"/>
-                </a:solidFill>
-                <a:latin typeface="나눔고딕" panose="020D0604000000000000" pitchFamily="50" charset="-127"/>
-                <a:ea typeface="나눔고딕" panose="020D0604000000000000" pitchFamily="50" charset="-127"/>
-              </a:rPr>
-              <a:t> </a:t>
-            </a:r>
-            <a:r>
-              <a:rPr kumimoji="0" lang="ko-KR" altLang="ko-KR" sz="1400" dirty="0" err="1">
-                <a:solidFill>
-                  <a:srgbClr val="000080"/>
-                </a:solidFill>
-                <a:latin typeface="나눔고딕" panose="020D0604000000000000" pitchFamily="50" charset="-127"/>
-                <a:ea typeface="나눔고딕" panose="020D0604000000000000" pitchFamily="50" charset="-127"/>
-              </a:rPr>
-              <a:t>enumerate</a:t>
-            </a:r>
-            <a:r>
-              <a:rPr kumimoji="0" lang="ko-KR" altLang="ko-KR" sz="1400" dirty="0">
-                <a:solidFill>
-                  <a:srgbClr val="000000"/>
-                </a:solidFill>
-                <a:latin typeface="나눔고딕" panose="020D0604000000000000" pitchFamily="50" charset="-127"/>
-                <a:ea typeface="나눔고딕" panose="020D0604000000000000" pitchFamily="50" charset="-127"/>
-              </a:rPr>
-              <a:t>(</a:t>
-            </a:r>
-            <a:r>
-              <a:rPr kumimoji="0" lang="ko-KR" altLang="ko-KR" sz="1400" dirty="0" err="1">
-                <a:solidFill>
-                  <a:srgbClr val="000000"/>
-                </a:solidFill>
-                <a:latin typeface="나눔고딕" panose="020D0604000000000000" pitchFamily="50" charset="-127"/>
-                <a:ea typeface="나눔고딕" panose="020D0604000000000000" pitchFamily="50" charset="-127"/>
-              </a:rPr>
-              <a:t>train_data</a:t>
-            </a:r>
-            <a:r>
-              <a:rPr kumimoji="0" lang="ko-KR" altLang="ko-KR" sz="1400" dirty="0">
-                <a:solidFill>
-                  <a:srgbClr val="000000"/>
-                </a:solidFill>
-                <a:latin typeface="나눔고딕" panose="020D0604000000000000" pitchFamily="50" charset="-127"/>
-                <a:ea typeface="나눔고딕" panose="020D0604000000000000" pitchFamily="50" charset="-127"/>
-              </a:rPr>
-              <a:t>):</a:t>
-            </a:r>
-            <a:br>
-              <a:rPr kumimoji="0" lang="ko-KR" altLang="ko-KR" sz="1400" dirty="0">
-                <a:solidFill>
-                  <a:srgbClr val="000000"/>
-                </a:solidFill>
-                <a:latin typeface="나눔고딕" panose="020D0604000000000000" pitchFamily="50" charset="-127"/>
-                <a:ea typeface="나눔고딕" panose="020D0604000000000000" pitchFamily="50" charset="-127"/>
-              </a:rPr>
-            </a:br>
-            <a:r>
-              <a:rPr kumimoji="0" lang="ko-KR" altLang="ko-KR" sz="1400" dirty="0">
-                <a:solidFill>
-                  <a:srgbClr val="000000"/>
-                </a:solidFill>
-                <a:latin typeface="나눔고딕" panose="020D0604000000000000" pitchFamily="50" charset="-127"/>
-                <a:ea typeface="나눔고딕" panose="020D0604000000000000" pitchFamily="50" charset="-127"/>
-              </a:rPr>
-              <a:t>        </a:t>
-            </a:r>
-            <a:r>
-              <a:rPr kumimoji="0" lang="ko-KR" altLang="ko-KR" sz="1400" dirty="0" err="1">
-                <a:solidFill>
-                  <a:srgbClr val="000000"/>
-                </a:solidFill>
-                <a:latin typeface="나눔고딕" panose="020D0604000000000000" pitchFamily="50" charset="-127"/>
-                <a:ea typeface="나눔고딕" panose="020D0604000000000000" pitchFamily="50" charset="-127"/>
-              </a:rPr>
-              <a:t>data</a:t>
-            </a:r>
-            <a:r>
-              <a:rPr kumimoji="0" lang="ko-KR" altLang="ko-KR" sz="1400" dirty="0">
-                <a:solidFill>
-                  <a:srgbClr val="000000"/>
-                </a:solidFill>
-                <a:latin typeface="나눔고딕" panose="020D0604000000000000" pitchFamily="50" charset="-127"/>
-                <a:ea typeface="나눔고딕" panose="020D0604000000000000" pitchFamily="50" charset="-127"/>
-              </a:rPr>
-              <a:t> = </a:t>
-            </a:r>
-            <a:r>
-              <a:rPr kumimoji="0" lang="ko-KR" altLang="ko-KR" sz="1400" dirty="0" err="1">
-                <a:solidFill>
-                  <a:srgbClr val="000000"/>
-                </a:solidFill>
-                <a:latin typeface="나눔고딕" panose="020D0604000000000000" pitchFamily="50" charset="-127"/>
-                <a:ea typeface="나눔고딕" panose="020D0604000000000000" pitchFamily="50" charset="-127"/>
-              </a:rPr>
-              <a:t>d.as_in_context</a:t>
-            </a:r>
-            <a:r>
-              <a:rPr kumimoji="0" lang="ko-KR" altLang="ko-KR" sz="1400" dirty="0">
-                <a:solidFill>
-                  <a:srgbClr val="000000"/>
-                </a:solidFill>
-                <a:latin typeface="나눔고딕" panose="020D0604000000000000" pitchFamily="50" charset="-127"/>
-                <a:ea typeface="나눔고딕" panose="020D0604000000000000" pitchFamily="50" charset="-127"/>
-              </a:rPr>
-              <a:t>(</a:t>
-            </a:r>
-            <a:r>
-              <a:rPr kumimoji="0" lang="ko-KR" altLang="ko-KR" sz="1400" dirty="0" err="1">
-                <a:solidFill>
-                  <a:srgbClr val="000000"/>
-                </a:solidFill>
-                <a:latin typeface="나눔고딕" panose="020D0604000000000000" pitchFamily="50" charset="-127"/>
-                <a:ea typeface="나눔고딕" panose="020D0604000000000000" pitchFamily="50" charset="-127"/>
-              </a:rPr>
-              <a:t>ctx</a:t>
-            </a:r>
-            <a:r>
-              <a:rPr kumimoji="0" lang="ko-KR" altLang="ko-KR" sz="1400" dirty="0">
-                <a:solidFill>
-                  <a:srgbClr val="000000"/>
-                </a:solidFill>
-                <a:latin typeface="나눔고딕" panose="020D0604000000000000" pitchFamily="50" charset="-127"/>
-                <a:ea typeface="나눔고딕" panose="020D0604000000000000" pitchFamily="50" charset="-127"/>
-              </a:rPr>
-              <a:t>)</a:t>
-            </a:r>
-            <a:br>
-              <a:rPr kumimoji="0" lang="ko-KR" altLang="ko-KR" sz="1400" dirty="0">
-                <a:solidFill>
-                  <a:srgbClr val="000000"/>
-                </a:solidFill>
-                <a:latin typeface="나눔고딕" panose="020D0604000000000000" pitchFamily="50" charset="-127"/>
-                <a:ea typeface="나눔고딕" panose="020D0604000000000000" pitchFamily="50" charset="-127"/>
-              </a:rPr>
-            </a:br>
-            <a:r>
-              <a:rPr kumimoji="0" lang="ko-KR" altLang="ko-KR" sz="1400" dirty="0">
-                <a:solidFill>
-                  <a:srgbClr val="000000"/>
-                </a:solidFill>
-                <a:latin typeface="나눔고딕" panose="020D0604000000000000" pitchFamily="50" charset="-127"/>
-                <a:ea typeface="나눔고딕" panose="020D0604000000000000" pitchFamily="50" charset="-127"/>
-              </a:rPr>
-              <a:t>        </a:t>
-            </a:r>
-            <a:r>
-              <a:rPr kumimoji="0" lang="ko-KR" altLang="ko-KR" sz="1400" dirty="0" err="1">
-                <a:solidFill>
-                  <a:srgbClr val="000000"/>
-                </a:solidFill>
-                <a:latin typeface="나눔고딕" panose="020D0604000000000000" pitchFamily="50" charset="-127"/>
-                <a:ea typeface="나눔고딕" panose="020D0604000000000000" pitchFamily="50" charset="-127"/>
-              </a:rPr>
-              <a:t>label</a:t>
-            </a:r>
-            <a:r>
-              <a:rPr kumimoji="0" lang="ko-KR" altLang="ko-KR" sz="1400" dirty="0">
-                <a:solidFill>
-                  <a:srgbClr val="000000"/>
-                </a:solidFill>
-                <a:latin typeface="나눔고딕" panose="020D0604000000000000" pitchFamily="50" charset="-127"/>
-                <a:ea typeface="나눔고딕" panose="020D0604000000000000" pitchFamily="50" charset="-127"/>
-              </a:rPr>
-              <a:t> = </a:t>
-            </a:r>
-            <a:r>
-              <a:rPr kumimoji="0" lang="ko-KR" altLang="ko-KR" sz="1400" dirty="0" err="1">
-                <a:solidFill>
-                  <a:srgbClr val="000000"/>
-                </a:solidFill>
-                <a:latin typeface="나눔고딕" panose="020D0604000000000000" pitchFamily="50" charset="-127"/>
-                <a:ea typeface="나눔고딕" panose="020D0604000000000000" pitchFamily="50" charset="-127"/>
-              </a:rPr>
-              <a:t>l.as_in_context</a:t>
-            </a:r>
-            <a:r>
-              <a:rPr kumimoji="0" lang="ko-KR" altLang="ko-KR" sz="1400" dirty="0">
-                <a:solidFill>
-                  <a:srgbClr val="000000"/>
-                </a:solidFill>
-                <a:latin typeface="나눔고딕" panose="020D0604000000000000" pitchFamily="50" charset="-127"/>
-                <a:ea typeface="나눔고딕" panose="020D0604000000000000" pitchFamily="50" charset="-127"/>
-              </a:rPr>
-              <a:t>(</a:t>
-            </a:r>
-            <a:r>
-              <a:rPr kumimoji="0" lang="ko-KR" altLang="ko-KR" sz="1400" dirty="0" err="1">
-                <a:solidFill>
-                  <a:srgbClr val="000000"/>
-                </a:solidFill>
-                <a:latin typeface="나눔고딕" panose="020D0604000000000000" pitchFamily="50" charset="-127"/>
-                <a:ea typeface="나눔고딕" panose="020D0604000000000000" pitchFamily="50" charset="-127"/>
-              </a:rPr>
-              <a:t>ctx</a:t>
-            </a:r>
-            <a:r>
-              <a:rPr kumimoji="0" lang="ko-KR" altLang="ko-KR" sz="1400" dirty="0">
-                <a:solidFill>
-                  <a:srgbClr val="000000"/>
-                </a:solidFill>
-                <a:latin typeface="나눔고딕" panose="020D0604000000000000" pitchFamily="50" charset="-127"/>
-                <a:ea typeface="나눔고딕" panose="020D0604000000000000" pitchFamily="50" charset="-127"/>
-              </a:rPr>
-              <a:t>)</a:t>
-            </a:r>
-            <a:br>
-              <a:rPr kumimoji="0" lang="ko-KR" altLang="ko-KR" sz="1400" dirty="0">
-                <a:solidFill>
-                  <a:srgbClr val="000000"/>
-                </a:solidFill>
-                <a:latin typeface="나눔고딕" panose="020D0604000000000000" pitchFamily="50" charset="-127"/>
-                <a:ea typeface="나눔고딕" panose="020D0604000000000000" pitchFamily="50" charset="-127"/>
-              </a:rPr>
-            </a:br>
-            <a:r>
-              <a:rPr kumimoji="0" lang="ko-KR" altLang="ko-KR" sz="1400" dirty="0">
-                <a:solidFill>
-                  <a:srgbClr val="000000"/>
-                </a:solidFill>
-                <a:latin typeface="나눔고딕" panose="020D0604000000000000" pitchFamily="50" charset="-127"/>
-                <a:ea typeface="나눔고딕" panose="020D0604000000000000" pitchFamily="50" charset="-127"/>
-              </a:rPr>
-              <a:t>        </a:t>
-            </a:r>
-            <a:r>
-              <a:rPr kumimoji="0" lang="ko-KR" altLang="ko-KR" sz="1400" b="1" dirty="0" err="1">
-                <a:solidFill>
-                  <a:srgbClr val="000080"/>
-                </a:solidFill>
-                <a:latin typeface="나눔고딕" panose="020D0604000000000000" pitchFamily="50" charset="-127"/>
-                <a:ea typeface="나눔고딕" panose="020D0604000000000000" pitchFamily="50" charset="-127"/>
-              </a:rPr>
-              <a:t>with</a:t>
-            </a:r>
-            <a:r>
-              <a:rPr kumimoji="0" lang="ko-KR" altLang="ko-KR" sz="1400" b="1" dirty="0">
-                <a:solidFill>
-                  <a:srgbClr val="000080"/>
-                </a:solidFill>
-                <a:latin typeface="나눔고딕" panose="020D0604000000000000" pitchFamily="50" charset="-127"/>
-                <a:ea typeface="나눔고딕" panose="020D0604000000000000" pitchFamily="50" charset="-127"/>
-              </a:rPr>
-              <a:t> </a:t>
-            </a:r>
-            <a:r>
-              <a:rPr kumimoji="0" lang="ko-KR" altLang="ko-KR" sz="1400" dirty="0" err="1">
-                <a:solidFill>
-                  <a:srgbClr val="000000"/>
-                </a:solidFill>
-                <a:latin typeface="나눔고딕" panose="020D0604000000000000" pitchFamily="50" charset="-127"/>
-                <a:ea typeface="나눔고딕" panose="020D0604000000000000" pitchFamily="50" charset="-127"/>
-              </a:rPr>
-              <a:t>autograd.record</a:t>
-            </a:r>
-            <a:r>
-              <a:rPr kumimoji="0" lang="ko-KR" altLang="ko-KR" sz="1400" dirty="0">
-                <a:solidFill>
-                  <a:srgbClr val="000000"/>
-                </a:solidFill>
-                <a:latin typeface="나눔고딕" panose="020D0604000000000000" pitchFamily="50" charset="-127"/>
-                <a:ea typeface="나눔고딕" panose="020D0604000000000000" pitchFamily="50" charset="-127"/>
-              </a:rPr>
-              <a:t>():</a:t>
-            </a:r>
-            <a:br>
-              <a:rPr kumimoji="0" lang="ko-KR" altLang="ko-KR" sz="1400" dirty="0">
-                <a:solidFill>
-                  <a:srgbClr val="000000"/>
-                </a:solidFill>
-                <a:latin typeface="나눔고딕" panose="020D0604000000000000" pitchFamily="50" charset="-127"/>
-                <a:ea typeface="나눔고딕" panose="020D0604000000000000" pitchFamily="50" charset="-127"/>
-              </a:rPr>
-            </a:br>
-            <a:r>
-              <a:rPr kumimoji="0" lang="ko-KR" altLang="ko-KR" sz="1400" dirty="0">
-                <a:solidFill>
-                  <a:srgbClr val="000000"/>
-                </a:solidFill>
-                <a:latin typeface="나눔고딕" panose="020D0604000000000000" pitchFamily="50" charset="-127"/>
-                <a:ea typeface="나눔고딕" panose="020D0604000000000000" pitchFamily="50" charset="-127"/>
-              </a:rPr>
-              <a:t>            </a:t>
-            </a:r>
-            <a:r>
-              <a:rPr kumimoji="0" lang="ko-KR" altLang="ko-KR" sz="1400" dirty="0" err="1">
-                <a:solidFill>
-                  <a:srgbClr val="000000"/>
-                </a:solidFill>
-                <a:latin typeface="나눔고딕" panose="020D0604000000000000" pitchFamily="50" charset="-127"/>
-                <a:ea typeface="나눔고딕" panose="020D0604000000000000" pitchFamily="50" charset="-127"/>
-              </a:rPr>
-              <a:t>output</a:t>
-            </a:r>
-            <a:r>
-              <a:rPr kumimoji="0" lang="ko-KR" altLang="ko-KR" sz="1400" dirty="0">
-                <a:solidFill>
-                  <a:srgbClr val="000000"/>
-                </a:solidFill>
-                <a:latin typeface="나눔고딕" panose="020D0604000000000000" pitchFamily="50" charset="-127"/>
-                <a:ea typeface="나눔고딕" panose="020D0604000000000000" pitchFamily="50" charset="-127"/>
-              </a:rPr>
-              <a:t> = </a:t>
-            </a:r>
-            <a:r>
-              <a:rPr kumimoji="0" lang="ko-KR" altLang="ko-KR" sz="1400" dirty="0" err="1" smtClean="0">
-                <a:solidFill>
-                  <a:srgbClr val="000000"/>
-                </a:solidFill>
-                <a:latin typeface="나눔고딕" panose="020D0604000000000000" pitchFamily="50" charset="-127"/>
-                <a:ea typeface="나눔고딕" panose="020D0604000000000000" pitchFamily="50" charset="-127"/>
-              </a:rPr>
-              <a:t>net</a:t>
-            </a:r>
-            <a:r>
-              <a:rPr kumimoji="0" lang="ko-KR" altLang="ko-KR" sz="1400" dirty="0" smtClean="0">
-                <a:solidFill>
-                  <a:srgbClr val="000000"/>
-                </a:solidFill>
-                <a:latin typeface="나눔고딕" panose="020D0604000000000000" pitchFamily="50" charset="-127"/>
-                <a:ea typeface="나눔고딕" panose="020D0604000000000000" pitchFamily="50" charset="-127"/>
-              </a:rPr>
-              <a:t>(</a:t>
-            </a:r>
-            <a:r>
-              <a:rPr kumimoji="0" lang="ko-KR" altLang="ko-KR" sz="1400" dirty="0" err="1" smtClean="0">
-                <a:solidFill>
-                  <a:srgbClr val="000000"/>
-                </a:solidFill>
-                <a:latin typeface="나눔고딕" panose="020D0604000000000000" pitchFamily="50" charset="-127"/>
-                <a:ea typeface="나눔고딕" panose="020D0604000000000000" pitchFamily="50" charset="-127"/>
-              </a:rPr>
-              <a:t>data</a:t>
-            </a:r>
-            <a:r>
-              <a:rPr kumimoji="0" lang="ko-KR" altLang="ko-KR" sz="1400" dirty="0">
-                <a:solidFill>
-                  <a:srgbClr val="000000"/>
-                </a:solidFill>
-                <a:latin typeface="나눔고딕" panose="020D0604000000000000" pitchFamily="50" charset="-127"/>
-                <a:ea typeface="나눔고딕" panose="020D0604000000000000" pitchFamily="50" charset="-127"/>
-              </a:rPr>
-              <a:t>)</a:t>
-            </a:r>
-            <a:br>
-              <a:rPr kumimoji="0" lang="ko-KR" altLang="ko-KR" sz="1400" dirty="0">
-                <a:solidFill>
-                  <a:srgbClr val="000000"/>
-                </a:solidFill>
-                <a:latin typeface="나눔고딕" panose="020D0604000000000000" pitchFamily="50" charset="-127"/>
-                <a:ea typeface="나눔고딕" panose="020D0604000000000000" pitchFamily="50" charset="-127"/>
-              </a:rPr>
-            </a:br>
-            <a:r>
-              <a:rPr kumimoji="0" lang="ko-KR" altLang="ko-KR" sz="1400" dirty="0">
-                <a:solidFill>
-                  <a:srgbClr val="000000"/>
-                </a:solidFill>
-                <a:latin typeface="나눔고딕" panose="020D0604000000000000" pitchFamily="50" charset="-127"/>
-                <a:ea typeface="나눔고딕" panose="020D0604000000000000" pitchFamily="50" charset="-127"/>
-              </a:rPr>
-              <a:t>            </a:t>
-            </a:r>
-            <a:r>
-              <a:rPr kumimoji="0" lang="ko-KR" altLang="ko-KR" sz="1400" dirty="0" err="1">
-                <a:solidFill>
-                  <a:srgbClr val="000000"/>
-                </a:solidFill>
-                <a:latin typeface="나눔고딕" panose="020D0604000000000000" pitchFamily="50" charset="-127"/>
-                <a:ea typeface="나눔고딕" panose="020D0604000000000000" pitchFamily="50" charset="-127"/>
-              </a:rPr>
-              <a:t>loss</a:t>
-            </a:r>
-            <a:r>
-              <a:rPr kumimoji="0" lang="ko-KR" altLang="ko-KR" sz="1400" dirty="0">
-                <a:solidFill>
-                  <a:srgbClr val="000000"/>
-                </a:solidFill>
-                <a:latin typeface="나눔고딕" panose="020D0604000000000000" pitchFamily="50" charset="-127"/>
-                <a:ea typeface="나눔고딕" panose="020D0604000000000000" pitchFamily="50" charset="-127"/>
-              </a:rPr>
-              <a:t> = </a:t>
-            </a:r>
-            <a:r>
-              <a:rPr kumimoji="0" lang="ko-KR" altLang="ko-KR" sz="1400" dirty="0" err="1">
-                <a:solidFill>
-                  <a:srgbClr val="000000"/>
-                </a:solidFill>
-                <a:latin typeface="나눔고딕" panose="020D0604000000000000" pitchFamily="50" charset="-127"/>
-                <a:ea typeface="나눔고딕" panose="020D0604000000000000" pitchFamily="50" charset="-127"/>
-              </a:rPr>
-              <a:t>softmax_cross_entropy</a:t>
-            </a:r>
-            <a:r>
-              <a:rPr kumimoji="0" lang="ko-KR" altLang="ko-KR" sz="1400" dirty="0">
-                <a:solidFill>
-                  <a:srgbClr val="000000"/>
-                </a:solidFill>
-                <a:latin typeface="나눔고딕" panose="020D0604000000000000" pitchFamily="50" charset="-127"/>
-                <a:ea typeface="나눔고딕" panose="020D0604000000000000" pitchFamily="50" charset="-127"/>
-              </a:rPr>
-              <a:t>(</a:t>
-            </a:r>
-            <a:r>
-              <a:rPr kumimoji="0" lang="ko-KR" altLang="ko-KR" sz="1400" dirty="0" err="1">
-                <a:solidFill>
-                  <a:srgbClr val="000000"/>
-                </a:solidFill>
-                <a:latin typeface="나눔고딕" panose="020D0604000000000000" pitchFamily="50" charset="-127"/>
-                <a:ea typeface="나눔고딕" panose="020D0604000000000000" pitchFamily="50" charset="-127"/>
-              </a:rPr>
-              <a:t>output</a:t>
-            </a:r>
-            <a:r>
-              <a:rPr kumimoji="0" lang="ko-KR" altLang="ko-KR" sz="1400" dirty="0">
-                <a:solidFill>
-                  <a:srgbClr val="000000"/>
-                </a:solidFill>
-                <a:latin typeface="나눔고딕" panose="020D0604000000000000" pitchFamily="50" charset="-127"/>
-                <a:ea typeface="나눔고딕" panose="020D0604000000000000" pitchFamily="50" charset="-127"/>
-              </a:rPr>
-              <a:t>, </a:t>
-            </a:r>
-            <a:r>
-              <a:rPr kumimoji="0" lang="ko-KR" altLang="ko-KR" sz="1400" dirty="0" err="1">
-                <a:solidFill>
-                  <a:srgbClr val="000000"/>
-                </a:solidFill>
-                <a:latin typeface="나눔고딕" panose="020D0604000000000000" pitchFamily="50" charset="-127"/>
-                <a:ea typeface="나눔고딕" panose="020D0604000000000000" pitchFamily="50" charset="-127"/>
-              </a:rPr>
-              <a:t>label</a:t>
-            </a:r>
-            <a:r>
-              <a:rPr kumimoji="0" lang="ko-KR" altLang="ko-KR" sz="1400" dirty="0">
-                <a:solidFill>
-                  <a:srgbClr val="000000"/>
-                </a:solidFill>
-                <a:latin typeface="나눔고딕" panose="020D0604000000000000" pitchFamily="50" charset="-127"/>
-                <a:ea typeface="나눔고딕" panose="020D0604000000000000" pitchFamily="50" charset="-127"/>
-              </a:rPr>
-              <a:t>)</a:t>
-            </a:r>
-            <a:br>
-              <a:rPr kumimoji="0" lang="ko-KR" altLang="ko-KR" sz="1400" dirty="0">
-                <a:solidFill>
-                  <a:srgbClr val="000000"/>
-                </a:solidFill>
-                <a:latin typeface="나눔고딕" panose="020D0604000000000000" pitchFamily="50" charset="-127"/>
-                <a:ea typeface="나눔고딕" panose="020D0604000000000000" pitchFamily="50" charset="-127"/>
-              </a:rPr>
-            </a:br>
-            <a:r>
-              <a:rPr kumimoji="0" lang="ko-KR" altLang="ko-KR" sz="1400" dirty="0">
-                <a:solidFill>
-                  <a:srgbClr val="000000"/>
-                </a:solidFill>
-                <a:latin typeface="나눔고딕" panose="020D0604000000000000" pitchFamily="50" charset="-127"/>
-                <a:ea typeface="나눔고딕" panose="020D0604000000000000" pitchFamily="50" charset="-127"/>
-              </a:rPr>
-              <a:t>        </a:t>
-            </a:r>
-            <a:r>
-              <a:rPr kumimoji="0" lang="ko-KR" altLang="ko-KR" sz="1400" dirty="0" err="1">
-                <a:solidFill>
-                  <a:srgbClr val="000000"/>
-                </a:solidFill>
-                <a:latin typeface="나눔고딕" panose="020D0604000000000000" pitchFamily="50" charset="-127"/>
-                <a:ea typeface="나눔고딕" panose="020D0604000000000000" pitchFamily="50" charset="-127"/>
-              </a:rPr>
-              <a:t>loss.backward</a:t>
-            </a:r>
-            <a:r>
-              <a:rPr kumimoji="0" lang="ko-KR" altLang="ko-KR" sz="1400" dirty="0">
-                <a:solidFill>
-                  <a:srgbClr val="000000"/>
-                </a:solidFill>
-                <a:latin typeface="나눔고딕" panose="020D0604000000000000" pitchFamily="50" charset="-127"/>
-                <a:ea typeface="나눔고딕" panose="020D0604000000000000" pitchFamily="50" charset="-127"/>
-              </a:rPr>
-              <a:t>()</a:t>
-            </a:r>
-            <a:br>
-              <a:rPr kumimoji="0" lang="ko-KR" altLang="ko-KR" sz="1400" dirty="0">
-                <a:solidFill>
-                  <a:srgbClr val="000000"/>
-                </a:solidFill>
-                <a:latin typeface="나눔고딕" panose="020D0604000000000000" pitchFamily="50" charset="-127"/>
-                <a:ea typeface="나눔고딕" panose="020D0604000000000000" pitchFamily="50" charset="-127"/>
-              </a:rPr>
-            </a:br>
-            <a:r>
-              <a:rPr kumimoji="0" lang="ko-KR" altLang="ko-KR" sz="1400" dirty="0">
-                <a:solidFill>
-                  <a:srgbClr val="000000"/>
-                </a:solidFill>
-                <a:latin typeface="나눔고딕" panose="020D0604000000000000" pitchFamily="50" charset="-127"/>
-                <a:ea typeface="나눔고딕" panose="020D0604000000000000" pitchFamily="50" charset="-127"/>
-              </a:rPr>
-              <a:t>        </a:t>
-            </a:r>
-            <a:r>
-              <a:rPr kumimoji="0" lang="ko-KR" altLang="ko-KR" sz="1400" dirty="0" err="1">
-                <a:solidFill>
-                  <a:srgbClr val="000000"/>
-                </a:solidFill>
-                <a:latin typeface="나눔고딕" panose="020D0604000000000000" pitchFamily="50" charset="-127"/>
-                <a:ea typeface="나눔고딕" panose="020D0604000000000000" pitchFamily="50" charset="-127"/>
-              </a:rPr>
-              <a:t>trainer.step</a:t>
-            </a:r>
-            <a:r>
-              <a:rPr kumimoji="0" lang="ko-KR" altLang="ko-KR" sz="1400" dirty="0">
-                <a:solidFill>
-                  <a:srgbClr val="000000"/>
-                </a:solidFill>
-                <a:latin typeface="나눔고딕" panose="020D0604000000000000" pitchFamily="50" charset="-127"/>
-                <a:ea typeface="나눔고딕" panose="020D0604000000000000" pitchFamily="50" charset="-127"/>
-              </a:rPr>
-              <a:t>(</a:t>
-            </a:r>
-            <a:r>
-              <a:rPr kumimoji="0" lang="ko-KR" altLang="ko-KR" sz="1400" dirty="0" err="1">
-                <a:solidFill>
-                  <a:srgbClr val="000000"/>
-                </a:solidFill>
-                <a:latin typeface="나눔고딕" panose="020D0604000000000000" pitchFamily="50" charset="-127"/>
-                <a:ea typeface="나눔고딕" panose="020D0604000000000000" pitchFamily="50" charset="-127"/>
-              </a:rPr>
-              <a:t>data.shape</a:t>
-            </a:r>
-            <a:r>
-              <a:rPr kumimoji="0" lang="ko-KR" altLang="ko-KR" sz="1400" dirty="0">
-                <a:solidFill>
-                  <a:srgbClr val="000000"/>
-                </a:solidFill>
-                <a:latin typeface="나눔고딕" panose="020D0604000000000000" pitchFamily="50" charset="-127"/>
-                <a:ea typeface="나눔고딕" panose="020D0604000000000000" pitchFamily="50" charset="-127"/>
-              </a:rPr>
-              <a:t>[</a:t>
-            </a:r>
-            <a:r>
-              <a:rPr kumimoji="0" lang="ko-KR" altLang="ko-KR" sz="1400" dirty="0">
-                <a:solidFill>
-                  <a:srgbClr val="0000FF"/>
-                </a:solidFill>
-                <a:latin typeface="나눔고딕" panose="020D0604000000000000" pitchFamily="50" charset="-127"/>
-                <a:ea typeface="나눔고딕" panose="020D0604000000000000" pitchFamily="50" charset="-127"/>
-              </a:rPr>
-              <a:t>0</a:t>
-            </a:r>
-            <a:r>
-              <a:rPr kumimoji="0" lang="ko-KR" altLang="ko-KR" sz="1400" dirty="0" smtClean="0">
-                <a:solidFill>
                   <a:srgbClr val="000000"/>
                 </a:solidFill>
                 <a:latin typeface="나눔고딕" panose="020D0604000000000000" pitchFamily="50" charset="-127"/>
                 <a:ea typeface="나눔고딕" panose="020D0604000000000000" pitchFamily="50" charset="-127"/>
               </a:rPr>
               <a:t>])</a:t>
-            </a:r>
-            <a:r>
-              <a:rPr kumimoji="0" lang="ko-KR" altLang="ko-KR" sz="1400" i="1" dirty="0">
-                <a:solidFill>
-                  <a:srgbClr val="808080"/>
-                </a:solidFill>
-                <a:latin typeface="나눔고딕" panose="020D0604000000000000" pitchFamily="50" charset="-127"/>
-                <a:ea typeface="나눔고딕" panose="020D0604000000000000" pitchFamily="50" charset="-127"/>
-              </a:rPr>
-              <a:t/>
             </a:r>
             <a:br>
               <a:rPr kumimoji="0" lang="ko-KR" altLang="ko-KR" sz="1400" i="1" dirty="0">
@@ -15010,16 +14733,6 @@
                 <a:ea typeface="나눔고딕" panose="020D0604000000000000" pitchFamily="50" charset="-127"/>
               </a:rPr>
             </a:br>
-            <a:r>
-              <a:rPr kumimoji="0" lang="ko-KR" altLang="ko-KR" sz="1400" dirty="0">
-                <a:solidFill>
-                  <a:srgbClr val="000000"/>
-                </a:solidFill>
-                <a:latin typeface="나눔고딕" panose="020D0604000000000000" pitchFamily="50" charset="-127"/>
-                <a:ea typeface="나눔고딕" panose="020D0604000000000000" pitchFamily="50" charset="-127"/>
-              </a:rPr>
-              <a:t/>
-            </a:r>
             <a:br>
               <a:rPr kumimoji="0" lang="ko-KR" altLang="ko-KR" sz="1400" dirty="0">
                 <a:solidFill>
@@ -15719,20 +15432,20 @@
               <a:buNone/>
             </a:pPr>
             <a:r>
-              <a:rPr lang="en-US" altLang="ko-KR" sz="2800" kern="0" dirty="0" smtClean="0">
+              <a:rPr lang="en-US" altLang="ko-KR" sz="2800" kern="0" dirty="0">
                 <a:latin typeface="나눔고딕 ExtraBold" panose="020D0904000000000000" pitchFamily="50" charset="-127"/>
                 <a:ea typeface="나눔고딕 ExtraBold" panose="020D0904000000000000" pitchFamily="50" charset="-127"/>
               </a:rPr>
               <a:t>1. </a:t>
             </a:r>
             <a:r>
-              <a:rPr lang="en-US" altLang="ko-KR" sz="2800" kern="0" dirty="0" err="1" smtClean="0">
+              <a:rPr lang="en-US" altLang="ko-KR" sz="2800" kern="0" dirty="0" err="1">
                 <a:latin typeface="나눔고딕 ExtraBold" panose="020D0904000000000000" pitchFamily="50" charset="-127"/>
                 <a:ea typeface="나눔고딕 ExtraBold" panose="020D0904000000000000" pitchFamily="50" charset="-127"/>
               </a:rPr>
               <a:t>Mxnet.gluon</a:t>
             </a:r>
-            <a:endParaRPr lang="ko-KR" altLang="en-US" sz="2800" kern="0" dirty="0" smtClean="0">
+            <a:endParaRPr lang="ko-KR" altLang="en-US" sz="2800" kern="0" dirty="0">
               <a:latin typeface="나눔고딕 ExtraBold" panose="020D0904000000000000" pitchFamily="50" charset="-127"/>
               <a:ea typeface="나눔고딕 ExtraBold" panose="020D0904000000000000" pitchFamily="50" charset="-127"/>
             </a:endParaRPr>
@@ -15749,13 +15462,6 @@
   <p:clrMapOvr>
     <a:masterClrMapping/>
   </p:clrMapOvr>
-  <p:timing>
-    <p:tnLst>
-      <p:par>
-        <p:cTn id="1" dur="indefinite" restart="never" nodeType="tmRoot"/>
-      </p:par>
-    </p:tnLst>
-  </p:timing>
 </p:sld>
 </file>
 
@@ -16066,7 +15772,7 @@
               <a:defRPr/>
             </a:pPr>
             <a:r>
-              <a:rPr lang="en-US" sz="2000" b="1" dirty="0" smtClean="0">
+              <a:rPr lang="en-US" sz="2000" b="1" dirty="0">
                 <a:gradFill>
                   <a:gsLst>
                     <a:gs pos="0">
@@ -16391,7 +16097,7 @@
               <a:defRPr/>
             </a:pPr>
             <a:r>
-              <a:rPr lang="ko-KR" altLang="en-US" sz="1400" dirty="0" err="1" smtClean="0">
+              <a:rPr lang="ko-KR" altLang="en-US" sz="1400" dirty="0" err="1">
                 <a:solidFill>
                   <a:schemeClr val="tx1"/>
                 </a:solidFill>
@@ -16401,7 +16107,7 @@
               <a:t>파라미터</a:t>
             </a:r>
             <a:r>
-              <a:rPr lang="ko-KR" altLang="en-US" sz="1400" dirty="0" smtClean="0">
+              <a:rPr lang="ko-KR" altLang="en-US" sz="1400" dirty="0">
                 <a:solidFill>
                   <a:schemeClr val="tx1"/>
                 </a:solidFill>
@@ -16410,13 +16116,6 @@
               </a:rPr>
               <a:t> </a:t>
             </a:r>
-            <a:endParaRPr lang="ko-KR" altLang="en-US" sz="1400" dirty="0">
-              <a:solidFill>
-                <a:schemeClr val="tx1"/>
-              </a:solidFill>
-              <a:latin typeface="나눔고딕" panose="020D0604000000000000" pitchFamily="50" charset="-127"/>
-              <a:ea typeface="나눔고딕" panose="020D0604000000000000" pitchFamily="50" charset="-127"/>
-            </a:endParaRPr>
           </a:p>
         </p:txBody>
       </p:sp>
@@ -16733,7 +16432,7 @@
               <a:defRPr/>
             </a:pPr>
             <a:r>
-              <a:rPr lang="en-US" altLang="ko-KR" sz="1400" dirty="0" err="1" smtClean="0">
+              <a:rPr lang="en-US" altLang="ko-KR" sz="1400" dirty="0" err="1">
                 <a:solidFill>
                   <a:schemeClr val="tx1"/>
                 </a:solidFill>
@@ -16743,7 +16442,7 @@
               <a:t>lr</a:t>
             </a:r>
             <a:r>
-              <a:rPr lang="en-US" altLang="ko-KR" sz="1400" dirty="0" smtClean="0">
+              <a:rPr lang="en-US" altLang="ko-KR" sz="1400" dirty="0">
                 <a:solidFill>
                   <a:schemeClr val="tx1"/>
                 </a:solidFill>
@@ -16753,7 +16452,7 @@
               <a:t>=0.01, epochs=3, </a:t>
             </a:r>
             <a:r>
-              <a:rPr lang="en-US" altLang="ko-KR" sz="1400" dirty="0" err="1" smtClean="0">
+              <a:rPr lang="en-US" altLang="ko-KR" sz="1400" dirty="0" err="1">
                 <a:solidFill>
                   <a:schemeClr val="tx1"/>
                 </a:solidFill>
@@ -16763,7 +16462,7 @@
               <a:t>sgd</a:t>
             </a:r>
             <a:r>
-              <a:rPr lang="en-US" altLang="ko-KR" sz="1400" dirty="0" smtClean="0">
+              <a:rPr lang="en-US" altLang="ko-KR" sz="1400" dirty="0">
                 <a:solidFill>
                   <a:schemeClr val="tx1"/>
                 </a:solidFill>
@@ -16773,7 +16472,7 @@
               <a:t>=</a:t>
             </a:r>
             <a:r>
-              <a:rPr lang="en-US" altLang="ko-KR" sz="1400" dirty="0" err="1" smtClean="0">
+              <a:rPr lang="en-US" altLang="ko-KR" sz="1400" dirty="0" err="1">
                 <a:solidFill>
                   <a:schemeClr val="tx1"/>
                 </a:solidFill>
@@ -16783,7 +16482,7 @@
               <a:t>sgd</a:t>
             </a:r>
             <a:r>
-              <a:rPr lang="en-US" altLang="ko-KR" sz="1400" dirty="0" smtClean="0">
+              <a:rPr lang="en-US" altLang="ko-KR" sz="1400" dirty="0">
                 <a:solidFill>
                   <a:schemeClr val="tx1"/>
                 </a:solidFill>
@@ -16793,7 +16492,7 @@
               <a:t>, </a:t>
             </a:r>
             <a:r>
-              <a:rPr lang="en-US" altLang="ko-KR" sz="1400" dirty="0" err="1" smtClean="0">
+              <a:rPr lang="en-US" altLang="ko-KR" sz="1400" dirty="0" err="1">
                 <a:solidFill>
                   <a:schemeClr val="tx1"/>
                 </a:solidFill>
@@ -16803,7 +16502,7 @@
               <a:t>batch_size</a:t>
             </a:r>
             <a:r>
-              <a:rPr lang="en-US" altLang="ko-KR" sz="1400" dirty="0" smtClean="0">
+              <a:rPr lang="en-US" altLang="ko-KR" sz="1400" dirty="0">
                 <a:solidFill>
                   <a:schemeClr val="tx1"/>
                 </a:solidFill>
@@ -17120,7 +16819,7 @@
               <a:defRPr/>
             </a:pPr>
             <a:r>
-              <a:rPr lang="en-US" altLang="ko-KR" sz="1400" dirty="0" err="1" smtClean="0">
+              <a:rPr lang="en-US" altLang="ko-KR" sz="1400" dirty="0" err="1">
                 <a:solidFill>
                   <a:schemeClr val="tx1"/>
                 </a:solidFill>
@@ -17130,7 +16829,7 @@
               <a:t>lr</a:t>
             </a:r>
             <a:r>
-              <a:rPr lang="en-US" altLang="ko-KR" sz="1400" dirty="0" smtClean="0">
+              <a:rPr lang="en-US" altLang="ko-KR" sz="1400" dirty="0">
                 <a:solidFill>
                   <a:schemeClr val="tx1"/>
                 </a:solidFill>
@@ -17140,7 +16839,7 @@
               <a:t>=0.1, epochs=3, </a:t>
             </a:r>
             <a:r>
-              <a:rPr lang="en-US" altLang="ko-KR" sz="1400" dirty="0" err="1" smtClean="0">
+              <a:rPr lang="en-US" altLang="ko-KR" sz="1400" dirty="0" err="1">
                 <a:solidFill>
                   <a:schemeClr val="tx1"/>
                 </a:solidFill>
@@ -17150,7 +16849,7 @@
               <a:t>sgd</a:t>
             </a:r>
             <a:r>
-              <a:rPr lang="en-US" altLang="ko-KR" sz="1400" dirty="0" smtClean="0">
+              <a:rPr lang="en-US" altLang="ko-KR" sz="1400" dirty="0">
                 <a:solidFill>
                   <a:schemeClr val="tx1"/>
                 </a:solidFill>
@@ -17160,7 +16859,7 @@
               <a:t>=</a:t>
             </a:r>
             <a:r>
-              <a:rPr lang="en-US" altLang="ko-KR" sz="1400" dirty="0" err="1" smtClean="0">
+              <a:rPr lang="en-US" altLang="ko-KR" sz="1400" dirty="0" err="1">
                 <a:solidFill>
                   <a:schemeClr val="tx1"/>
                 </a:solidFill>
@@ -17170,7 +16869,7 @@
               <a:t>adam</a:t>
             </a:r>
             <a:r>
-              <a:rPr lang="en-US" altLang="ko-KR" sz="1400" dirty="0" smtClean="0">
+              <a:rPr lang="en-US" altLang="ko-KR" sz="1400" dirty="0">
                 <a:solidFill>
                   <a:schemeClr val="tx1"/>
                 </a:solidFill>
@@ -17180,7 +16879,7 @@
               <a:t>, </a:t>
             </a:r>
             <a:r>
-              <a:rPr lang="en-US" altLang="ko-KR" sz="1400" dirty="0" err="1" smtClean="0">
+              <a:rPr lang="en-US" altLang="ko-KR" sz="1400" dirty="0" err="1">
                 <a:solidFill>
                   <a:schemeClr val="tx1"/>
                 </a:solidFill>
@@ -17190,7 +16889,7 @@
               <a:t>batch_size</a:t>
             </a:r>
             <a:r>
-              <a:rPr lang="en-US" altLang="ko-KR" sz="1400" dirty="0" smtClean="0">
+              <a:rPr lang="en-US" altLang="ko-KR" sz="1400" dirty="0">
                 <a:solidFill>
                   <a:schemeClr val="tx1"/>
                 </a:solidFill>
@@ -17199,13 +16898,6 @@
               </a:rPr>
               <a:t>=128</a:t>
             </a:r>
-            <a:endParaRPr lang="en-US" altLang="ko-KR" sz="1400" dirty="0">
-              <a:solidFill>
-                <a:schemeClr val="tx1"/>
-              </a:solidFill>
-              <a:latin typeface="나눔고딕" panose="020D0604000000000000" pitchFamily="50" charset="-127"/>
-              <a:ea typeface="나눔고딕" panose="020D0604000000000000" pitchFamily="50" charset="-127"/>
-            </a:endParaRPr>
           </a:p>
         </p:txBody>
       </p:sp>
@@ -17499,7 +17191,7 @@
               <a:defRPr/>
             </a:pPr>
             <a:r>
-              <a:rPr lang="en-US" altLang="ko-KR" sz="1400" dirty="0" err="1" smtClean="0">
+              <a:rPr lang="en-US" altLang="ko-KR" sz="1400" dirty="0" err="1">
                 <a:solidFill>
                   <a:schemeClr val="tx1"/>
                 </a:solidFill>
@@ -17509,7 +17201,7 @@
               <a:t>lr</a:t>
             </a:r>
             <a:r>
-              <a:rPr lang="en-US" altLang="ko-KR" sz="1400" dirty="0" smtClean="0">
+              <a:rPr lang="en-US" altLang="ko-KR" sz="1400" dirty="0">
                 <a:solidFill>
                   <a:schemeClr val="tx1"/>
                 </a:solidFill>
@@ -17519,7 +17211,7 @@
               <a:t>=0.001, epochs=5, </a:t>
             </a:r>
             <a:r>
-              <a:rPr lang="en-US" altLang="ko-KR" sz="1400" dirty="0" err="1" smtClean="0">
+              <a:rPr lang="en-US" altLang="ko-KR" sz="1400" dirty="0" err="1">
                 <a:solidFill>
                   <a:schemeClr val="tx1"/>
                 </a:solidFill>
@@ -17529,7 +17221,7 @@
               <a:t>sgd</a:t>
             </a:r>
             <a:r>
-              <a:rPr lang="en-US" altLang="ko-KR" sz="1400" dirty="0" smtClean="0">
+              <a:rPr lang="en-US" altLang="ko-KR" sz="1400" dirty="0">
                 <a:solidFill>
                   <a:schemeClr val="tx1"/>
                 </a:solidFill>
@@ -17539,7 +17231,7 @@
               <a:t>=</a:t>
             </a:r>
             <a:r>
-              <a:rPr lang="en-US" altLang="ko-KR" sz="1400" dirty="0" err="1" smtClean="0">
+              <a:rPr lang="en-US" altLang="ko-KR" sz="1400" dirty="0" err="1">
                 <a:solidFill>
                   <a:schemeClr val="tx1"/>
                 </a:solidFill>
@@ -17549,7 +17241,7 @@
               <a:t>adam</a:t>
             </a:r>
             <a:r>
-              <a:rPr lang="en-US" altLang="ko-KR" sz="1400" dirty="0" smtClean="0">
+              <a:rPr lang="en-US" altLang="ko-KR" sz="1400" dirty="0">
                 <a:solidFill>
                   <a:schemeClr val="tx1"/>
                 </a:solidFill>
@@ -17559,7 +17251,7 @@
               <a:t>, </a:t>
             </a:r>
             <a:r>
-              <a:rPr lang="en-US" altLang="ko-KR" sz="1400" dirty="0" err="1" smtClean="0">
+              <a:rPr lang="en-US" altLang="ko-KR" sz="1400" dirty="0" err="1">
                 <a:solidFill>
                   <a:schemeClr val="tx1"/>
                 </a:solidFill>
@@ -17569,7 +17261,7 @@
               <a:t>batch_size</a:t>
             </a:r>
             <a:r>
-              <a:rPr lang="en-US" altLang="ko-KR" sz="1400" dirty="0" smtClean="0">
+              <a:rPr lang="en-US" altLang="ko-KR" sz="1400" dirty="0">
                 <a:solidFill>
                   <a:schemeClr val="tx1"/>
                 </a:solidFill>
@@ -17578,13 +17270,6 @@
               </a:rPr>
               <a:t>=64</a:t>
             </a:r>
-            <a:endParaRPr lang="en-US" altLang="ko-KR" sz="1400" dirty="0">
-              <a:solidFill>
-                <a:schemeClr val="tx1"/>
-              </a:solidFill>
-              <a:latin typeface="나눔고딕" panose="020D0604000000000000" pitchFamily="50" charset="-127"/>
-              <a:ea typeface="나눔고딕" panose="020D0604000000000000" pitchFamily="50" charset="-127"/>
-            </a:endParaRPr>
           </a:p>
         </p:txBody>
       </p:sp>
@@ -17780,20 +17465,20 @@
               <a:buNone/>
             </a:pPr>
             <a:r>
-              <a:rPr lang="en-US" altLang="ko-KR" sz="2800" kern="0" dirty="0" smtClean="0">
+              <a:rPr lang="en-US" altLang="ko-KR" sz="2800" kern="0" dirty="0">
                 <a:latin typeface="나눔고딕 ExtraBold" panose="020D0904000000000000" pitchFamily="50" charset="-127"/>
                 <a:ea typeface="나눔고딕 ExtraBold" panose="020D0904000000000000" pitchFamily="50" charset="-127"/>
               </a:rPr>
               <a:t>1. </a:t>
             </a:r>
             <a:r>
-              <a:rPr lang="en-US" altLang="ko-KR" sz="2800" kern="0" dirty="0" err="1" smtClean="0">
+              <a:rPr lang="en-US" altLang="ko-KR" sz="2800" kern="0" dirty="0" err="1">
                 <a:latin typeface="나눔고딕 ExtraBold" panose="020D0904000000000000" pitchFamily="50" charset="-127"/>
                 <a:ea typeface="나눔고딕 ExtraBold" panose="020D0904000000000000" pitchFamily="50" charset="-127"/>
               </a:rPr>
               <a:t>Mxnet.gluon</a:t>
             </a:r>
-            <a:endParaRPr lang="ko-KR" altLang="en-US" sz="2800" kern="0" dirty="0" smtClean="0">
+            <a:endParaRPr lang="ko-KR" altLang="en-US" sz="2800" kern="0" dirty="0">
               <a:latin typeface="나눔고딕 ExtraBold" panose="020D0904000000000000" pitchFamily="50" charset="-127"/>
               <a:ea typeface="나눔고딕 ExtraBold" panose="020D0904000000000000" pitchFamily="50" charset="-127"/>
             </a:endParaRPr>
@@ -17858,13 +17543,6 @@
   <p:clrMapOvr>
     <a:masterClrMapping/>
   </p:clrMapOvr>
-  <p:timing>
-    <p:tnLst>
-      <p:par>
-        <p:cTn id="1" dur="indefinite" restart="never" nodeType="tmRoot"/>
-      </p:par>
-    </p:tnLst>
-  </p:timing>
 </p:sld>
 </file>
 
@@ -18175,7 +17853,7 @@
               <a:defRPr/>
             </a:pPr>
             <a:r>
-              <a:rPr lang="en-US" sz="2000" b="1" dirty="0" smtClean="0">
+              <a:rPr lang="en-US" sz="2000" b="1" dirty="0">
                 <a:gradFill>
                   <a:gsLst>
                     <a:gs pos="0">
@@ -18500,7 +18178,7 @@
               <a:defRPr/>
             </a:pPr>
             <a:r>
-              <a:rPr lang="ko-KR" altLang="en-US" sz="1400" dirty="0" err="1" smtClean="0">
+              <a:rPr lang="ko-KR" altLang="en-US" sz="1400" dirty="0" err="1">
                 <a:solidFill>
                   <a:schemeClr val="tx1"/>
                 </a:solidFill>
@@ -18510,7 +18188,7 @@
               <a:t>파라미터</a:t>
             </a:r>
             <a:r>
-              <a:rPr lang="ko-KR" altLang="en-US" sz="1400" dirty="0" smtClean="0">
+              <a:rPr lang="ko-KR" altLang="en-US" sz="1400" dirty="0">
                 <a:solidFill>
                   <a:schemeClr val="tx1"/>
                 </a:solidFill>
@@ -18519,13 +18197,6 @@
               </a:rPr>
               <a:t> </a:t>
             </a:r>
-            <a:endParaRPr lang="ko-KR" altLang="en-US" sz="1400" dirty="0">
-              <a:solidFill>
-                <a:schemeClr val="tx1"/>
-              </a:solidFill>
-              <a:latin typeface="나눔고딕" panose="020D0604000000000000" pitchFamily="50" charset="-127"/>
-              <a:ea typeface="나눔고딕" panose="020D0604000000000000" pitchFamily="50" charset="-127"/>
-            </a:endParaRPr>
           </a:p>
         </p:txBody>
       </p:sp>
@@ -18819,7 +18490,7 @@
               <a:defRPr/>
             </a:pPr>
             <a:r>
-              <a:rPr lang="en-US" altLang="ko-KR" sz="1400" dirty="0" err="1" smtClean="0">
+              <a:rPr lang="en-US" altLang="ko-KR" sz="1400" dirty="0" err="1">
                 <a:solidFill>
                   <a:schemeClr val="tx1"/>
                 </a:solidFill>
@@ -18829,7 +18500,7 @@
               <a:t>lr</a:t>
             </a:r>
             <a:r>
-              <a:rPr lang="en-US" altLang="ko-KR" sz="1400" dirty="0" smtClean="0">
+              <a:rPr lang="en-US" altLang="ko-KR" sz="1400" dirty="0">
                 <a:solidFill>
                   <a:schemeClr val="tx1"/>
                 </a:solidFill>
@@ -18839,7 +18510,7 @@
               <a:t>=0.001, epochs=3, </a:t>
             </a:r>
             <a:r>
-              <a:rPr lang="en-US" altLang="ko-KR" sz="1400" dirty="0" err="1" smtClean="0">
+              <a:rPr lang="en-US" altLang="ko-KR" sz="1400" dirty="0" err="1">
                 <a:solidFill>
                   <a:schemeClr val="tx1"/>
                 </a:solidFill>
@@ -18849,7 +18520,7 @@
               <a:t>sgd</a:t>
             </a:r>
             <a:r>
-              <a:rPr lang="en-US" altLang="ko-KR" sz="1400" dirty="0" smtClean="0">
+              <a:rPr lang="en-US" altLang="ko-KR" sz="1400" dirty="0">
                 <a:solidFill>
                   <a:schemeClr val="tx1"/>
                 </a:solidFill>
@@ -18859,7 +18530,7 @@
               <a:t>=</a:t>
             </a:r>
             <a:r>
-              <a:rPr lang="en-US" altLang="ko-KR" sz="1400" dirty="0" err="1" smtClean="0">
+              <a:rPr lang="en-US" altLang="ko-KR" sz="1400" dirty="0" err="1">
                 <a:solidFill>
                   <a:schemeClr val="tx1"/>
                 </a:solidFill>
@@ -18869,7 +18540,7 @@
               <a:t>sgd</a:t>
             </a:r>
             <a:r>
-              <a:rPr lang="en-US" altLang="ko-KR" sz="1400" dirty="0" smtClean="0">
+              <a:rPr lang="en-US" altLang="ko-KR" sz="1400" dirty="0">
                 <a:solidFill>
                   <a:schemeClr val="tx1"/>
                 </a:solidFill>
@@ -18879,7 +18550,7 @@
               <a:t>, </a:t>
             </a:r>
             <a:r>
-              <a:rPr lang="en-US" altLang="ko-KR" sz="1400" dirty="0" err="1" smtClean="0">
+              <a:rPr lang="en-US" altLang="ko-KR" sz="1400" dirty="0" err="1">
                 <a:solidFill>
                   <a:schemeClr val="tx1"/>
                 </a:solidFill>
@@ -18889,7 +18560,7 @@
               <a:t>batch_size</a:t>
             </a:r>
             <a:r>
-              <a:rPr lang="en-US" altLang="ko-KR" sz="1400" dirty="0" smtClean="0">
+              <a:rPr lang="en-US" altLang="ko-KR" sz="1400" dirty="0">
                 <a:solidFill>
                   <a:schemeClr val="tx1"/>
                 </a:solidFill>
@@ -18898,13 +18569,6 @@
               </a:rPr>
               <a:t>=64</a:t>
             </a:r>
-            <a:endParaRPr lang="en-US" altLang="ko-KR" sz="1400" dirty="0">
-              <a:solidFill>
-                <a:schemeClr val="tx1"/>
-              </a:solidFill>
-              <a:latin typeface="나눔고딕" panose="020D0604000000000000" pitchFamily="50" charset="-127"/>
-              <a:ea typeface="나눔고딕" panose="020D0604000000000000" pitchFamily="50" charset="-127"/>
-            </a:endParaRPr>
           </a:p>
         </p:txBody>
       </p:sp>
@@ -19100,20 +18764,20 @@
               <a:buNone/>
             </a:pPr>
             <a:r>
-              <a:rPr lang="en-US" altLang="ko-KR" sz="2800" kern="0" dirty="0" smtClean="0">
+              <a:rPr lang="en-US" altLang="ko-KR" sz="2800" kern="0" dirty="0">
                 <a:latin typeface="나눔고딕 ExtraBold" panose="020D0904000000000000" pitchFamily="50" charset="-127"/>
                 <a:ea typeface="나눔고딕 ExtraBold" panose="020D0904000000000000" pitchFamily="50" charset="-127"/>
               </a:rPr>
               <a:t>1. </a:t>
             </a:r>
             <a:r>
-              <a:rPr lang="en-US" altLang="ko-KR" sz="2800" kern="0" dirty="0" err="1" smtClean="0">
+              <a:rPr lang="en-US" altLang="ko-KR" sz="2800" kern="0" dirty="0" err="1">
                 <a:latin typeface="나눔고딕 ExtraBold" panose="020D0904000000000000" pitchFamily="50" charset="-127"/>
                 <a:ea typeface="나눔고딕 ExtraBold" panose="020D0904000000000000" pitchFamily="50" charset="-127"/>
               </a:rPr>
               <a:t>Mxnet.gluon</a:t>
             </a:r>
-            <a:endParaRPr lang="ko-KR" altLang="en-US" sz="2800" kern="0" dirty="0" smtClean="0">
+            <a:endParaRPr lang="ko-KR" altLang="en-US" sz="2800" kern="0" dirty="0">
               <a:latin typeface="나눔고딕 ExtraBold" panose="020D0904000000000000" pitchFamily="50" charset="-127"/>
               <a:ea typeface="나눔고딕 ExtraBold" panose="020D0904000000000000" pitchFamily="50" charset="-127"/>
             </a:endParaRPr>
@@ -19434,7 +19098,7 @@
               <a:defRPr/>
             </a:pPr>
             <a:r>
-              <a:rPr lang="en-US" altLang="ko-KR" sz="1400" dirty="0" err="1" smtClean="0">
+              <a:rPr lang="en-US" altLang="ko-KR" sz="1400" dirty="0" err="1">
                 <a:solidFill>
                   <a:schemeClr val="tx1"/>
                 </a:solidFill>
@@ -19444,7 +19108,7 @@
               <a:t>lr</a:t>
             </a:r>
             <a:r>
-              <a:rPr lang="en-US" altLang="ko-KR" sz="1400" dirty="0" smtClean="0">
+              <a:rPr lang="en-US" altLang="ko-KR" sz="1400" dirty="0">
                 <a:solidFill>
                   <a:schemeClr val="tx1"/>
                 </a:solidFill>
@@ -19454,7 +19118,7 @@
               <a:t>=0.001, epochs=20, </a:t>
             </a:r>
             <a:r>
-              <a:rPr lang="en-US" altLang="ko-KR" sz="1400" dirty="0" err="1" smtClean="0">
+              <a:rPr lang="en-US" altLang="ko-KR" sz="1400" dirty="0" err="1">
                 <a:solidFill>
                   <a:schemeClr val="tx1"/>
                 </a:solidFill>
@@ -19464,7 +19128,7 @@
               <a:t>sgd</a:t>
             </a:r>
             <a:r>
-              <a:rPr lang="en-US" altLang="ko-KR" sz="1400" dirty="0" smtClean="0">
+              <a:rPr lang="en-US" altLang="ko-KR" sz="1400" dirty="0">
                 <a:solidFill>
                   <a:schemeClr val="tx1"/>
                 </a:solidFill>
@@ -19474,7 +19138,7 @@
               <a:t>=</a:t>
             </a:r>
             <a:r>
-              <a:rPr lang="en-US" altLang="ko-KR" sz="1400" dirty="0" err="1" smtClean="0">
+              <a:rPr lang="en-US" altLang="ko-KR" sz="1400" dirty="0" err="1">
                 <a:solidFill>
                   <a:schemeClr val="tx1"/>
                 </a:solidFill>
@@ -19484,7 +19148,7 @@
               <a:t>sgd</a:t>
             </a:r>
             <a:r>
-              <a:rPr lang="en-US" altLang="ko-KR" sz="1400" dirty="0" smtClean="0">
+              <a:rPr lang="en-US" altLang="ko-KR" sz="1400" dirty="0">
                 <a:solidFill>
                   <a:schemeClr val="tx1"/>
                 </a:solidFill>
@@ -19494,7 +19158,7 @@
               <a:t>, </a:t>
             </a:r>
             <a:r>
-              <a:rPr lang="en-US" altLang="ko-KR" sz="1400" dirty="0" err="1" smtClean="0">
+              <a:rPr lang="en-US" altLang="ko-KR" sz="1400" dirty="0" err="1">
                 <a:solidFill>
                   <a:schemeClr val="tx1"/>
                 </a:solidFill>
@@ -19504,7 +19168,7 @@
               <a:t>batch_size</a:t>
             </a:r>
             <a:r>
-              <a:rPr lang="en-US" altLang="ko-KR" sz="1400" dirty="0" smtClean="0">
+              <a:rPr lang="en-US" altLang="ko-KR" sz="1400" dirty="0">
                 <a:solidFill>
                   <a:schemeClr val="tx1"/>
                 </a:solidFill>
@@ -19513,13 +19177,6 @@
               </a:rPr>
               <a:t>=64</a:t>
             </a:r>
-            <a:endParaRPr lang="en-US" altLang="ko-KR" sz="1400" dirty="0">
-              <a:solidFill>
-                <a:schemeClr val="tx1"/>
-              </a:solidFill>
-              <a:latin typeface="나눔고딕" panose="020D0604000000000000" pitchFamily="50" charset="-127"/>
-              <a:ea typeface="나눔고딕" panose="020D0604000000000000" pitchFamily="50" charset="-127"/>
-            </a:endParaRPr>
           </a:p>
         </p:txBody>
       </p:sp>
@@ -19557,13 +19214,6 @@
   <p:clrMapOvr>
     <a:masterClrMapping/>
   </p:clrMapOvr>
-  <p:timing>
-    <p:tnLst>
-      <p:par>
-        <p:cTn id="1" dur="indefinite" restart="never" nodeType="tmRoot"/>
-      </p:par>
-    </p:tnLst>
-  </p:timing>
 </p:sld>
 </file>
 
@@ -19764,13 +19414,6 @@
   <p:clrMapOvr>
     <a:masterClrMapping/>
   </p:clrMapOvr>
-  <p:timing>
-    <p:tnLst>
-      <p:par>
-        <p:cTn id="1" dur="indefinite" restart="never" nodeType="tmRoot"/>
-      </p:par>
-    </p:tnLst>
-  </p:timing>
 </p:sld>
 </file>
 
@@ -19967,7 +19610,7 @@
           <p:cNvPr id="9" name="텍스트 상자 1">
             <a:extLst>
               <a:ext uri="{FF2B5EF4-FFF2-40B4-BE49-F238E27FC236}">
-                <a16:creationId xmlns:a16="http://schemas.microsoft.com/office/drawing/2014/main" xmlns="" id="{3DBE8121-48B8-C34E-90BF-426B3648BA4E}"/>
+                <a16:creationId xmlns:a16="http://schemas.microsoft.com/office/drawing/2014/main" id="{3DBE8121-48B8-C34E-90BF-426B3648BA4E}"/>
               </a:ext>
             </a:extLst>
           </p:cNvPr>
@@ -20003,7 +19646,7 @@
               <a:defRPr/>
             </a:pPr>
             <a:r>
-              <a:rPr lang="en-US" altLang="ko-KR" sz="2100" b="1" spc="-150" dirty="0" smtClean="0">
+              <a:rPr lang="en-US" altLang="ko-KR" sz="2100" b="1" spc="-150" dirty="0">
                 <a:latin typeface="나눔고딕" panose="020D0604000000000000" pitchFamily="50" charset="-127"/>
                 <a:ea typeface="나눔고딕" panose="020D0604000000000000" pitchFamily="50" charset="-127"/>
                 <a:cs typeface="Nanum Gothic" charset="-127"/>
@@ -20011,14 +19654,14 @@
               <a:t>1. </a:t>
             </a:r>
             <a:r>
-              <a:rPr lang="en-US" altLang="ko-KR" sz="2100" b="1" spc="-150" dirty="0" err="1" smtClean="0">
+              <a:rPr lang="en-US" altLang="ko-KR" sz="2100" b="1" spc="-150" dirty="0" err="1">
                 <a:latin typeface="나눔고딕" panose="020D0604000000000000" pitchFamily="50" charset="-127"/>
                 <a:ea typeface="나눔고딕" panose="020D0604000000000000" pitchFamily="50" charset="-127"/>
                 <a:cs typeface="Nanum Gothic" charset="-127"/>
               </a:rPr>
               <a:t>Mxnet.gluon</a:t>
             </a:r>
-            <a:endParaRPr lang="en-US" altLang="ko-KR" sz="2100" b="1" spc="-150" dirty="0" smtClean="0">
+            <a:endParaRPr lang="en-US" altLang="ko-KR" sz="2100" b="1" spc="-150" dirty="0">
               <a:latin typeface="나눔고딕" panose="020D0604000000000000" pitchFamily="50" charset="-127"/>
               <a:ea typeface="나눔고딕" panose="020D0604000000000000" pitchFamily="50" charset="-127"/>
               <a:cs typeface="Nanum Gothic" charset="-127"/>
@@ -20038,7 +19681,7 @@
               <a:defRPr/>
             </a:pPr>
             <a:r>
-              <a:rPr lang="en-US" altLang="ko-KR" sz="1400" spc="-150" dirty="0" smtClean="0">
+              <a:rPr lang="en-US" altLang="ko-KR" sz="1400" spc="-150" dirty="0">
                 <a:latin typeface="나눔고딕" panose="020D0604000000000000" pitchFamily="50" charset="-127"/>
                 <a:ea typeface="나눔고딕" panose="020D0604000000000000" pitchFamily="50" charset="-127"/>
                 <a:cs typeface="Nanum Gothic" charset="-127"/>
@@ -20046,14 +19689,14 @@
               <a:t>          - </a:t>
             </a:r>
             <a:r>
-              <a:rPr lang="en-US" altLang="ko-KR" sz="1400" spc="-150" dirty="0" err="1" smtClean="0">
+              <a:rPr lang="en-US" altLang="ko-KR" sz="1400" spc="-150" dirty="0" err="1">
                 <a:latin typeface="나눔고딕" panose="020D0604000000000000" pitchFamily="50" charset="-127"/>
                 <a:ea typeface="나눔고딕" panose="020D0604000000000000" pitchFamily="50" charset="-127"/>
                 <a:cs typeface="Nanum Gothic" charset="-127"/>
               </a:rPr>
               <a:t>OpenCV</a:t>
             </a:r>
-            <a:endParaRPr lang="en-US" altLang="ko-KR" sz="1400" spc="-150" dirty="0" smtClean="0">
+            <a:endParaRPr lang="en-US" altLang="ko-KR" sz="1400" spc="-150" dirty="0">
               <a:latin typeface="나눔고딕" panose="020D0604000000000000" pitchFamily="50" charset="-127"/>
               <a:ea typeface="나눔고딕" panose="020D0604000000000000" pitchFamily="50" charset="-127"/>
               <a:cs typeface="Nanum Gothic" charset="-127"/>
@@ -20073,7 +19716,7 @@
               <a:defRPr/>
             </a:pPr>
             <a:r>
-              <a:rPr lang="en-US" altLang="ko-KR" sz="1400" spc="-150" dirty="0" smtClean="0">
+              <a:rPr lang="en-US" altLang="ko-KR" sz="1400" spc="-150" dirty="0">
                 <a:latin typeface="나눔고딕" panose="020D0604000000000000" pitchFamily="50" charset="-127"/>
                 <a:ea typeface="나눔고딕" panose="020D0604000000000000" pitchFamily="50" charset="-127"/>
                 <a:cs typeface="Nanum Gothic" charset="-127"/>
@@ -20081,7 +19724,7 @@
               <a:t>          - </a:t>
             </a:r>
             <a:r>
-              <a:rPr lang="en-US" altLang="ko-KR" sz="1400" spc="-150" dirty="0" err="1" smtClean="0">
+              <a:rPr lang="en-US" altLang="ko-KR" sz="1400" spc="-150" dirty="0" err="1">
                 <a:latin typeface="나눔고딕" panose="020D0604000000000000" pitchFamily="50" charset="-127"/>
                 <a:ea typeface="나눔고딕" panose="020D0604000000000000" pitchFamily="50" charset="-127"/>
                 <a:cs typeface="Nanum Gothic" charset="-127"/>
@@ -20089,7 +19732,7 @@
               <a:t>AlexNet</a:t>
             </a:r>
             <a:r>
-              <a:rPr lang="en-US" altLang="ko-KR" sz="1400" spc="-150" dirty="0" smtClean="0">
+              <a:rPr lang="en-US" altLang="ko-KR" sz="1400" spc="-150" dirty="0">
                 <a:latin typeface="나눔고딕" panose="020D0604000000000000" pitchFamily="50" charset="-127"/>
                 <a:ea typeface="나눔고딕" panose="020D0604000000000000" pitchFamily="50" charset="-127"/>
                 <a:cs typeface="Nanum Gothic" charset="-127"/>
@@ -20097,7 +19740,7 @@
               <a:t> </a:t>
             </a:r>
             <a:r>
-              <a:rPr lang="ko-KR" altLang="en-US" sz="1400" spc="-150" dirty="0" smtClean="0">
+              <a:rPr lang="ko-KR" altLang="en-US" sz="1400" spc="-150" dirty="0">
                 <a:latin typeface="나눔고딕" panose="020D0604000000000000" pitchFamily="50" charset="-127"/>
                 <a:ea typeface="나눔고딕" panose="020D0604000000000000" pitchFamily="50" charset="-127"/>
                 <a:cs typeface="Nanum Gothic" charset="-127"/>
@@ -20122,13 +19765,6 @@
   <p:clrMapOvr>
     <a:masterClrMapping/>
   </p:clrMapOvr>
-  <p:timing>
-    <p:tnLst>
-      <p:par>
-        <p:cTn id="1" dur="indefinite" restart="never" nodeType="tmRoot"/>
-      </p:par>
-    </p:tnLst>
-  </p:timing>
 </p:sld>
 </file>
 
@@ -20331,7 +19967,7 @@
               <a:defRPr/>
             </a:pPr>
             <a:r>
-              <a:rPr lang="en-US" altLang="ko-KR" sz="3800" kern="0" dirty="0" err="1" smtClean="0">
+              <a:rPr lang="en-US" altLang="ko-KR" sz="3800" kern="0" dirty="0" err="1">
                 <a:solidFill>
                   <a:schemeClr val="tx1"/>
                 </a:solidFill>
@@ -20341,7 +19977,7 @@
               </a:rPr>
               <a:t>Mxnet.gluon</a:t>
             </a:r>
-            <a:endParaRPr lang="ko-KR" altLang="en-US" sz="3800" kern="0" dirty="0" smtClean="0">
+            <a:endParaRPr lang="ko-KR" altLang="en-US" sz="3800" kern="0" dirty="0">
               <a:solidFill>
                 <a:schemeClr val="tx1"/>
               </a:solidFill>
@@ -20545,7 +20181,7 @@
               <a:defRPr/>
             </a:pPr>
             <a:r>
-              <a:rPr lang="en-US" altLang="ko-KR" sz="3800" kern="0" dirty="0" smtClean="0">
+              <a:rPr lang="en-US" altLang="ko-KR" sz="3800" kern="0" dirty="0">
                 <a:solidFill>
                   <a:srgbClr val="0070C0"/>
                 </a:solidFill>
@@ -20555,7 +20191,7 @@
               </a:rPr>
               <a:t>01.</a:t>
             </a:r>
-            <a:endParaRPr lang="ko-KR" altLang="en-US" sz="3800" kern="0" dirty="0" smtClean="0">
+            <a:endParaRPr lang="ko-KR" altLang="en-US" sz="3800" kern="0" dirty="0">
               <a:solidFill>
                 <a:srgbClr val="0070C0"/>
               </a:solidFill>
@@ -20571,13 +20207,6 @@
   <p:clrMapOvr>
     <a:masterClrMapping/>
   </p:clrMapOvr>
-  <p:timing>
-    <p:tnLst>
-      <p:par>
-        <p:cTn id="1" dur="indefinite" restart="never" nodeType="tmRoot"/>
-      </p:par>
-    </p:tnLst>
-  </p:timing>
 </p:sld>
 </file>
 
@@ -20888,7 +20517,7 @@
               <a:defRPr/>
             </a:pPr>
             <a:r>
-              <a:rPr lang="en-US" sz="2000" b="1" dirty="0" err="1" smtClean="0">
+              <a:rPr lang="en-US" sz="2000" b="1" dirty="0" err="1">
                 <a:gradFill>
                   <a:gsLst>
                     <a:gs pos="0">
@@ -20906,7 +20535,7 @@
               <a:t>MXNet</a:t>
             </a:r>
             <a:r>
-              <a:rPr lang="en-US" sz="2000" b="1" dirty="0" smtClean="0">
+              <a:rPr lang="en-US" sz="2000" b="1" dirty="0">
                 <a:gradFill>
                   <a:gsLst>
                     <a:gs pos="0">
@@ -20924,7 +20553,7 @@
               <a:t> </a:t>
             </a:r>
             <a:r>
-              <a:rPr lang="ko-KR" altLang="en-US" sz="2000" b="1" dirty="0" smtClean="0">
+              <a:rPr lang="ko-KR" altLang="en-US" sz="2000" b="1" dirty="0">
                 <a:gradFill>
                   <a:gsLst>
                     <a:gs pos="0">
@@ -21249,7 +20878,7 @@
               <a:defRPr/>
             </a:pPr>
             <a:r>
-              <a:rPr lang="en-US" altLang="ko-KR" sz="1400" dirty="0" smtClean="0">
+              <a:rPr lang="en-US" altLang="ko-KR" sz="1400" dirty="0">
                 <a:solidFill>
                   <a:schemeClr val="tx1"/>
                 </a:solidFill>
@@ -21259,7 +20888,7 @@
               <a:t>1. Anaconda prompt </a:t>
             </a:r>
             <a:r>
-              <a:rPr lang="ko-KR" altLang="en-US" sz="1400" dirty="0" smtClean="0">
+              <a:rPr lang="ko-KR" altLang="en-US" sz="1400" dirty="0">
                 <a:solidFill>
                   <a:schemeClr val="tx1"/>
                 </a:solidFill>
@@ -21268,13 +20897,6 @@
               </a:rPr>
               <a:t>관리자 권한으로 실행</a:t>
             </a:r>
-            <a:endParaRPr lang="ko-KR" altLang="en-US" sz="1400" dirty="0">
-              <a:solidFill>
-                <a:schemeClr val="tx1"/>
-              </a:solidFill>
-              <a:latin typeface="나눔고딕" panose="020D0604000000000000" pitchFamily="50" charset="-127"/>
-              <a:ea typeface="나눔고딕" panose="020D0604000000000000" pitchFamily="50" charset="-127"/>
-            </a:endParaRPr>
           </a:p>
         </p:txBody>
       </p:sp>
@@ -21470,20 +21092,20 @@
               <a:buNone/>
             </a:pPr>
             <a:r>
-              <a:rPr lang="en-US" altLang="ko-KR" sz="2800" kern="0" dirty="0" smtClean="0">
+              <a:rPr lang="en-US" altLang="ko-KR" sz="2800" kern="0" dirty="0">
                 <a:latin typeface="나눔고딕 ExtraBold" panose="020D0904000000000000" pitchFamily="50" charset="-127"/>
                 <a:ea typeface="나눔고딕 ExtraBold" panose="020D0904000000000000" pitchFamily="50" charset="-127"/>
               </a:rPr>
               <a:t>1. </a:t>
             </a:r>
             <a:r>
-              <a:rPr lang="en-US" altLang="ko-KR" sz="2800" kern="0" dirty="0" err="1" smtClean="0">
+              <a:rPr lang="en-US" altLang="ko-KR" sz="2800" kern="0" dirty="0" err="1">
                 <a:latin typeface="나눔고딕 ExtraBold" panose="020D0904000000000000" pitchFamily="50" charset="-127"/>
                 <a:ea typeface="나눔고딕 ExtraBold" panose="020D0904000000000000" pitchFamily="50" charset="-127"/>
               </a:rPr>
               <a:t>Mxnet.gluon</a:t>
             </a:r>
-            <a:endParaRPr lang="ko-KR" altLang="en-US" sz="2800" kern="0" dirty="0" smtClean="0">
+            <a:endParaRPr lang="ko-KR" altLang="en-US" sz="2800" kern="0" dirty="0">
               <a:latin typeface="나눔고딕 ExtraBold" panose="020D0904000000000000" pitchFamily="50" charset="-127"/>
               <a:ea typeface="나눔고딕 ExtraBold" panose="020D0904000000000000" pitchFamily="50" charset="-127"/>
             </a:endParaRPr>
@@ -21784,7 +21406,7 @@
               <a:defRPr/>
             </a:pPr>
             <a:r>
-              <a:rPr lang="en-US" altLang="ko-KR" sz="1400" dirty="0" smtClean="0">
+              <a:rPr lang="en-US" altLang="ko-KR" sz="1400" dirty="0">
                 <a:solidFill>
                   <a:schemeClr val="tx1"/>
                 </a:solidFill>
@@ -21794,7 +21416,7 @@
               <a:t>&gt;&gt;&gt; activate </a:t>
             </a:r>
             <a:r>
-              <a:rPr lang="en-US" altLang="ko-KR" sz="1400" dirty="0" err="1" smtClean="0">
+              <a:rPr lang="en-US" altLang="ko-KR" sz="1400" dirty="0" err="1">
                 <a:solidFill>
                   <a:schemeClr val="tx1"/>
                 </a:solidFill>
@@ -21803,7 +21425,7 @@
               </a:rPr>
               <a:t>mxnet</a:t>
             </a:r>
-            <a:endParaRPr lang="en-US" altLang="ko-KR" sz="1400" dirty="0" smtClean="0">
+            <a:endParaRPr lang="en-US" altLang="ko-KR" sz="1400" dirty="0">
               <a:solidFill>
                 <a:schemeClr val="tx1"/>
               </a:solidFill>
@@ -22103,7 +21725,7 @@
               <a:defRPr/>
             </a:pPr>
             <a:r>
-              <a:rPr lang="en-US" altLang="ko-KR" sz="1400" dirty="0" smtClean="0">
+              <a:rPr lang="en-US" altLang="ko-KR" sz="1400" dirty="0">
                 <a:solidFill>
                   <a:schemeClr val="tx1"/>
                 </a:solidFill>
@@ -22113,7 +21735,7 @@
               <a:t>2. </a:t>
             </a:r>
             <a:r>
-              <a:rPr lang="ko-KR" altLang="en-US" sz="1400" dirty="0" smtClean="0">
+              <a:rPr lang="ko-KR" altLang="en-US" sz="1400" dirty="0">
                 <a:solidFill>
                   <a:schemeClr val="tx1"/>
                 </a:solidFill>
@@ -22122,13 +21744,6 @@
               </a:rPr>
               <a:t>가상환경 만들고 활성화</a:t>
             </a:r>
-            <a:endParaRPr lang="ko-KR" altLang="en-US" sz="1400" dirty="0">
-              <a:solidFill>
-                <a:schemeClr val="tx1"/>
-              </a:solidFill>
-              <a:latin typeface="나눔고딕" panose="020D0604000000000000" pitchFamily="50" charset="-127"/>
-              <a:ea typeface="나눔고딕" panose="020D0604000000000000" pitchFamily="50" charset="-127"/>
-            </a:endParaRPr>
           </a:p>
         </p:txBody>
       </p:sp>
@@ -22426,7 +22041,7 @@
               <a:defRPr/>
             </a:pPr>
             <a:r>
-              <a:rPr lang="en-US" altLang="ko-KR" sz="1400" dirty="0" smtClean="0">
+              <a:rPr lang="en-US" altLang="ko-KR" sz="1400" dirty="0">
                 <a:solidFill>
                   <a:schemeClr val="tx1"/>
                 </a:solidFill>
@@ -22436,7 +22051,7 @@
               <a:t>&gt;&gt;&gt; python –m pip install </a:t>
             </a:r>
             <a:r>
-              <a:rPr lang="en-US" altLang="ko-KR" sz="1400" dirty="0" err="1" smtClean="0">
+              <a:rPr lang="en-US" altLang="ko-KR" sz="1400" dirty="0" err="1">
                 <a:solidFill>
                   <a:schemeClr val="tx1"/>
                 </a:solidFill>
@@ -22745,7 +22360,7 @@
               <a:defRPr/>
             </a:pPr>
             <a:r>
-              <a:rPr lang="en-US" altLang="ko-KR" sz="1400" dirty="0" smtClean="0">
+              <a:rPr lang="en-US" altLang="ko-KR" sz="1400" dirty="0">
                 <a:solidFill>
                   <a:schemeClr val="tx1"/>
                 </a:solidFill>
@@ -22755,7 +22370,7 @@
               <a:t>3. </a:t>
             </a:r>
             <a:r>
-              <a:rPr lang="en-US" altLang="ko-KR" sz="1400" dirty="0" err="1" smtClean="0">
+              <a:rPr lang="en-US" altLang="ko-KR" sz="1400" dirty="0" err="1">
                 <a:solidFill>
                   <a:schemeClr val="tx1"/>
                 </a:solidFill>
@@ -22765,7 +22380,7 @@
               <a:t>Mxnet</a:t>
             </a:r>
             <a:r>
-              <a:rPr lang="en-US" altLang="ko-KR" sz="1400" dirty="0" smtClean="0">
+              <a:rPr lang="en-US" altLang="ko-KR" sz="1400" dirty="0">
                 <a:solidFill>
                   <a:schemeClr val="tx1"/>
                 </a:solidFill>
@@ -22775,7 +22390,7 @@
               <a:t> </a:t>
             </a:r>
             <a:r>
-              <a:rPr lang="ko-KR" altLang="en-US" sz="1400" dirty="0" smtClean="0">
+              <a:rPr lang="ko-KR" altLang="en-US" sz="1400" dirty="0">
                 <a:solidFill>
                   <a:schemeClr val="tx1"/>
                 </a:solidFill>
@@ -22784,13 +22399,6 @@
               </a:rPr>
               <a:t>설치</a:t>
             </a:r>
-            <a:endParaRPr lang="ko-KR" altLang="en-US" sz="1400" dirty="0">
-              <a:solidFill>
-                <a:schemeClr val="tx1"/>
-              </a:solidFill>
-              <a:latin typeface="나눔고딕" panose="020D0604000000000000" pitchFamily="50" charset="-127"/>
-              <a:ea typeface="나눔고딕" panose="020D0604000000000000" pitchFamily="50" charset="-127"/>
-            </a:endParaRPr>
           </a:p>
         </p:txBody>
       </p:sp>
@@ -22804,13 +22412,6 @@
   <p:clrMapOvr>
     <a:masterClrMapping/>
   </p:clrMapOvr>
-  <p:timing>
-    <p:tnLst>
-      <p:par>
-        <p:cTn id="1" dur="indefinite" restart="never" nodeType="tmRoot"/>
-      </p:par>
-    </p:tnLst>
-  </p:timing>
 </p:sld>
 </file>
 
@@ -23121,7 +22722,7 @@
               <a:defRPr/>
             </a:pPr>
             <a:r>
-              <a:rPr lang="en-US" sz="2000" b="1" dirty="0" smtClean="0">
+              <a:rPr lang="en-US" sz="2000" b="1" dirty="0">
                 <a:gradFill>
                   <a:gsLst>
                     <a:gs pos="0">
@@ -23446,7 +23047,7 @@
               <a:defRPr/>
             </a:pPr>
             <a:r>
-              <a:rPr lang="ko-KR" altLang="en-US" sz="1400" dirty="0" smtClean="0">
+              <a:rPr lang="ko-KR" altLang="en-US" sz="1400" dirty="0">
                 <a:solidFill>
                   <a:schemeClr val="tx1"/>
                 </a:solidFill>
@@ -23455,13 +23056,6 @@
               </a:rPr>
               <a:t>필요한 모듈 불러오기</a:t>
             </a:r>
-            <a:endParaRPr lang="ko-KR" altLang="en-US" sz="1400" dirty="0">
-              <a:solidFill>
-                <a:schemeClr val="tx1"/>
-              </a:solidFill>
-              <a:latin typeface="나눔고딕" panose="020D0604000000000000" pitchFamily="50" charset="-127"/>
-              <a:ea typeface="나눔고딕" panose="020D0604000000000000" pitchFamily="50" charset="-127"/>
-            </a:endParaRPr>
           </a:p>
         </p:txBody>
       </p:sp>
@@ -23758,7 +23352,7 @@
               </a:lnSpc>
             </a:pPr>
             <a:r>
-              <a:rPr kumimoji="0" lang="ko-KR" altLang="ko-KR" sz="1400" b="1" dirty="0" err="1" smtClean="0">
+              <a:rPr kumimoji="0" lang="ko-KR" altLang="ko-KR" sz="1400" b="1" dirty="0" err="1">
                 <a:solidFill>
                   <a:srgbClr val="000080"/>
                 </a:solidFill>
@@ -23768,7 +23362,7 @@
               <a:t>from</a:t>
             </a:r>
             <a:r>
-              <a:rPr kumimoji="0" lang="ko-KR" altLang="ko-KR" sz="1400" b="1" dirty="0" smtClean="0">
+              <a:rPr kumimoji="0" lang="ko-KR" altLang="ko-KR" sz="1400" b="1" dirty="0">
                 <a:solidFill>
                   <a:srgbClr val="000080"/>
                 </a:solidFill>
@@ -23778,7 +23372,7 @@
               <a:t> </a:t>
             </a:r>
             <a:r>
-              <a:rPr kumimoji="0" lang="ko-KR" altLang="ko-KR" sz="1400" dirty="0" smtClean="0">
+              <a:rPr kumimoji="0" lang="ko-KR" altLang="ko-KR" sz="1400" dirty="0">
                 <a:solidFill>
                   <a:srgbClr val="000000"/>
                 </a:solidFill>
@@ -23788,7 +23382,7 @@
               <a:t>__</a:t>
             </a:r>
             <a:r>
-              <a:rPr kumimoji="0" lang="ko-KR" altLang="ko-KR" sz="1400" dirty="0" err="1" smtClean="0">
+              <a:rPr kumimoji="0" lang="ko-KR" altLang="ko-KR" sz="1400" dirty="0" err="1">
                 <a:solidFill>
                   <a:srgbClr val="000000"/>
                 </a:solidFill>
@@ -23798,7 +23392,7 @@
               <a:t>future</a:t>
             </a:r>
             <a:r>
-              <a:rPr kumimoji="0" lang="ko-KR" altLang="ko-KR" sz="1400" dirty="0" smtClean="0">
+              <a:rPr kumimoji="0" lang="ko-KR" altLang="ko-KR" sz="1400" dirty="0">
                 <a:solidFill>
                   <a:srgbClr val="000000"/>
                 </a:solidFill>
@@ -23808,7 +23402,7 @@
               <a:t>__ </a:t>
             </a:r>
             <a:r>
-              <a:rPr kumimoji="0" lang="ko-KR" altLang="ko-KR" sz="1400" b="1" dirty="0" err="1" smtClean="0">
+              <a:rPr kumimoji="0" lang="ko-KR" altLang="ko-KR" sz="1400" b="1" dirty="0" err="1">
                 <a:solidFill>
                   <a:srgbClr val="000080"/>
                 </a:solidFill>
@@ -23818,7 +23412,7 @@
               <a:t>import</a:t>
             </a:r>
             <a:r>
-              <a:rPr kumimoji="0" lang="ko-KR" altLang="ko-KR" sz="1400" b="1" dirty="0" smtClean="0">
+              <a:rPr kumimoji="0" lang="ko-KR" altLang="ko-KR" sz="1400" b="1" dirty="0">
                 <a:solidFill>
                   <a:srgbClr val="000080"/>
                 </a:solidFill>
@@ -23828,7 +23422,7 @@
               <a:t> </a:t>
             </a:r>
             <a:r>
-              <a:rPr kumimoji="0" lang="ko-KR" altLang="ko-KR" sz="1400" dirty="0" err="1" smtClean="0">
+              <a:rPr kumimoji="0" lang="ko-KR" altLang="ko-KR" sz="1400" dirty="0" err="1">
                 <a:solidFill>
                   <a:srgbClr val="000000"/>
                 </a:solidFill>
@@ -23837,18 +23431,8 @@
               </a:rPr>
               <a:t>print_function</a:t>
             </a:r>
-            <a:r>
-              <a:rPr kumimoji="0" lang="ko-KR" altLang="ko-KR" sz="1400" dirty="0" smtClean="0">
-                <a:solidFill>
-                  <a:srgbClr val="000000"/>
-                </a:solidFill>
-                <a:latin typeface="나눔고딕" panose="020D0604000000000000" pitchFamily="50" charset="-127"/>
-                <a:ea typeface="나눔고딕" panose="020D0604000000000000" pitchFamily="50" charset="-127"/>
-              </a:rPr>
-              <a:t/>
-            </a:r>
             <a:br>
-              <a:rPr kumimoji="0" lang="ko-KR" altLang="ko-KR" sz="1400" dirty="0" smtClean="0">
+              <a:rPr kumimoji="0" lang="ko-KR" altLang="ko-KR" sz="1400" dirty="0">
                 <a:solidFill>
                   <a:srgbClr val="000000"/>
                 </a:solidFill>
@@ -23857,7 +23441,7 @@
               </a:rPr>
             </a:br>
             <a:r>
-              <a:rPr kumimoji="0" lang="ko-KR" altLang="ko-KR" sz="1400" b="1" dirty="0" err="1" smtClean="0">
+              <a:rPr kumimoji="0" lang="ko-KR" altLang="ko-KR" sz="1400" b="1" dirty="0" err="1">
                 <a:solidFill>
                   <a:srgbClr val="000080"/>
                 </a:solidFill>
@@ -23867,7 +23451,7 @@
               <a:t>import</a:t>
             </a:r>
             <a:r>
-              <a:rPr kumimoji="0" lang="ko-KR" altLang="ko-KR" sz="1400" b="1" dirty="0" smtClean="0">
+              <a:rPr kumimoji="0" lang="ko-KR" altLang="ko-KR" sz="1400" b="1" dirty="0">
                 <a:solidFill>
                   <a:srgbClr val="000080"/>
                 </a:solidFill>
@@ -23877,7 +23461,7 @@
               <a:t> </a:t>
             </a:r>
             <a:r>
-              <a:rPr kumimoji="0" lang="ko-KR" altLang="ko-KR" sz="1400" dirty="0" err="1" smtClean="0">
+              <a:rPr kumimoji="0" lang="ko-KR" altLang="ko-KR" sz="1400" dirty="0" err="1">
                 <a:solidFill>
                   <a:srgbClr val="000000"/>
                 </a:solidFill>
@@ -23887,7 +23471,7 @@
               <a:t>mxnet</a:t>
             </a:r>
             <a:r>
-              <a:rPr kumimoji="0" lang="ko-KR" altLang="ko-KR" sz="1400" dirty="0" smtClean="0">
+              <a:rPr kumimoji="0" lang="ko-KR" altLang="ko-KR" sz="1400" dirty="0">
                 <a:solidFill>
                   <a:srgbClr val="000000"/>
                 </a:solidFill>
@@ -23897,7 +23481,7 @@
               <a:t> </a:t>
             </a:r>
             <a:r>
-              <a:rPr kumimoji="0" lang="ko-KR" altLang="ko-KR" sz="1400" b="1" dirty="0" err="1" smtClean="0">
+              <a:rPr kumimoji="0" lang="ko-KR" altLang="ko-KR" sz="1400" b="1" dirty="0" err="1">
                 <a:solidFill>
                   <a:srgbClr val="000080"/>
                 </a:solidFill>
@@ -23907,7 +23491,7 @@
               <a:t>as</a:t>
             </a:r>
             <a:r>
-              <a:rPr kumimoji="0" lang="ko-KR" altLang="ko-KR" sz="1400" b="1" dirty="0" smtClean="0">
+              <a:rPr kumimoji="0" lang="ko-KR" altLang="ko-KR" sz="1400" b="1" dirty="0">
                 <a:solidFill>
                   <a:srgbClr val="000080"/>
                 </a:solidFill>
@@ -23917,7 +23501,7 @@
               <a:t> </a:t>
             </a:r>
             <a:r>
-              <a:rPr kumimoji="0" lang="ko-KR" altLang="ko-KR" sz="1400" dirty="0" err="1" smtClean="0">
+              <a:rPr kumimoji="0" lang="ko-KR" altLang="ko-KR" sz="1400" dirty="0" err="1">
                 <a:solidFill>
                   <a:srgbClr val="000000"/>
                 </a:solidFill>
@@ -23926,18 +23510,8 @@
               </a:rPr>
               <a:t>mx</a:t>
             </a:r>
-            <a:r>
-              <a:rPr kumimoji="0" lang="ko-KR" altLang="ko-KR" sz="1400" dirty="0" smtClean="0">
-                <a:solidFill>
-                  <a:srgbClr val="000000"/>
-                </a:solidFill>
-                <a:latin typeface="나눔고딕" panose="020D0604000000000000" pitchFamily="50" charset="-127"/>
-                <a:ea typeface="나눔고딕" panose="020D0604000000000000" pitchFamily="50" charset="-127"/>
-              </a:rPr>
-              <a:t/>
-            </a:r>
             <a:br>
-              <a:rPr kumimoji="0" lang="ko-KR" altLang="ko-KR" sz="1400" dirty="0" smtClean="0">
+              <a:rPr kumimoji="0" lang="ko-KR" altLang="ko-KR" sz="1400" dirty="0">
                 <a:solidFill>
                   <a:srgbClr val="000000"/>
                 </a:solidFill>
@@ -23946,7 +23520,7 @@
               </a:rPr>
             </a:br>
             <a:r>
-              <a:rPr kumimoji="0" lang="ko-KR" altLang="ko-KR" sz="1400" b="1" dirty="0" err="1" smtClean="0">
+              <a:rPr kumimoji="0" lang="ko-KR" altLang="ko-KR" sz="1400" b="1" dirty="0" err="1">
                 <a:solidFill>
                   <a:srgbClr val="000080"/>
                 </a:solidFill>
@@ -23956,7 +23530,7 @@
               <a:t>from</a:t>
             </a:r>
             <a:r>
-              <a:rPr kumimoji="0" lang="ko-KR" altLang="ko-KR" sz="1400" b="1" dirty="0" smtClean="0">
+              <a:rPr kumimoji="0" lang="ko-KR" altLang="ko-KR" sz="1400" b="1" dirty="0">
                 <a:solidFill>
                   <a:srgbClr val="000080"/>
                 </a:solidFill>
@@ -23966,7 +23540,7 @@
               <a:t> </a:t>
             </a:r>
             <a:r>
-              <a:rPr kumimoji="0" lang="ko-KR" altLang="ko-KR" sz="1400" dirty="0" err="1" smtClean="0">
+              <a:rPr kumimoji="0" lang="ko-KR" altLang="ko-KR" sz="1400" dirty="0" err="1">
                 <a:solidFill>
                   <a:srgbClr val="000000"/>
                 </a:solidFill>
@@ -23976,7 +23550,7 @@
               <a:t>mxnet</a:t>
             </a:r>
             <a:r>
-              <a:rPr kumimoji="0" lang="ko-KR" altLang="ko-KR" sz="1400" dirty="0" smtClean="0">
+              <a:rPr kumimoji="0" lang="ko-KR" altLang="ko-KR" sz="1400" dirty="0">
                 <a:solidFill>
                   <a:srgbClr val="000000"/>
                 </a:solidFill>
@@ -23986,7 +23560,7 @@
               <a:t> </a:t>
             </a:r>
             <a:r>
-              <a:rPr kumimoji="0" lang="ko-KR" altLang="ko-KR" sz="1400" b="1" dirty="0" err="1" smtClean="0">
+              <a:rPr kumimoji="0" lang="ko-KR" altLang="ko-KR" sz="1400" b="1" dirty="0" err="1">
                 <a:solidFill>
                   <a:srgbClr val="000080"/>
                 </a:solidFill>
@@ -23996,7 +23570,7 @@
               <a:t>import</a:t>
             </a:r>
             <a:r>
-              <a:rPr kumimoji="0" lang="ko-KR" altLang="ko-KR" sz="1400" b="1" dirty="0" smtClean="0">
+              <a:rPr kumimoji="0" lang="ko-KR" altLang="ko-KR" sz="1400" b="1" dirty="0">
                 <a:solidFill>
                   <a:srgbClr val="000080"/>
                 </a:solidFill>
@@ -24006,7 +23580,7 @@
               <a:t> </a:t>
             </a:r>
             <a:r>
-              <a:rPr kumimoji="0" lang="ko-KR" altLang="ko-KR" sz="1400" dirty="0" err="1" smtClean="0">
+              <a:rPr kumimoji="0" lang="ko-KR" altLang="ko-KR" sz="1400" dirty="0" err="1">
                 <a:solidFill>
                   <a:srgbClr val="000000"/>
                 </a:solidFill>
@@ -24016,7 +23590,7 @@
               <a:t>nd</a:t>
             </a:r>
             <a:r>
-              <a:rPr kumimoji="0" lang="ko-KR" altLang="ko-KR" sz="1400" dirty="0" smtClean="0">
+              <a:rPr kumimoji="0" lang="ko-KR" altLang="ko-KR" sz="1400" dirty="0">
                 <a:solidFill>
                   <a:srgbClr val="000000"/>
                 </a:solidFill>
@@ -24026,7 +23600,7 @@
               <a:t>, </a:t>
             </a:r>
             <a:r>
-              <a:rPr kumimoji="0" lang="ko-KR" altLang="ko-KR" sz="1400" dirty="0" err="1" smtClean="0">
+              <a:rPr kumimoji="0" lang="ko-KR" altLang="ko-KR" sz="1400" dirty="0" err="1">
                 <a:solidFill>
                   <a:srgbClr val="000000"/>
                 </a:solidFill>
@@ -24035,18 +23609,8 @@
               </a:rPr>
               <a:t>autograd</a:t>
             </a:r>
-            <a:r>
-              <a:rPr kumimoji="0" lang="ko-KR" altLang="ko-KR" sz="1400" dirty="0" smtClean="0">
-                <a:solidFill>
-                  <a:srgbClr val="000000"/>
-                </a:solidFill>
-                <a:latin typeface="나눔고딕" panose="020D0604000000000000" pitchFamily="50" charset="-127"/>
-                <a:ea typeface="나눔고딕" panose="020D0604000000000000" pitchFamily="50" charset="-127"/>
-              </a:rPr>
-              <a:t/>
-            </a:r>
             <a:br>
-              <a:rPr kumimoji="0" lang="ko-KR" altLang="ko-KR" sz="1400" dirty="0" smtClean="0">
+              <a:rPr kumimoji="0" lang="ko-KR" altLang="ko-KR" sz="1400" dirty="0">
                 <a:solidFill>
                   <a:srgbClr val="000000"/>
                 </a:solidFill>
@@ -24055,7 +23619,7 @@
               </a:rPr>
             </a:br>
             <a:r>
-              <a:rPr kumimoji="0" lang="ko-KR" altLang="ko-KR" sz="1400" b="1" dirty="0" err="1" smtClean="0">
+              <a:rPr kumimoji="0" lang="ko-KR" altLang="ko-KR" sz="1400" b="1" dirty="0" err="1">
                 <a:solidFill>
                   <a:srgbClr val="000080"/>
                 </a:solidFill>
@@ -24065,7 +23629,7 @@
               <a:t>from</a:t>
             </a:r>
             <a:r>
-              <a:rPr kumimoji="0" lang="ko-KR" altLang="ko-KR" sz="1400" b="1" dirty="0" smtClean="0">
+              <a:rPr kumimoji="0" lang="ko-KR" altLang="ko-KR" sz="1400" b="1" dirty="0">
                 <a:solidFill>
                   <a:srgbClr val="000080"/>
                 </a:solidFill>
@@ -24075,7 +23639,7 @@
               <a:t> </a:t>
             </a:r>
             <a:r>
-              <a:rPr kumimoji="0" lang="ko-KR" altLang="ko-KR" sz="1400" dirty="0" err="1" smtClean="0">
+              <a:rPr kumimoji="0" lang="ko-KR" altLang="ko-KR" sz="1400" dirty="0" err="1">
                 <a:solidFill>
                   <a:srgbClr val="000000"/>
                 </a:solidFill>
@@ -24085,7 +23649,7 @@
               <a:t>mxnet</a:t>
             </a:r>
             <a:r>
-              <a:rPr kumimoji="0" lang="ko-KR" altLang="ko-KR" sz="1400" dirty="0" smtClean="0">
+              <a:rPr kumimoji="0" lang="ko-KR" altLang="ko-KR" sz="1400" dirty="0">
                 <a:solidFill>
                   <a:srgbClr val="000000"/>
                 </a:solidFill>
@@ -24095,7 +23659,7 @@
               <a:t> </a:t>
             </a:r>
             <a:r>
-              <a:rPr kumimoji="0" lang="ko-KR" altLang="ko-KR" sz="1400" b="1" dirty="0" err="1" smtClean="0">
+              <a:rPr kumimoji="0" lang="ko-KR" altLang="ko-KR" sz="1400" b="1" dirty="0" err="1">
                 <a:solidFill>
                   <a:srgbClr val="000080"/>
                 </a:solidFill>
@@ -24105,7 +23669,7 @@
               <a:t>import</a:t>
             </a:r>
             <a:r>
-              <a:rPr kumimoji="0" lang="ko-KR" altLang="ko-KR" sz="1400" b="1" dirty="0" smtClean="0">
+              <a:rPr kumimoji="0" lang="ko-KR" altLang="ko-KR" sz="1400" b="1" dirty="0">
                 <a:solidFill>
                   <a:srgbClr val="000080"/>
                 </a:solidFill>
@@ -24115,7 +23679,7 @@
               <a:t> </a:t>
             </a:r>
             <a:r>
-              <a:rPr kumimoji="0" lang="ko-KR" altLang="ko-KR" sz="1400" dirty="0" err="1" smtClean="0">
+              <a:rPr kumimoji="0" lang="ko-KR" altLang="ko-KR" sz="1400" dirty="0" err="1">
                 <a:solidFill>
                   <a:srgbClr val="000000"/>
                 </a:solidFill>
@@ -24124,18 +23688,8 @@
               </a:rPr>
               <a:t>gluon</a:t>
             </a:r>
-            <a:r>
-              <a:rPr kumimoji="0" lang="ko-KR" altLang="ko-KR" sz="1400" dirty="0" smtClean="0">
-                <a:solidFill>
-                  <a:srgbClr val="000000"/>
-                </a:solidFill>
-                <a:latin typeface="나눔고딕" panose="020D0604000000000000" pitchFamily="50" charset="-127"/>
-                <a:ea typeface="나눔고딕" panose="020D0604000000000000" pitchFamily="50" charset="-127"/>
-              </a:rPr>
-              <a:t/>
-            </a:r>
             <a:br>
-              <a:rPr kumimoji="0" lang="ko-KR" altLang="ko-KR" sz="1400" dirty="0" smtClean="0">
+              <a:rPr kumimoji="0" lang="ko-KR" altLang="ko-KR" sz="1400" dirty="0">
                 <a:solidFill>
                   <a:srgbClr val="000000"/>
                 </a:solidFill>
@@ -24144,7 +23698,7 @@
               </a:rPr>
             </a:br>
             <a:r>
-              <a:rPr kumimoji="0" lang="ko-KR" altLang="ko-KR" sz="1400" b="1" dirty="0" err="1" smtClean="0">
+              <a:rPr kumimoji="0" lang="ko-KR" altLang="ko-KR" sz="1400" b="1" dirty="0" err="1">
                 <a:solidFill>
                   <a:srgbClr val="000080"/>
                 </a:solidFill>
@@ -24154,7 +23708,7 @@
               <a:t>import</a:t>
             </a:r>
             <a:r>
-              <a:rPr kumimoji="0" lang="ko-KR" altLang="ko-KR" sz="1400" b="1" dirty="0" smtClean="0">
+              <a:rPr kumimoji="0" lang="ko-KR" altLang="ko-KR" sz="1400" b="1" dirty="0">
                 <a:solidFill>
                   <a:srgbClr val="000080"/>
                 </a:solidFill>
@@ -24164,7 +23718,7 @@
               <a:t> </a:t>
             </a:r>
             <a:r>
-              <a:rPr kumimoji="0" lang="ko-KR" altLang="ko-KR" sz="1400" dirty="0" err="1" smtClean="0">
+              <a:rPr kumimoji="0" lang="ko-KR" altLang="ko-KR" sz="1400" dirty="0" err="1">
                 <a:solidFill>
                   <a:srgbClr val="000000"/>
                 </a:solidFill>
@@ -24174,7 +23728,7 @@
               <a:t>numpy</a:t>
             </a:r>
             <a:r>
-              <a:rPr kumimoji="0" lang="ko-KR" altLang="ko-KR" sz="1400" dirty="0" smtClean="0">
+              <a:rPr kumimoji="0" lang="ko-KR" altLang="ko-KR" sz="1400" dirty="0">
                 <a:solidFill>
                   <a:srgbClr val="000000"/>
                 </a:solidFill>
@@ -24184,7 +23738,7 @@
               <a:t> </a:t>
             </a:r>
             <a:r>
-              <a:rPr kumimoji="0" lang="ko-KR" altLang="ko-KR" sz="1400" b="1" dirty="0" err="1" smtClean="0">
+              <a:rPr kumimoji="0" lang="ko-KR" altLang="ko-KR" sz="1400" b="1" dirty="0" err="1">
                 <a:solidFill>
                   <a:srgbClr val="000080"/>
                 </a:solidFill>
@@ -24194,7 +23748,7 @@
               <a:t>as</a:t>
             </a:r>
             <a:r>
-              <a:rPr kumimoji="0" lang="ko-KR" altLang="ko-KR" sz="1400" b="1" dirty="0" smtClean="0">
+              <a:rPr kumimoji="0" lang="ko-KR" altLang="ko-KR" sz="1400" b="1" dirty="0">
                 <a:solidFill>
                   <a:srgbClr val="000080"/>
                 </a:solidFill>
@@ -24204,7 +23758,7 @@
               <a:t> </a:t>
             </a:r>
             <a:r>
-              <a:rPr kumimoji="0" lang="ko-KR" altLang="ko-KR" sz="1400" dirty="0" err="1" smtClean="0">
+              <a:rPr kumimoji="0" lang="ko-KR" altLang="ko-KR" sz="1400" dirty="0" err="1">
                 <a:solidFill>
                   <a:srgbClr val="000000"/>
                 </a:solidFill>
@@ -24213,18 +23767,8 @@
               </a:rPr>
               <a:t>np</a:t>
             </a:r>
-            <a:r>
-              <a:rPr kumimoji="0" lang="ko-KR" altLang="ko-KR" sz="1400" dirty="0" smtClean="0">
-                <a:solidFill>
-                  <a:srgbClr val="000000"/>
-                </a:solidFill>
-                <a:latin typeface="나눔고딕" panose="020D0604000000000000" pitchFamily="50" charset="-127"/>
-                <a:ea typeface="나눔고딕" panose="020D0604000000000000" pitchFamily="50" charset="-127"/>
-              </a:rPr>
-              <a:t/>
-            </a:r>
             <a:br>
-              <a:rPr kumimoji="0" lang="ko-KR" altLang="ko-KR" sz="1400" dirty="0" smtClean="0">
+              <a:rPr kumimoji="0" lang="ko-KR" altLang="ko-KR" sz="1400" dirty="0">
                 <a:solidFill>
                   <a:srgbClr val="000000"/>
                 </a:solidFill>
@@ -24233,7 +23777,7 @@
               </a:rPr>
             </a:br>
             <a:r>
-              <a:rPr kumimoji="0" lang="ko-KR" altLang="ko-KR" sz="1400" dirty="0" err="1" smtClean="0">
+              <a:rPr kumimoji="0" lang="ko-KR" altLang="ko-KR" sz="1400" dirty="0" err="1">
                 <a:solidFill>
                   <a:srgbClr val="000000"/>
                 </a:solidFill>
@@ -24243,7 +23787,7 @@
               <a:t>mx.random.seed</a:t>
             </a:r>
             <a:r>
-              <a:rPr kumimoji="0" lang="ko-KR" altLang="ko-KR" sz="1400" dirty="0" smtClean="0">
+              <a:rPr kumimoji="0" lang="ko-KR" altLang="ko-KR" sz="1400" dirty="0">
                 <a:solidFill>
                   <a:srgbClr val="000000"/>
                 </a:solidFill>
@@ -24253,7 +23797,7 @@
               <a:t>(</a:t>
             </a:r>
             <a:r>
-              <a:rPr kumimoji="0" lang="ko-KR" altLang="ko-KR" sz="1400" dirty="0" smtClean="0">
+              <a:rPr kumimoji="0" lang="ko-KR" altLang="ko-KR" sz="1400" dirty="0">
                 <a:solidFill>
                   <a:srgbClr val="0000FF"/>
                 </a:solidFill>
@@ -24263,7 +23807,7 @@
               <a:t>1</a:t>
             </a:r>
             <a:r>
-              <a:rPr kumimoji="0" lang="ko-KR" altLang="ko-KR" sz="1400" dirty="0" smtClean="0">
+              <a:rPr kumimoji="0" lang="ko-KR" altLang="ko-KR" sz="1400" dirty="0">
                 <a:solidFill>
                   <a:srgbClr val="000000"/>
                 </a:solidFill>
@@ -24572,7 +24116,7 @@
               <a:defRPr/>
             </a:pPr>
             <a:r>
-              <a:rPr lang="en-US" altLang="ko-KR" sz="1400" dirty="0" err="1" smtClean="0">
+              <a:rPr lang="en-US" altLang="ko-KR" sz="1400" dirty="0" err="1">
                 <a:solidFill>
                   <a:schemeClr val="tx1"/>
                 </a:solidFill>
@@ -24582,7 +24126,7 @@
               <a:t>Cpu</a:t>
             </a:r>
             <a:r>
-              <a:rPr lang="en-US" altLang="ko-KR" sz="1400" dirty="0" smtClean="0">
+              <a:rPr lang="en-US" altLang="ko-KR" sz="1400" dirty="0">
                 <a:solidFill>
                   <a:schemeClr val="tx1"/>
                 </a:solidFill>
@@ -24592,7 +24136,7 @@
               <a:t>, </a:t>
             </a:r>
             <a:r>
-              <a:rPr lang="en-US" altLang="ko-KR" sz="1400" dirty="0" err="1" smtClean="0">
+              <a:rPr lang="en-US" altLang="ko-KR" sz="1400" dirty="0" err="1">
                 <a:solidFill>
                   <a:schemeClr val="tx1"/>
                 </a:solidFill>
@@ -24602,7 +24146,7 @@
               <a:t>gpu</a:t>
             </a:r>
             <a:r>
-              <a:rPr lang="en-US" altLang="ko-KR" sz="1400" dirty="0" smtClean="0">
+              <a:rPr lang="en-US" altLang="ko-KR" sz="1400" dirty="0">
                 <a:solidFill>
                   <a:schemeClr val="tx1"/>
                 </a:solidFill>
@@ -24612,7 +24156,7 @@
               <a:t> </a:t>
             </a:r>
             <a:r>
-              <a:rPr lang="ko-KR" altLang="en-US" sz="1400" dirty="0" smtClean="0">
+              <a:rPr lang="ko-KR" altLang="en-US" sz="1400" dirty="0">
                 <a:solidFill>
                   <a:schemeClr val="tx1"/>
                 </a:solidFill>
@@ -24621,13 +24165,6 @@
               </a:rPr>
               <a:t>선택</a:t>
             </a:r>
-            <a:endParaRPr lang="ko-KR" altLang="en-US" sz="1400" dirty="0">
-              <a:solidFill>
-                <a:schemeClr val="tx1"/>
-              </a:solidFill>
-              <a:latin typeface="나눔고딕" panose="020D0604000000000000" pitchFamily="50" charset="-127"/>
-              <a:ea typeface="나눔고딕" panose="020D0604000000000000" pitchFamily="50" charset="-127"/>
-            </a:endParaRPr>
           </a:p>
         </p:txBody>
       </p:sp>
@@ -25224,20 +24761,20 @@
               <a:buNone/>
             </a:pPr>
             <a:r>
-              <a:rPr lang="en-US" altLang="ko-KR" sz="2800" kern="0" dirty="0" smtClean="0">
+              <a:rPr lang="en-US" altLang="ko-KR" sz="2800" kern="0" dirty="0">
                 <a:latin typeface="나눔고딕 ExtraBold" panose="020D0904000000000000" pitchFamily="50" charset="-127"/>
                 <a:ea typeface="나눔고딕 ExtraBold" panose="020D0904000000000000" pitchFamily="50" charset="-127"/>
               </a:rPr>
               <a:t>1. </a:t>
             </a:r>
             <a:r>
-              <a:rPr lang="en-US" altLang="ko-KR" sz="2800" kern="0" dirty="0" err="1" smtClean="0">
+              <a:rPr lang="en-US" altLang="ko-KR" sz="2800" kern="0" dirty="0" err="1">
                 <a:latin typeface="나눔고딕 ExtraBold" panose="020D0904000000000000" pitchFamily="50" charset="-127"/>
                 <a:ea typeface="나눔고딕 ExtraBold" panose="020D0904000000000000" pitchFamily="50" charset="-127"/>
               </a:rPr>
               <a:t>Mxnet.gluon</a:t>
             </a:r>
-            <a:endParaRPr lang="ko-KR" altLang="en-US" sz="2800" kern="0" dirty="0" smtClean="0">
+            <a:endParaRPr lang="ko-KR" altLang="en-US" sz="2800" kern="0" dirty="0">
               <a:latin typeface="나눔고딕 ExtraBold" panose="020D0904000000000000" pitchFamily="50" charset="-127"/>
               <a:ea typeface="나눔고딕 ExtraBold" panose="020D0904000000000000" pitchFamily="50" charset="-127"/>
             </a:endParaRPr>
@@ -25254,13 +24791,6 @@
   <p:clrMapOvr>
     <a:masterClrMapping/>
   </p:clrMapOvr>
-  <p:timing>
-    <p:tnLst>
-      <p:par>
-        <p:cTn id="1" dur="indefinite" restart="never" nodeType="tmRoot"/>
-      </p:par>
-    </p:tnLst>
-  </p:timing>
 </p:sld>
 </file>
 
@@ -25571,7 +25101,7 @@
               <a:defRPr/>
             </a:pPr>
             <a:r>
-              <a:rPr lang="en-US" sz="2000" b="1" dirty="0" smtClean="0">
+              <a:rPr lang="en-US" sz="2000" b="1" dirty="0">
                 <a:gradFill>
                   <a:gsLst>
                     <a:gs pos="0">
@@ -25896,7 +25426,7 @@
               <a:defRPr/>
             </a:pPr>
             <a:r>
-              <a:rPr lang="ko-KR" altLang="en-US" sz="1400" dirty="0" smtClean="0">
+              <a:rPr lang="ko-KR" altLang="en-US" sz="1400" dirty="0">
                 <a:solidFill>
                   <a:schemeClr val="tx1"/>
                 </a:solidFill>
@@ -25905,13 +25435,6 @@
               </a:rPr>
               <a:t>데이터 사이즈 조정하기</a:t>
             </a:r>
-            <a:endParaRPr lang="ko-KR" altLang="en-US" sz="1400" dirty="0">
-              <a:solidFill>
-                <a:schemeClr val="tx1"/>
-              </a:solidFill>
-              <a:latin typeface="나눔고딕" panose="020D0604000000000000" pitchFamily="50" charset="-127"/>
-              <a:ea typeface="나눔고딕" panose="020D0604000000000000" pitchFamily="50" charset="-127"/>
-            </a:endParaRPr>
           </a:p>
         </p:txBody>
       </p:sp>
@@ -26486,7 +26009,7 @@
               <a:t>, </a:t>
             </a:r>
             <a:r>
-              <a:rPr kumimoji="0" lang="en-US" altLang="ko-KR" sz="1400" dirty="0" smtClean="0">
+              <a:rPr kumimoji="0" lang="en-US" altLang="ko-KR" sz="1400" dirty="0">
                 <a:solidFill>
                   <a:srgbClr val="000000"/>
                 </a:solidFill>
@@ -26496,7 +26019,7 @@
               <a:t>axes=</a:t>
             </a:r>
             <a:r>
-              <a:rPr kumimoji="0" lang="ko-KR" altLang="ko-KR" sz="1400" dirty="0" smtClean="0">
+              <a:rPr kumimoji="0" lang="ko-KR" altLang="ko-KR" sz="1400" dirty="0">
                 <a:solidFill>
                   <a:srgbClr val="000000"/>
                 </a:solidFill>
@@ -26506,7 +26029,7 @@
               <a:t>(</a:t>
             </a:r>
             <a:r>
-              <a:rPr kumimoji="0" lang="ko-KR" altLang="ko-KR" sz="1400" dirty="0" smtClean="0">
+              <a:rPr kumimoji="0" lang="ko-KR" altLang="ko-KR" sz="1400" dirty="0">
                 <a:solidFill>
                   <a:srgbClr val="0000FF"/>
                 </a:solidFill>
@@ -26993,7 +26516,7 @@
               <a:defRPr/>
             </a:pPr>
             <a:r>
-              <a:rPr lang="en-US" altLang="ko-KR" sz="1400" dirty="0" err="1" smtClean="0">
+              <a:rPr lang="en-US" altLang="ko-KR" sz="1400" dirty="0" err="1">
                 <a:solidFill>
                   <a:schemeClr val="tx1"/>
                 </a:solidFill>
@@ -27003,7 +26526,7 @@
               <a:t>Imresize</a:t>
             </a:r>
             <a:r>
-              <a:rPr lang="en-US" altLang="ko-KR" sz="1400" dirty="0" smtClean="0">
+              <a:rPr lang="en-US" altLang="ko-KR" sz="1400" dirty="0">
                 <a:solidFill>
                   <a:schemeClr val="tx1"/>
                 </a:solidFill>
@@ -27013,16 +26536,6 @@
               <a:t>(data</a:t>
             </a:r>
             <a:r>
-              <a:rPr lang="pl-PL" altLang="ko-KR" sz="1400" dirty="0" smtClean="0">
-                <a:solidFill>
-                  <a:schemeClr val="tx1"/>
-                </a:solidFill>
-                <a:latin typeface="나눔고딕" panose="020D0604000000000000" pitchFamily="50" charset="-127"/>
-                <a:ea typeface="나눔고딕" panose="020D0604000000000000" pitchFamily="50" charset="-127"/>
-              </a:rPr>
-              <a:t>,</a:t>
-            </a:r>
-            <a:r>
               <a:rPr lang="pl-PL" altLang="ko-KR" sz="1400" dirty="0">
                 <a:solidFill>
                   <a:schemeClr val="tx1"/>
@@ -27030,10 +26543,10 @@
                 <a:latin typeface="나눔고딕" panose="020D0604000000000000" pitchFamily="50" charset="-127"/>
                 <a:ea typeface="나눔고딕" panose="020D0604000000000000" pitchFamily="50" charset="-127"/>
               </a:rPr>
-              <a:t> </a:t>
-            </a:r>
-            <a:r>
-              <a:rPr lang="ko-KR" altLang="en-US" sz="1400" dirty="0" smtClean="0">
+              <a:t>, </a:t>
+            </a:r>
+            <a:r>
+              <a:rPr lang="ko-KR" altLang="en-US" sz="1400" dirty="0">
                 <a:solidFill>
                   <a:schemeClr val="tx1"/>
                 </a:solidFill>
@@ -27043,16 +26556,6 @@
               <a:t>가로</a:t>
             </a:r>
             <a:r>
-              <a:rPr lang="pl-PL" altLang="ko-KR" sz="1400" dirty="0" smtClean="0">
-                <a:solidFill>
-                  <a:schemeClr val="tx1"/>
-                </a:solidFill>
-                <a:latin typeface="나눔고딕" panose="020D0604000000000000" pitchFamily="50" charset="-127"/>
-                <a:ea typeface="나눔고딕" panose="020D0604000000000000" pitchFamily="50" charset="-127"/>
-              </a:rPr>
-              <a:t>,</a:t>
-            </a:r>
-            <a:r>
               <a:rPr lang="pl-PL" altLang="ko-KR" sz="1400" dirty="0">
                 <a:solidFill>
                   <a:schemeClr val="tx1"/>
@@ -27060,10 +26563,10 @@
                 <a:latin typeface="나눔고딕" panose="020D0604000000000000" pitchFamily="50" charset="-127"/>
                 <a:ea typeface="나눔고딕" panose="020D0604000000000000" pitchFamily="50" charset="-127"/>
               </a:rPr>
-              <a:t> </a:t>
-            </a:r>
-            <a:r>
-              <a:rPr lang="ko-KR" altLang="en-US" sz="1400" dirty="0" smtClean="0">
+              <a:t>, </a:t>
+            </a:r>
+            <a:r>
+              <a:rPr lang="ko-KR" altLang="en-US" sz="1400" dirty="0">
                 <a:solidFill>
                   <a:schemeClr val="tx1"/>
                 </a:solidFill>
@@ -27073,7 +26576,7 @@
               <a:t>세로</a:t>
             </a:r>
             <a:r>
-              <a:rPr lang="en-US" altLang="ko-KR" sz="1400" dirty="0" smtClean="0">
+              <a:rPr lang="en-US" altLang="ko-KR" sz="1400" dirty="0">
                 <a:solidFill>
                   <a:schemeClr val="tx1"/>
                 </a:solidFill>
@@ -27082,13 +26585,6 @@
               </a:rPr>
               <a:t>)</a:t>
             </a:r>
-            <a:endParaRPr lang="en-US" altLang="ko-KR" sz="1400" dirty="0">
-              <a:solidFill>
-                <a:schemeClr val="tx1"/>
-              </a:solidFill>
-              <a:latin typeface="나눔고딕" panose="020D0604000000000000" pitchFamily="50" charset="-127"/>
-              <a:ea typeface="나눔고딕" panose="020D0604000000000000" pitchFamily="50" charset="-127"/>
-            </a:endParaRPr>
           </a:p>
         </p:txBody>
       </p:sp>
@@ -27382,7 +26878,7 @@
               <a:defRPr/>
             </a:pPr>
             <a:r>
-              <a:rPr lang="ko-KR" altLang="en-US" sz="1400" dirty="0" smtClean="0">
+              <a:rPr lang="ko-KR" altLang="en-US" sz="1400" dirty="0">
                 <a:solidFill>
                   <a:schemeClr val="tx1"/>
                 </a:solidFill>
@@ -27391,13 +26887,6 @@
               </a:rPr>
               <a:t>이미지 사이즈 조정</a:t>
             </a:r>
-            <a:endParaRPr lang="ko-KR" altLang="en-US" sz="1400" dirty="0">
-              <a:solidFill>
-                <a:schemeClr val="tx1"/>
-              </a:solidFill>
-              <a:latin typeface="나눔고딕" panose="020D0604000000000000" pitchFamily="50" charset="-127"/>
-              <a:ea typeface="나눔고딕" panose="020D0604000000000000" pitchFamily="50" charset="-127"/>
-            </a:endParaRPr>
           </a:p>
         </p:txBody>
       </p:sp>
@@ -27698,85 +27187,8 @@
                 <a:latin typeface="나눔고딕" panose="020D0604000000000000" pitchFamily="50" charset="-127"/>
                 <a:ea typeface="나눔고딕" panose="020D0604000000000000" pitchFamily="50" charset="-127"/>
               </a:rPr>
-              <a:t>Transpose((</a:t>
-            </a:r>
-            <a:r>
-              <a:rPr lang="en-US" altLang="ko-KR" sz="1400" dirty="0" smtClean="0">
-                <a:solidFill>
-                  <a:schemeClr val="tx1"/>
-                </a:solidFill>
-                <a:latin typeface="나눔고딕" panose="020D0604000000000000" pitchFamily="50" charset="-127"/>
-                <a:ea typeface="나눔고딕" panose="020D0604000000000000" pitchFamily="50" charset="-127"/>
-              </a:rPr>
-              <a:t>data,</a:t>
-            </a:r>
-            <a:r>
-              <a:rPr lang="en-US" altLang="ko-KR" sz="1400" dirty="0">
-                <a:solidFill>
-                  <a:schemeClr val="tx1"/>
-                </a:solidFill>
-                <a:latin typeface="나눔고딕" panose="020D0604000000000000" pitchFamily="50" charset="-127"/>
-                <a:ea typeface="나눔고딕" panose="020D0604000000000000" pitchFamily="50" charset="-127"/>
-              </a:rPr>
-              <a:t> </a:t>
-            </a:r>
-            <a:r>
-              <a:rPr lang="en-US" altLang="ko-KR" sz="1400" dirty="0" smtClean="0">
-                <a:solidFill>
-                  <a:schemeClr val="tx1"/>
-                </a:solidFill>
-                <a:latin typeface="나눔고딕" panose="020D0604000000000000" pitchFamily="50" charset="-127"/>
-                <a:ea typeface="나눔고딕" panose="020D0604000000000000" pitchFamily="50" charset="-127"/>
-              </a:rPr>
-              <a:t>axes,</a:t>
-            </a:r>
-            <a:r>
-              <a:rPr lang="en-US" altLang="ko-KR" sz="1400" dirty="0">
-                <a:solidFill>
-                  <a:schemeClr val="tx1"/>
-                </a:solidFill>
-                <a:latin typeface="나눔고딕" panose="020D0604000000000000" pitchFamily="50" charset="-127"/>
-                <a:ea typeface="나눔고딕" panose="020D0604000000000000" pitchFamily="50" charset="-127"/>
-              </a:rPr>
-              <a:t> </a:t>
-            </a:r>
-            <a:r>
-              <a:rPr lang="en-US" altLang="ko-KR" sz="1400" dirty="0" smtClean="0">
-                <a:solidFill>
-                  <a:schemeClr val="tx1"/>
-                </a:solidFill>
-                <a:latin typeface="나눔고딕" panose="020D0604000000000000" pitchFamily="50" charset="-127"/>
-                <a:ea typeface="나눔고딕" panose="020D0604000000000000" pitchFamily="50" charset="-127"/>
-              </a:rPr>
-              <a:t>out,</a:t>
-            </a:r>
-            <a:r>
-              <a:rPr lang="en-US" altLang="ko-KR" sz="1400" dirty="0">
-                <a:solidFill>
-                  <a:schemeClr val="tx1"/>
-                </a:solidFill>
-                <a:latin typeface="나눔고딕" panose="020D0604000000000000" pitchFamily="50" charset="-127"/>
-                <a:ea typeface="나눔고딕" panose="020D0604000000000000" pitchFamily="50" charset="-127"/>
-              </a:rPr>
-              <a:t> </a:t>
-            </a:r>
-            <a:r>
-              <a:rPr lang="en-US" altLang="ko-KR" sz="1400" dirty="0" smtClean="0">
-                <a:solidFill>
-                  <a:schemeClr val="tx1"/>
-                </a:solidFill>
-                <a:latin typeface="나눔고딕" panose="020D0604000000000000" pitchFamily="50" charset="-127"/>
-                <a:ea typeface="나눔고딕" panose="020D0604000000000000" pitchFamily="50" charset="-127"/>
-              </a:rPr>
-              <a:t>name)</a:t>
-            </a:r>
-            <a:endParaRPr lang="en-US" altLang="ko-KR" sz="1400" dirty="0">
-              <a:solidFill>
-                <a:schemeClr val="tx1"/>
-              </a:solidFill>
-              <a:latin typeface="나눔고딕" panose="020D0604000000000000" pitchFamily="50" charset="-127"/>
-              <a:ea typeface="나눔고딕" panose="020D0604000000000000" pitchFamily="50" charset="-127"/>
-            </a:endParaRPr>
+              <a:t>Transpose((data, axes, out, name)</a:t>
+            </a:r>
           </a:p>
         </p:txBody>
       </p:sp>
@@ -28070,7 +27482,7 @@
               <a:defRPr/>
             </a:pPr>
             <a:r>
-              <a:rPr lang="ko-KR" altLang="en-US" sz="1400" dirty="0" err="1" smtClean="0">
+              <a:rPr lang="ko-KR" altLang="en-US" sz="1400" dirty="0" err="1">
                 <a:solidFill>
                   <a:schemeClr val="tx1"/>
                 </a:solidFill>
@@ -28281,20 +27693,20 @@
               <a:buNone/>
             </a:pPr>
             <a:r>
-              <a:rPr lang="en-US" altLang="ko-KR" sz="2800" kern="0" dirty="0" smtClean="0">
+              <a:rPr lang="en-US" altLang="ko-KR" sz="2800" kern="0" dirty="0">
                 <a:latin typeface="나눔고딕 ExtraBold" panose="020D0904000000000000" pitchFamily="50" charset="-127"/>
                 <a:ea typeface="나눔고딕 ExtraBold" panose="020D0904000000000000" pitchFamily="50" charset="-127"/>
               </a:rPr>
               <a:t>1. </a:t>
             </a:r>
             <a:r>
-              <a:rPr lang="en-US" altLang="ko-KR" sz="2800" kern="0" dirty="0" err="1" smtClean="0">
+              <a:rPr lang="en-US" altLang="ko-KR" sz="2800" kern="0" dirty="0" err="1">
                 <a:latin typeface="나눔고딕 ExtraBold" panose="020D0904000000000000" pitchFamily="50" charset="-127"/>
                 <a:ea typeface="나눔고딕 ExtraBold" panose="020D0904000000000000" pitchFamily="50" charset="-127"/>
               </a:rPr>
               <a:t>Mxnet.gluon</a:t>
             </a:r>
-            <a:endParaRPr lang="ko-KR" altLang="en-US" sz="2800" kern="0" dirty="0" smtClean="0">
+            <a:endParaRPr lang="ko-KR" altLang="en-US" sz="2800" kern="0" dirty="0">
               <a:latin typeface="나눔고딕 ExtraBold" panose="020D0904000000000000" pitchFamily="50" charset="-127"/>
               <a:ea typeface="나눔고딕 ExtraBold" panose="020D0904000000000000" pitchFamily="50" charset="-127"/>
             </a:endParaRPr>
@@ -28311,13 +27723,6 @@
   <p:clrMapOvr>
     <a:masterClrMapping/>
   </p:clrMapOvr>
-  <p:timing>
-    <p:tnLst>
-      <p:par>
-        <p:cTn id="1" dur="indefinite" restart="never" nodeType="tmRoot"/>
-      </p:par>
-    </p:tnLst>
-  </p:timing>
 </p:sld>
 </file>
 
@@ -28628,7 +28033,7 @@
               <a:defRPr/>
             </a:pPr>
             <a:r>
-              <a:rPr lang="en-US" sz="2000" b="1" dirty="0" smtClean="0">
+              <a:rPr lang="en-US" sz="2000" b="1" dirty="0">
                 <a:gradFill>
                   <a:gsLst>
                     <a:gs pos="0">
@@ -28953,7 +28358,7 @@
               <a:defRPr/>
             </a:pPr>
             <a:r>
-              <a:rPr lang="ko-KR" altLang="en-US" sz="1400" dirty="0" smtClean="0">
+              <a:rPr lang="ko-KR" altLang="en-US" sz="1400" dirty="0">
                 <a:solidFill>
                   <a:schemeClr val="tx1"/>
                 </a:solidFill>
@@ -28963,7 +28368,7 @@
               <a:t>데이터 </a:t>
             </a:r>
             <a:r>
-              <a:rPr lang="ko-KR" altLang="en-US" sz="1400" dirty="0" err="1" smtClean="0">
+              <a:rPr lang="ko-KR" altLang="en-US" sz="1400" dirty="0" err="1">
                 <a:solidFill>
                   <a:schemeClr val="tx1"/>
                 </a:solidFill>
@@ -29304,7 +28709,7 @@
               </a:rPr>
               <a:t>3</a:t>
             </a:r>
-            <a:r>
+            <a:br>
               <a:rPr kumimoji="0" lang="ko-KR" altLang="ko-KR" sz="1400" dirty="0">
                 <a:solidFill>
                   <a:srgbClr val="0000FF"/>
@@ -29312,56 +28717,205 @@
                 <a:latin typeface="나눔고딕" panose="020D0604000000000000" pitchFamily="50" charset="-127"/>
                 <a:ea typeface="나눔고딕" panose="020D0604000000000000" pitchFamily="50" charset="-127"/>
               </a:rPr>
-              <a:t/>
+            </a:br>
+            <a:r>
+              <a:rPr kumimoji="0" lang="ko-KR" altLang="ko-KR" sz="1400" dirty="0" err="1">
+                <a:solidFill>
+                  <a:srgbClr val="000000"/>
+                </a:solidFill>
+                <a:latin typeface="나눔고딕" panose="020D0604000000000000" pitchFamily="50" charset="-127"/>
+                <a:ea typeface="나눔고딕" panose="020D0604000000000000" pitchFamily="50" charset="-127"/>
+              </a:rPr>
+              <a:t>train_data</a:t>
+            </a:r>
+            <a:r>
+              <a:rPr kumimoji="0" lang="ko-KR" altLang="ko-KR" sz="1400" dirty="0">
+                <a:solidFill>
+                  <a:srgbClr val="000000"/>
+                </a:solidFill>
+                <a:latin typeface="나눔고딕" panose="020D0604000000000000" pitchFamily="50" charset="-127"/>
+                <a:ea typeface="나눔고딕" panose="020D0604000000000000" pitchFamily="50" charset="-127"/>
+              </a:rPr>
+              <a:t> = </a:t>
+            </a:r>
+            <a:r>
+              <a:rPr kumimoji="0" lang="ko-KR" altLang="ko-KR" sz="1400" dirty="0" err="1">
+                <a:solidFill>
+                  <a:srgbClr val="000000"/>
+                </a:solidFill>
+                <a:latin typeface="나눔고딕" panose="020D0604000000000000" pitchFamily="50" charset="-127"/>
+                <a:ea typeface="나눔고딕" panose="020D0604000000000000" pitchFamily="50" charset="-127"/>
+              </a:rPr>
+              <a:t>gluon.data.DataLoader</a:t>
+            </a:r>
+            <a:r>
+              <a:rPr kumimoji="0" lang="ko-KR" altLang="ko-KR" sz="1400" dirty="0">
+                <a:solidFill>
+                  <a:srgbClr val="000000"/>
+                </a:solidFill>
+                <a:latin typeface="나눔고딕" panose="020D0604000000000000" pitchFamily="50" charset="-127"/>
+                <a:ea typeface="나눔고딕" panose="020D0604000000000000" pitchFamily="50" charset="-127"/>
+              </a:rPr>
+              <a:t>(</a:t>
             </a:r>
             <a:br>
               <a:rPr kumimoji="0" lang="ko-KR" altLang="ko-KR" sz="1400" dirty="0">
                 <a:solidFill>
-                  <a:srgbClr val="0000FF"/>
+                  <a:srgbClr val="000000"/>
                 </a:solidFill>
                 <a:latin typeface="나눔고딕" panose="020D0604000000000000" pitchFamily="50" charset="-127"/>
                 <a:ea typeface="나눔고딕" panose="020D0604000000000000" pitchFamily="50" charset="-127"/>
               </a:rPr>
             </a:br>
             <a:r>
+              <a:rPr kumimoji="0" lang="ko-KR" altLang="ko-KR" sz="1400" dirty="0">
+                <a:solidFill>
+                  <a:srgbClr val="000000"/>
+                </a:solidFill>
+                <a:latin typeface="나눔고딕" panose="020D0604000000000000" pitchFamily="50" charset="-127"/>
+                <a:ea typeface="나눔고딕" panose="020D0604000000000000" pitchFamily="50" charset="-127"/>
+              </a:rPr>
+              <a:t>    gluon.data.vision.CIFAR10(</a:t>
+            </a:r>
+            <a:r>
+              <a:rPr kumimoji="0" lang="ko-KR" altLang="ko-KR" sz="1400" b="1" dirty="0">
+                <a:solidFill>
+                  <a:srgbClr val="008080"/>
+                </a:solidFill>
+                <a:latin typeface="나눔고딕" panose="020D0604000000000000" pitchFamily="50" charset="-127"/>
+                <a:ea typeface="나눔고딕" panose="020D0604000000000000" pitchFamily="50" charset="-127"/>
+              </a:rPr>
+              <a:t>'./</a:t>
+            </a:r>
+            <a:r>
+              <a:rPr kumimoji="0" lang="ko-KR" altLang="ko-KR" sz="1400" b="1" dirty="0" err="1">
+                <a:solidFill>
+                  <a:srgbClr val="008080"/>
+                </a:solidFill>
+                <a:latin typeface="나눔고딕" panose="020D0604000000000000" pitchFamily="50" charset="-127"/>
+                <a:ea typeface="나눔고딕" panose="020D0604000000000000" pitchFamily="50" charset="-127"/>
+              </a:rPr>
+              <a:t>data</a:t>
+            </a:r>
+            <a:r>
+              <a:rPr kumimoji="0" lang="ko-KR" altLang="ko-KR" sz="1400" b="1" dirty="0">
+                <a:solidFill>
+                  <a:srgbClr val="008080"/>
+                </a:solidFill>
+                <a:latin typeface="나눔고딕" panose="020D0604000000000000" pitchFamily="50" charset="-127"/>
+                <a:ea typeface="나눔고딕" panose="020D0604000000000000" pitchFamily="50" charset="-127"/>
+              </a:rPr>
+              <a:t>'</a:t>
+            </a:r>
+            <a:r>
+              <a:rPr kumimoji="0" lang="ko-KR" altLang="ko-KR" sz="1400" dirty="0">
+                <a:solidFill>
+                  <a:srgbClr val="000000"/>
+                </a:solidFill>
+                <a:latin typeface="나눔고딕" panose="020D0604000000000000" pitchFamily="50" charset="-127"/>
+                <a:ea typeface="나눔고딕" panose="020D0604000000000000" pitchFamily="50" charset="-127"/>
+              </a:rPr>
+              <a:t>, </a:t>
+            </a:r>
+            <a:r>
               <a:rPr kumimoji="0" lang="ko-KR" altLang="ko-KR" sz="1400" dirty="0" err="1">
                 <a:solidFill>
-                  <a:srgbClr val="000000"/>
-                </a:solidFill>
-                <a:latin typeface="나눔고딕" panose="020D0604000000000000" pitchFamily="50" charset="-127"/>
-                <a:ea typeface="나눔고딕" panose="020D0604000000000000" pitchFamily="50" charset="-127"/>
-              </a:rPr>
-              <a:t>train_data</a:t>
-            </a:r>
-            <a:r>
-              <a:rPr kumimoji="0" lang="ko-KR" altLang="ko-KR" sz="1400" dirty="0">
-                <a:solidFill>
-                  <a:srgbClr val="000000"/>
-                </a:solidFill>
-                <a:latin typeface="나눔고딕" panose="020D0604000000000000" pitchFamily="50" charset="-127"/>
-                <a:ea typeface="나눔고딕" panose="020D0604000000000000" pitchFamily="50" charset="-127"/>
-              </a:rPr>
-              <a:t> = </a:t>
+                  <a:srgbClr val="660099"/>
+                </a:solidFill>
+                <a:latin typeface="나눔고딕" panose="020D0604000000000000" pitchFamily="50" charset="-127"/>
+                <a:ea typeface="나눔고딕" panose="020D0604000000000000" pitchFamily="50" charset="-127"/>
+              </a:rPr>
+              <a:t>train</a:t>
+            </a:r>
+            <a:r>
+              <a:rPr kumimoji="0" lang="ko-KR" altLang="ko-KR" sz="1400" dirty="0">
+                <a:solidFill>
+                  <a:srgbClr val="660099"/>
+                </a:solidFill>
+                <a:latin typeface="나눔고딕" panose="020D0604000000000000" pitchFamily="50" charset="-127"/>
+                <a:ea typeface="나눔고딕" panose="020D0604000000000000" pitchFamily="50" charset="-127"/>
+              </a:rPr>
+              <a:t> </a:t>
+            </a:r>
+            <a:r>
+              <a:rPr kumimoji="0" lang="ko-KR" altLang="ko-KR" sz="1400" dirty="0">
+                <a:solidFill>
+                  <a:srgbClr val="000000"/>
+                </a:solidFill>
+                <a:latin typeface="나눔고딕" panose="020D0604000000000000" pitchFamily="50" charset="-127"/>
+                <a:ea typeface="나눔고딕" panose="020D0604000000000000" pitchFamily="50" charset="-127"/>
+              </a:rPr>
+              <a:t>= </a:t>
+            </a:r>
+            <a:r>
+              <a:rPr kumimoji="0" lang="ko-KR" altLang="ko-KR" sz="1400" b="1" dirty="0" err="1">
+                <a:solidFill>
+                  <a:srgbClr val="000080"/>
+                </a:solidFill>
+                <a:latin typeface="나눔고딕" panose="020D0604000000000000" pitchFamily="50" charset="-127"/>
+                <a:ea typeface="나눔고딕" panose="020D0604000000000000" pitchFamily="50" charset="-127"/>
+              </a:rPr>
+              <a:t>True</a:t>
+            </a:r>
+            <a:r>
+              <a:rPr kumimoji="0" lang="ko-KR" altLang="ko-KR" sz="1400" dirty="0">
+                <a:solidFill>
+                  <a:srgbClr val="000000"/>
+                </a:solidFill>
+                <a:latin typeface="나눔고딕" panose="020D0604000000000000" pitchFamily="50" charset="-127"/>
+                <a:ea typeface="나눔고딕" panose="020D0604000000000000" pitchFamily="50" charset="-127"/>
+              </a:rPr>
+              <a:t>, </a:t>
             </a:r>
             <a:r>
               <a:rPr kumimoji="0" lang="ko-KR" altLang="ko-KR" sz="1400" dirty="0" err="1">
                 <a:solidFill>
-                  <a:srgbClr val="000000"/>
-                </a:solidFill>
-                <a:latin typeface="나눔고딕" panose="020D0604000000000000" pitchFamily="50" charset="-127"/>
-                <a:ea typeface="나눔고딕" panose="020D0604000000000000" pitchFamily="50" charset="-127"/>
-              </a:rPr>
-              <a:t>gluon.data.DataLoader</a:t>
-            </a:r>
-            <a:r>
-              <a:rPr kumimoji="0" lang="ko-KR" altLang="ko-KR" sz="1400" dirty="0">
-                <a:solidFill>
-                  <a:srgbClr val="000000"/>
-                </a:solidFill>
-                <a:latin typeface="나눔고딕" panose="020D0604000000000000" pitchFamily="50" charset="-127"/>
-                <a:ea typeface="나눔고딕" panose="020D0604000000000000" pitchFamily="50" charset="-127"/>
-              </a:rPr>
-              <a:t>(</a:t>
+                  <a:srgbClr val="660099"/>
+                </a:solidFill>
+                <a:latin typeface="나눔고딕" panose="020D0604000000000000" pitchFamily="50" charset="-127"/>
+                <a:ea typeface="나눔고딕" panose="020D0604000000000000" pitchFamily="50" charset="-127"/>
+              </a:rPr>
+              <a:t>transform</a:t>
+            </a:r>
+            <a:r>
+              <a:rPr kumimoji="0" lang="ko-KR" altLang="ko-KR" sz="1400" dirty="0">
+                <a:solidFill>
+                  <a:srgbClr val="660099"/>
+                </a:solidFill>
+                <a:latin typeface="나눔고딕" panose="020D0604000000000000" pitchFamily="50" charset="-127"/>
+                <a:ea typeface="나눔고딕" panose="020D0604000000000000" pitchFamily="50" charset="-127"/>
+              </a:rPr>
+              <a:t> </a:t>
+            </a:r>
+            <a:r>
+              <a:rPr kumimoji="0" lang="ko-KR" altLang="ko-KR" sz="1400" dirty="0">
+                <a:solidFill>
+                  <a:srgbClr val="000000"/>
+                </a:solidFill>
+                <a:latin typeface="나눔고딕" panose="020D0604000000000000" pitchFamily="50" charset="-127"/>
+                <a:ea typeface="나눔고딕" panose="020D0604000000000000" pitchFamily="50" charset="-127"/>
+              </a:rPr>
+              <a:t>= </a:t>
+            </a:r>
+            <a:r>
+              <a:rPr kumimoji="0" lang="ko-KR" altLang="ko-KR" sz="1400" dirty="0" err="1">
+                <a:solidFill>
+                  <a:srgbClr val="000000"/>
+                </a:solidFill>
+                <a:latin typeface="나눔고딕" panose="020D0604000000000000" pitchFamily="50" charset="-127"/>
+                <a:ea typeface="나눔고딕" panose="020D0604000000000000" pitchFamily="50" charset="-127"/>
+              </a:rPr>
+              <a:t>transformer</a:t>
+            </a:r>
+            <a:r>
+              <a:rPr kumimoji="0" lang="ko-KR" altLang="ko-KR" sz="1400" dirty="0">
+                <a:solidFill>
+                  <a:srgbClr val="000000"/>
+                </a:solidFill>
+                <a:latin typeface="나눔고딕" panose="020D0604000000000000" pitchFamily="50" charset="-127"/>
+                <a:ea typeface="나눔고딕" panose="020D0604000000000000" pitchFamily="50" charset="-127"/>
+              </a:rPr>
+              <a:t>),</a:t>
             </a:r>
             <a:br>
               <a:rPr kumimoji="0" lang="ko-KR" altLang="ko-KR" sz="1400" dirty="0">
@@ -29380,7 +28934,137 @@
                 <a:latin typeface="나눔고딕" panose="020D0604000000000000" pitchFamily="50" charset="-127"/>
                 <a:ea typeface="나눔고딕" panose="020D0604000000000000" pitchFamily="50" charset="-127"/>
               </a:rPr>
-              <a:t>    gluon.data.vision.CIFAR10(</a:t>
+              <a:t>    </a:t>
+            </a:r>
+            <a:r>
+              <a:rPr kumimoji="0" lang="ko-KR" altLang="ko-KR" sz="1400" dirty="0" err="1">
+                <a:solidFill>
+                  <a:srgbClr val="660099"/>
+                </a:solidFill>
+                <a:latin typeface="나눔고딕" panose="020D0604000000000000" pitchFamily="50" charset="-127"/>
+                <a:ea typeface="나눔고딕" panose="020D0604000000000000" pitchFamily="50" charset="-127"/>
+              </a:rPr>
+              <a:t>batch_size</a:t>
+            </a:r>
+            <a:r>
+              <a:rPr kumimoji="0" lang="ko-KR" altLang="ko-KR" sz="1400" dirty="0">
+                <a:solidFill>
+                  <a:srgbClr val="660099"/>
+                </a:solidFill>
+                <a:latin typeface="나눔고딕" panose="020D0604000000000000" pitchFamily="50" charset="-127"/>
+                <a:ea typeface="나눔고딕" panose="020D0604000000000000" pitchFamily="50" charset="-127"/>
+              </a:rPr>
+              <a:t> </a:t>
+            </a:r>
+            <a:r>
+              <a:rPr kumimoji="0" lang="ko-KR" altLang="ko-KR" sz="1400" dirty="0">
+                <a:solidFill>
+                  <a:srgbClr val="000000"/>
+                </a:solidFill>
+                <a:latin typeface="나눔고딕" panose="020D0604000000000000" pitchFamily="50" charset="-127"/>
+                <a:ea typeface="나눔고딕" panose="020D0604000000000000" pitchFamily="50" charset="-127"/>
+              </a:rPr>
+              <a:t>= </a:t>
+            </a:r>
+            <a:r>
+              <a:rPr kumimoji="0" lang="ko-KR" altLang="ko-KR" sz="1400" dirty="0" err="1">
+                <a:solidFill>
+                  <a:srgbClr val="000000"/>
+                </a:solidFill>
+                <a:latin typeface="나눔고딕" panose="020D0604000000000000" pitchFamily="50" charset="-127"/>
+                <a:ea typeface="나눔고딕" panose="020D0604000000000000" pitchFamily="50" charset="-127"/>
+              </a:rPr>
+              <a:t>batch_size</a:t>
+            </a:r>
+            <a:r>
+              <a:rPr kumimoji="0" lang="ko-KR" altLang="ko-KR" sz="1400" dirty="0">
+                <a:solidFill>
+                  <a:srgbClr val="000000"/>
+                </a:solidFill>
+                <a:latin typeface="나눔고딕" panose="020D0604000000000000" pitchFamily="50" charset="-127"/>
+                <a:ea typeface="나눔고딕" panose="020D0604000000000000" pitchFamily="50" charset="-127"/>
+              </a:rPr>
+              <a:t>, </a:t>
+            </a:r>
+            <a:r>
+              <a:rPr kumimoji="0" lang="ko-KR" altLang="ko-KR" sz="1400" dirty="0" err="1">
+                <a:solidFill>
+                  <a:srgbClr val="660099"/>
+                </a:solidFill>
+                <a:latin typeface="나눔고딕" panose="020D0604000000000000" pitchFamily="50" charset="-127"/>
+                <a:ea typeface="나눔고딕" panose="020D0604000000000000" pitchFamily="50" charset="-127"/>
+              </a:rPr>
+              <a:t>shuffle</a:t>
+            </a:r>
+            <a:r>
+              <a:rPr kumimoji="0" lang="ko-KR" altLang="ko-KR" sz="1400" dirty="0">
+                <a:solidFill>
+                  <a:srgbClr val="660099"/>
+                </a:solidFill>
+                <a:latin typeface="나눔고딕" panose="020D0604000000000000" pitchFamily="50" charset="-127"/>
+                <a:ea typeface="나눔고딕" panose="020D0604000000000000" pitchFamily="50" charset="-127"/>
+              </a:rPr>
+              <a:t> </a:t>
+            </a:r>
+            <a:r>
+              <a:rPr kumimoji="0" lang="ko-KR" altLang="ko-KR" sz="1400" dirty="0">
+                <a:solidFill>
+                  <a:srgbClr val="000000"/>
+                </a:solidFill>
+                <a:latin typeface="나눔고딕" panose="020D0604000000000000" pitchFamily="50" charset="-127"/>
+                <a:ea typeface="나눔고딕" panose="020D0604000000000000" pitchFamily="50" charset="-127"/>
+              </a:rPr>
+              <a:t>= </a:t>
+            </a:r>
+            <a:r>
+              <a:rPr kumimoji="0" lang="ko-KR" altLang="ko-KR" sz="1400" b="1" dirty="0" err="1">
+                <a:solidFill>
+                  <a:srgbClr val="000080"/>
+                </a:solidFill>
+                <a:latin typeface="나눔고딕" panose="020D0604000000000000" pitchFamily="50" charset="-127"/>
+                <a:ea typeface="나눔고딕" panose="020D0604000000000000" pitchFamily="50" charset="-127"/>
+              </a:rPr>
+              <a:t>True</a:t>
+            </a:r>
+            <a:r>
+              <a:rPr kumimoji="0" lang="ko-KR" altLang="ko-KR" sz="1400" dirty="0">
+                <a:solidFill>
+                  <a:srgbClr val="000000"/>
+                </a:solidFill>
+                <a:latin typeface="나눔고딕" panose="020D0604000000000000" pitchFamily="50" charset="-127"/>
+                <a:ea typeface="나눔고딕" panose="020D0604000000000000" pitchFamily="50" charset="-127"/>
+              </a:rPr>
+              <a:t>, </a:t>
+            </a:r>
+            <a:r>
+              <a:rPr kumimoji="0" lang="ko-KR" altLang="ko-KR" sz="1400" dirty="0" err="1">
+                <a:solidFill>
+                  <a:srgbClr val="660099"/>
+                </a:solidFill>
+                <a:latin typeface="나눔고딕" panose="020D0604000000000000" pitchFamily="50" charset="-127"/>
+                <a:ea typeface="나눔고딕" panose="020D0604000000000000" pitchFamily="50" charset="-127"/>
+              </a:rPr>
+              <a:t>last_batch</a:t>
+            </a:r>
+            <a:r>
+              <a:rPr kumimoji="0" lang="ko-KR" altLang="ko-KR" sz="1400" dirty="0">
+                <a:solidFill>
+                  <a:srgbClr val="660099"/>
+                </a:solidFill>
+                <a:latin typeface="나눔고딕" panose="020D0604000000000000" pitchFamily="50" charset="-127"/>
+                <a:ea typeface="나눔고딕" panose="020D0604000000000000" pitchFamily="50" charset="-127"/>
+              </a:rPr>
+              <a:t> </a:t>
+            </a:r>
+            <a:r>
+              <a:rPr kumimoji="0" lang="ko-KR" altLang="ko-KR" sz="1400" dirty="0">
+                <a:solidFill>
+                  <a:srgbClr val="000000"/>
+                </a:solidFill>
+                <a:latin typeface="나눔고딕" panose="020D0604000000000000" pitchFamily="50" charset="-127"/>
+                <a:ea typeface="나눔고딕" panose="020D0604000000000000" pitchFamily="50" charset="-127"/>
+              </a:rPr>
+              <a:t>= </a:t>
             </a:r>
             <a:r>
               <a:rPr kumimoji="0" lang="ko-KR" altLang="ko-KR" sz="1400" b="1" dirty="0">
@@ -29390,7 +29074,7 @@
                 <a:latin typeface="나눔고딕" panose="020D0604000000000000" pitchFamily="50" charset="-127"/>
                 <a:ea typeface="나눔고딕" panose="020D0604000000000000" pitchFamily="50" charset="-127"/>
               </a:rPr>
-              <a:t>'./</a:t>
+              <a:t>'</a:t>
             </a:r>
             <a:r>
               <a:rPr kumimoji="0" lang="ko-KR" altLang="ko-KR" sz="1400" b="1" dirty="0" err="1">
@@ -29400,7 +29084,7 @@
                 <a:latin typeface="나눔고딕" panose="020D0604000000000000" pitchFamily="50" charset="-127"/>
                 <a:ea typeface="나눔고딕" panose="020D0604000000000000" pitchFamily="50" charset="-127"/>
               </a:rPr>
-              <a:t>data</a:t>
+              <a:t>discard</a:t>
             </a:r>
             <a:r>
               <a:rPr kumimoji="0" lang="ko-KR" altLang="ko-KR" sz="1400" b="1" dirty="0">
@@ -29420,107 +29104,7 @@
                 <a:latin typeface="나눔고딕" panose="020D0604000000000000" pitchFamily="50" charset="-127"/>
                 <a:ea typeface="나눔고딕" panose="020D0604000000000000" pitchFamily="50" charset="-127"/>
               </a:rPr>
-              <a:t>, </a:t>
-            </a:r>
-            <a:r>
-              <a:rPr kumimoji="0" lang="ko-KR" altLang="ko-KR" sz="1400" dirty="0" err="1">
-                <a:solidFill>
-                  <a:srgbClr val="660099"/>
-                </a:solidFill>
-                <a:latin typeface="나눔고딕" panose="020D0604000000000000" pitchFamily="50" charset="-127"/>
-                <a:ea typeface="나눔고딕" panose="020D0604000000000000" pitchFamily="50" charset="-127"/>
-              </a:rPr>
-              <a:t>train</a:t>
-            </a:r>
-            <a:r>
-              <a:rPr kumimoji="0" lang="ko-KR" altLang="ko-KR" sz="1400" dirty="0">
-                <a:solidFill>
-                  <a:srgbClr val="660099"/>
-                </a:solidFill>
-                <a:latin typeface="나눔고딕" panose="020D0604000000000000" pitchFamily="50" charset="-127"/>
-                <a:ea typeface="나눔고딕" panose="020D0604000000000000" pitchFamily="50" charset="-127"/>
-              </a:rPr>
-              <a:t> </a:t>
-            </a:r>
-            <a:r>
-              <a:rPr kumimoji="0" lang="ko-KR" altLang="ko-KR" sz="1400" dirty="0">
-                <a:solidFill>
-                  <a:srgbClr val="000000"/>
-                </a:solidFill>
-                <a:latin typeface="나눔고딕" panose="020D0604000000000000" pitchFamily="50" charset="-127"/>
-                <a:ea typeface="나눔고딕" panose="020D0604000000000000" pitchFamily="50" charset="-127"/>
-              </a:rPr>
-              <a:t>= </a:t>
-            </a:r>
-            <a:r>
-              <a:rPr kumimoji="0" lang="ko-KR" altLang="ko-KR" sz="1400" b="1" dirty="0" err="1">
-                <a:solidFill>
-                  <a:srgbClr val="000080"/>
-                </a:solidFill>
-                <a:latin typeface="나눔고딕" panose="020D0604000000000000" pitchFamily="50" charset="-127"/>
-                <a:ea typeface="나눔고딕" panose="020D0604000000000000" pitchFamily="50" charset="-127"/>
-              </a:rPr>
-              <a:t>True</a:t>
-            </a:r>
-            <a:r>
-              <a:rPr kumimoji="0" lang="ko-KR" altLang="ko-KR" sz="1400" dirty="0">
-                <a:solidFill>
-                  <a:srgbClr val="000000"/>
-                </a:solidFill>
-                <a:latin typeface="나눔고딕" panose="020D0604000000000000" pitchFamily="50" charset="-127"/>
-                <a:ea typeface="나눔고딕" panose="020D0604000000000000" pitchFamily="50" charset="-127"/>
-              </a:rPr>
-              <a:t>, </a:t>
-            </a:r>
-            <a:r>
-              <a:rPr kumimoji="0" lang="ko-KR" altLang="ko-KR" sz="1400" dirty="0" err="1">
-                <a:solidFill>
-                  <a:srgbClr val="660099"/>
-                </a:solidFill>
-                <a:latin typeface="나눔고딕" panose="020D0604000000000000" pitchFamily="50" charset="-127"/>
-                <a:ea typeface="나눔고딕" panose="020D0604000000000000" pitchFamily="50" charset="-127"/>
-              </a:rPr>
-              <a:t>transform</a:t>
-            </a:r>
-            <a:r>
-              <a:rPr kumimoji="0" lang="ko-KR" altLang="ko-KR" sz="1400" dirty="0">
-                <a:solidFill>
-                  <a:srgbClr val="660099"/>
-                </a:solidFill>
-                <a:latin typeface="나눔고딕" panose="020D0604000000000000" pitchFamily="50" charset="-127"/>
-                <a:ea typeface="나눔고딕" panose="020D0604000000000000" pitchFamily="50" charset="-127"/>
-              </a:rPr>
-              <a:t> </a:t>
-            </a:r>
-            <a:r>
-              <a:rPr kumimoji="0" lang="ko-KR" altLang="ko-KR" sz="1400" dirty="0">
-                <a:solidFill>
-                  <a:srgbClr val="000000"/>
-                </a:solidFill>
-                <a:latin typeface="나눔고딕" panose="020D0604000000000000" pitchFamily="50" charset="-127"/>
-                <a:ea typeface="나눔고딕" panose="020D0604000000000000" pitchFamily="50" charset="-127"/>
-              </a:rPr>
-              <a:t>= </a:t>
-            </a:r>
-            <a:r>
-              <a:rPr kumimoji="0" lang="ko-KR" altLang="ko-KR" sz="1400" dirty="0" err="1">
-                <a:solidFill>
-                  <a:srgbClr val="000000"/>
-                </a:solidFill>
-                <a:latin typeface="나눔고딕" panose="020D0604000000000000" pitchFamily="50" charset="-127"/>
-                <a:ea typeface="나눔고딕" panose="020D0604000000000000" pitchFamily="50" charset="-127"/>
-              </a:rPr>
-              <a:t>transformer</a:t>
-            </a:r>
-            <a:r>
-              <a:rPr kumimoji="0" lang="ko-KR" altLang="ko-KR" sz="1400" dirty="0">
-                <a:solidFill>
-                  <a:srgbClr val="000000"/>
-                </a:solidFill>
-                <a:latin typeface="나눔고딕" panose="020D0604000000000000" pitchFamily="50" charset="-127"/>
-                <a:ea typeface="나눔고딕" panose="020D0604000000000000" pitchFamily="50" charset="-127"/>
-              </a:rPr>
-              <a:t>),</a:t>
+              <a:t>)</a:t>
             </a:r>
             <a:br>
               <a:rPr kumimoji="0" lang="ko-KR" altLang="ko-KR" sz="1400" dirty="0">
@@ -29531,205 +29115,6 @@
                 <a:ea typeface="나눔고딕" panose="020D0604000000000000" pitchFamily="50" charset="-127"/>
               </a:rPr>
             </a:br>
-            <a:r>
-              <a:rPr kumimoji="0" lang="ko-KR" altLang="ko-KR" sz="1400" dirty="0">
-                <a:solidFill>
-                  <a:srgbClr val="000000"/>
-                </a:solidFill>
-                <a:latin typeface="나눔고딕" panose="020D0604000000000000" pitchFamily="50" charset="-127"/>
-                <a:ea typeface="나눔고딕" panose="020D0604000000000000" pitchFamily="50" charset="-127"/>
-              </a:rPr>
-              <a:t>    </a:t>
-            </a:r>
-            <a:r>
-              <a:rPr kumimoji="0" lang="ko-KR" altLang="ko-KR" sz="1400" dirty="0" err="1">
-                <a:solidFill>
-                  <a:srgbClr val="660099"/>
-                </a:solidFill>
-                <a:latin typeface="나눔고딕" panose="020D0604000000000000" pitchFamily="50" charset="-127"/>
-                <a:ea typeface="나눔고딕" panose="020D0604000000000000" pitchFamily="50" charset="-127"/>
-              </a:rPr>
-              <a:t>batch_size</a:t>
-            </a:r>
-            <a:r>
-              <a:rPr kumimoji="0" lang="ko-KR" altLang="ko-KR" sz="1400" dirty="0">
-                <a:solidFill>
-                  <a:srgbClr val="660099"/>
-                </a:solidFill>
-                <a:latin typeface="나눔고딕" panose="020D0604000000000000" pitchFamily="50" charset="-127"/>
-                <a:ea typeface="나눔고딕" panose="020D0604000000000000" pitchFamily="50" charset="-127"/>
-              </a:rPr>
-              <a:t> </a:t>
-            </a:r>
-            <a:r>
-              <a:rPr kumimoji="0" lang="ko-KR" altLang="ko-KR" sz="1400" dirty="0">
-                <a:solidFill>
-                  <a:srgbClr val="000000"/>
-                </a:solidFill>
-                <a:latin typeface="나눔고딕" panose="020D0604000000000000" pitchFamily="50" charset="-127"/>
-                <a:ea typeface="나눔고딕" panose="020D0604000000000000" pitchFamily="50" charset="-127"/>
-              </a:rPr>
-              <a:t>= </a:t>
-            </a:r>
-            <a:r>
-              <a:rPr kumimoji="0" lang="ko-KR" altLang="ko-KR" sz="1400" dirty="0" err="1">
-                <a:solidFill>
-                  <a:srgbClr val="000000"/>
-                </a:solidFill>
-                <a:latin typeface="나눔고딕" panose="020D0604000000000000" pitchFamily="50" charset="-127"/>
-                <a:ea typeface="나눔고딕" panose="020D0604000000000000" pitchFamily="50" charset="-127"/>
-              </a:rPr>
-              <a:t>batch_size</a:t>
-            </a:r>
-            <a:r>
-              <a:rPr kumimoji="0" lang="ko-KR" altLang="ko-KR" sz="1400" dirty="0">
-                <a:solidFill>
-                  <a:srgbClr val="000000"/>
-                </a:solidFill>
-                <a:latin typeface="나눔고딕" panose="020D0604000000000000" pitchFamily="50" charset="-127"/>
-                <a:ea typeface="나눔고딕" panose="020D0604000000000000" pitchFamily="50" charset="-127"/>
-              </a:rPr>
-              <a:t>, </a:t>
-            </a:r>
-            <a:r>
-              <a:rPr kumimoji="0" lang="ko-KR" altLang="ko-KR" sz="1400" dirty="0" err="1">
-                <a:solidFill>
-                  <a:srgbClr val="660099"/>
-                </a:solidFill>
-                <a:latin typeface="나눔고딕" panose="020D0604000000000000" pitchFamily="50" charset="-127"/>
-                <a:ea typeface="나눔고딕" panose="020D0604000000000000" pitchFamily="50" charset="-127"/>
-              </a:rPr>
-              <a:t>shuffle</a:t>
-            </a:r>
-            <a:r>
-              <a:rPr kumimoji="0" lang="ko-KR" altLang="ko-KR" sz="1400" dirty="0">
-                <a:solidFill>
-                  <a:srgbClr val="660099"/>
-                </a:solidFill>
-                <a:latin typeface="나눔고딕" panose="020D0604000000000000" pitchFamily="50" charset="-127"/>
-                <a:ea typeface="나눔고딕" panose="020D0604000000000000" pitchFamily="50" charset="-127"/>
-              </a:rPr>
-              <a:t> </a:t>
-            </a:r>
-            <a:r>
-              <a:rPr kumimoji="0" lang="ko-KR" altLang="ko-KR" sz="1400" dirty="0">
-                <a:solidFill>
-                  <a:srgbClr val="000000"/>
-                </a:solidFill>
-                <a:latin typeface="나눔고딕" panose="020D0604000000000000" pitchFamily="50" charset="-127"/>
-                <a:ea typeface="나눔고딕" panose="020D0604000000000000" pitchFamily="50" charset="-127"/>
-              </a:rPr>
-              <a:t>= </a:t>
-            </a:r>
-            <a:r>
-              <a:rPr kumimoji="0" lang="ko-KR" altLang="ko-KR" sz="1400" b="1" dirty="0" err="1">
-                <a:solidFill>
-                  <a:srgbClr val="000080"/>
-                </a:solidFill>
-                <a:latin typeface="나눔고딕" panose="020D0604000000000000" pitchFamily="50" charset="-127"/>
-                <a:ea typeface="나눔고딕" panose="020D0604000000000000" pitchFamily="50" charset="-127"/>
-              </a:rPr>
-              <a:t>True</a:t>
-            </a:r>
-            <a:r>
-              <a:rPr kumimoji="0" lang="ko-KR" altLang="ko-KR" sz="1400" dirty="0">
-                <a:solidFill>
-                  <a:srgbClr val="000000"/>
-                </a:solidFill>
-                <a:latin typeface="나눔고딕" panose="020D0604000000000000" pitchFamily="50" charset="-127"/>
-                <a:ea typeface="나눔고딕" panose="020D0604000000000000" pitchFamily="50" charset="-127"/>
-              </a:rPr>
-              <a:t>, </a:t>
-            </a:r>
-            <a:r>
-              <a:rPr kumimoji="0" lang="ko-KR" altLang="ko-KR" sz="1400" dirty="0" err="1">
-                <a:solidFill>
-                  <a:srgbClr val="660099"/>
-                </a:solidFill>
-                <a:latin typeface="나눔고딕" panose="020D0604000000000000" pitchFamily="50" charset="-127"/>
-                <a:ea typeface="나눔고딕" panose="020D0604000000000000" pitchFamily="50" charset="-127"/>
-              </a:rPr>
-              <a:t>last_batch</a:t>
-            </a:r>
-            <a:r>
-              <a:rPr kumimoji="0" lang="ko-KR" altLang="ko-KR" sz="1400" dirty="0">
-                <a:solidFill>
-                  <a:srgbClr val="660099"/>
-                </a:solidFill>
-                <a:latin typeface="나눔고딕" panose="020D0604000000000000" pitchFamily="50" charset="-127"/>
-                <a:ea typeface="나눔고딕" panose="020D0604000000000000" pitchFamily="50" charset="-127"/>
-              </a:rPr>
-              <a:t> </a:t>
-            </a:r>
-            <a:r>
-              <a:rPr kumimoji="0" lang="ko-KR" altLang="ko-KR" sz="1400" dirty="0">
-                <a:solidFill>
-                  <a:srgbClr val="000000"/>
-                </a:solidFill>
-                <a:latin typeface="나눔고딕" panose="020D0604000000000000" pitchFamily="50" charset="-127"/>
-                <a:ea typeface="나눔고딕" panose="020D0604000000000000" pitchFamily="50" charset="-127"/>
-              </a:rPr>
-              <a:t>= </a:t>
-            </a:r>
-            <a:r>
-              <a:rPr kumimoji="0" lang="ko-KR" altLang="ko-KR" sz="1400" b="1" dirty="0">
-                <a:solidFill>
-                  <a:srgbClr val="008080"/>
-                </a:solidFill>
-                <a:latin typeface="나눔고딕" panose="020D0604000000000000" pitchFamily="50" charset="-127"/>
-                <a:ea typeface="나눔고딕" panose="020D0604000000000000" pitchFamily="50" charset="-127"/>
-              </a:rPr>
-              <a:t>'</a:t>
-            </a:r>
-            <a:r>
-              <a:rPr kumimoji="0" lang="ko-KR" altLang="ko-KR" sz="1400" b="1" dirty="0" err="1">
-                <a:solidFill>
-                  <a:srgbClr val="008080"/>
-                </a:solidFill>
-                <a:latin typeface="나눔고딕" panose="020D0604000000000000" pitchFamily="50" charset="-127"/>
-                <a:ea typeface="나눔고딕" panose="020D0604000000000000" pitchFamily="50" charset="-127"/>
-              </a:rPr>
-              <a:t>discard</a:t>
-            </a:r>
-            <a:r>
-              <a:rPr kumimoji="0" lang="ko-KR" altLang="ko-KR" sz="1400" b="1" dirty="0">
-                <a:solidFill>
-                  <a:srgbClr val="008080"/>
-                </a:solidFill>
-                <a:latin typeface="나눔고딕" panose="020D0604000000000000" pitchFamily="50" charset="-127"/>
-                <a:ea typeface="나눔고딕" panose="020D0604000000000000" pitchFamily="50" charset="-127"/>
-              </a:rPr>
-              <a:t>'</a:t>
-            </a:r>
-            <a:r>
-              <a:rPr kumimoji="0" lang="ko-KR" altLang="ko-KR" sz="1400" dirty="0">
-                <a:solidFill>
-                  <a:srgbClr val="000000"/>
-                </a:solidFill>
-                <a:latin typeface="나눔고딕" panose="020D0604000000000000" pitchFamily="50" charset="-127"/>
-                <a:ea typeface="나눔고딕" panose="020D0604000000000000" pitchFamily="50" charset="-127"/>
-              </a:rPr>
-              <a:t>)</a:t>
-            </a:r>
-            <a:br>
-              <a:rPr kumimoji="0" lang="ko-KR" altLang="ko-KR" sz="1400" dirty="0">
-                <a:solidFill>
-                  <a:srgbClr val="000000"/>
-                </a:solidFill>
-                <a:latin typeface="나눔고딕" panose="020D0604000000000000" pitchFamily="50" charset="-127"/>
-                <a:ea typeface="나눔고딕" panose="020D0604000000000000" pitchFamily="50" charset="-127"/>
-              </a:rPr>
-            </a:br>
-            <a:r>
-              <a:rPr kumimoji="0" lang="ko-KR" altLang="ko-KR" sz="1400" dirty="0">
-                <a:solidFill>
-                  <a:srgbClr val="000000"/>
-                </a:solidFill>
-                <a:latin typeface="나눔고딕" panose="020D0604000000000000" pitchFamily="50" charset="-127"/>
-                <a:ea typeface="나눔고딕" panose="020D0604000000000000" pitchFamily="50" charset="-127"/>
-              </a:rPr>
-              <a:t/>
-            </a:r>
             <a:br>
               <a:rPr kumimoji="0" lang="ko-KR" altLang="ko-KR" sz="1400" dirty="0">
                 <a:solidFill>
@@ -30427,7 +29812,7 @@
               <a:defRPr/>
             </a:pPr>
             <a:r>
-              <a:rPr lang="en-US" altLang="ko-KR" sz="1400" dirty="0" err="1" smtClean="0">
+              <a:rPr lang="en-US" altLang="ko-KR" sz="1400" dirty="0" err="1">
                 <a:solidFill>
                   <a:schemeClr val="tx1"/>
                 </a:solidFill>
@@ -30437,7 +29822,7 @@
               <a:t>Gluon.data.DataLoader</a:t>
             </a:r>
             <a:r>
-              <a:rPr lang="en-US" altLang="ko-KR" sz="1400" dirty="0" smtClean="0">
+              <a:rPr lang="en-US" altLang="ko-KR" sz="1400" dirty="0">
                 <a:solidFill>
                   <a:schemeClr val="tx1"/>
                 </a:solidFill>
@@ -30447,7 +29832,7 @@
               <a:t>(data, train, transform, </a:t>
             </a:r>
             <a:r>
-              <a:rPr lang="en-US" altLang="ko-KR" sz="1400" dirty="0" err="1" smtClean="0">
+              <a:rPr lang="en-US" altLang="ko-KR" sz="1400" dirty="0" err="1">
                 <a:solidFill>
                   <a:schemeClr val="tx1"/>
                 </a:solidFill>
@@ -30457,7 +29842,7 @@
               <a:t>batch_size</a:t>
             </a:r>
             <a:r>
-              <a:rPr lang="en-US" altLang="ko-KR" sz="1400" dirty="0" smtClean="0">
+              <a:rPr lang="en-US" altLang="ko-KR" sz="1400" dirty="0">
                 <a:solidFill>
                   <a:schemeClr val="tx1"/>
                 </a:solidFill>
@@ -30467,7 +29852,7 @@
               <a:t>, shuffle, </a:t>
             </a:r>
             <a:r>
-              <a:rPr lang="en-US" altLang="ko-KR" sz="1400" dirty="0" err="1" smtClean="0">
+              <a:rPr lang="en-US" altLang="ko-KR" sz="1400" dirty="0" err="1">
                 <a:solidFill>
                   <a:schemeClr val="tx1"/>
                 </a:solidFill>
@@ -30477,7 +29862,7 @@
               <a:t>last_batch</a:t>
             </a:r>
             <a:r>
-              <a:rPr lang="en-US" altLang="ko-KR" sz="1400" dirty="0" smtClean="0">
+              <a:rPr lang="en-US" altLang="ko-KR" sz="1400" dirty="0">
                 <a:solidFill>
                   <a:schemeClr val="tx1"/>
                 </a:solidFill>
@@ -30486,13 +29871,6 @@
               </a:rPr>
               <a:t>)</a:t>
             </a:r>
-            <a:endParaRPr lang="en-US" altLang="ko-KR" sz="1400" dirty="0">
-              <a:solidFill>
-                <a:schemeClr val="tx1"/>
-              </a:solidFill>
-              <a:latin typeface="나눔고딕" panose="020D0604000000000000" pitchFamily="50" charset="-127"/>
-              <a:ea typeface="나눔고딕" panose="020D0604000000000000" pitchFamily="50" charset="-127"/>
-            </a:endParaRPr>
           </a:p>
         </p:txBody>
       </p:sp>
@@ -30786,7 +30164,7 @@
               <a:defRPr/>
             </a:pPr>
             <a:r>
-              <a:rPr lang="ko-KR" altLang="en-US" sz="1400" dirty="0" smtClean="0">
+              <a:rPr lang="ko-KR" altLang="en-US" sz="1400" dirty="0">
                 <a:solidFill>
                   <a:schemeClr val="tx1"/>
                 </a:solidFill>
@@ -30796,7 +30174,7 @@
               <a:t>데이터 </a:t>
             </a:r>
             <a:r>
-              <a:rPr lang="ko-KR" altLang="en-US" sz="1400" dirty="0" err="1" smtClean="0">
+              <a:rPr lang="ko-KR" altLang="en-US" sz="1400" dirty="0" err="1">
                 <a:solidFill>
                   <a:schemeClr val="tx1"/>
                 </a:solidFill>
@@ -31007,20 +30385,20 @@
               <a:buNone/>
             </a:pPr>
             <a:r>
-              <a:rPr lang="en-US" altLang="ko-KR" sz="2800" kern="0" dirty="0" smtClean="0">
+              <a:rPr lang="en-US" altLang="ko-KR" sz="2800" kern="0" dirty="0">
                 <a:latin typeface="나눔고딕 ExtraBold" panose="020D0904000000000000" pitchFamily="50" charset="-127"/>
                 <a:ea typeface="나눔고딕 ExtraBold" panose="020D0904000000000000" pitchFamily="50" charset="-127"/>
               </a:rPr>
               <a:t>1. </a:t>
             </a:r>
             <a:r>
-              <a:rPr lang="en-US" altLang="ko-KR" sz="2800" kern="0" dirty="0" err="1" smtClean="0">
+              <a:rPr lang="en-US" altLang="ko-KR" sz="2800" kern="0" dirty="0" err="1">
                 <a:latin typeface="나눔고딕 ExtraBold" panose="020D0904000000000000" pitchFamily="50" charset="-127"/>
                 <a:ea typeface="나눔고딕 ExtraBold" panose="020D0904000000000000" pitchFamily="50" charset="-127"/>
               </a:rPr>
               <a:t>Mxnet.gluon</a:t>
             </a:r>
-            <a:endParaRPr lang="ko-KR" altLang="en-US" sz="2800" kern="0" dirty="0" smtClean="0">
+            <a:endParaRPr lang="ko-KR" altLang="en-US" sz="2800" kern="0" dirty="0">
               <a:latin typeface="나눔고딕 ExtraBold" panose="020D0904000000000000" pitchFamily="50" charset="-127"/>
               <a:ea typeface="나눔고딕 ExtraBold" panose="020D0904000000000000" pitchFamily="50" charset="-127"/>
             </a:endParaRPr>
@@ -31037,13 +30415,6 @@
   <p:clrMapOvr>
     <a:masterClrMapping/>
   </p:clrMapOvr>
-  <p:timing>
-    <p:tnLst>
-      <p:par>
-        <p:cTn id="1" dur="indefinite" restart="never" nodeType="tmRoot"/>
-      </p:par>
-    </p:tnLst>
-  </p:timing>
 </p:sld>
 </file>
 
@@ -31354,7 +30725,7 @@
               <a:defRPr/>
             </a:pPr>
             <a:r>
-              <a:rPr lang="en-US" sz="2000" b="1" dirty="0" smtClean="0">
+              <a:rPr lang="en-US" sz="2000" b="1" dirty="0">
                 <a:gradFill>
                   <a:gsLst>
                     <a:gs pos="0">
@@ -31581,20 +30952,20 @@
               <a:buNone/>
             </a:pPr>
             <a:r>
-              <a:rPr lang="en-US" altLang="ko-KR" sz="2800" kern="0" dirty="0" smtClean="0">
+              <a:rPr lang="en-US" altLang="ko-KR" sz="2800" kern="0" dirty="0">
                 <a:latin typeface="나눔고딕 ExtraBold" panose="020D0904000000000000" pitchFamily="50" charset="-127"/>
                 <a:ea typeface="나눔고딕 ExtraBold" panose="020D0904000000000000" pitchFamily="50" charset="-127"/>
               </a:rPr>
               <a:t>1. </a:t>
             </a:r>
             <a:r>
-              <a:rPr lang="en-US" altLang="ko-KR" sz="2800" kern="0" dirty="0" err="1" smtClean="0">
+              <a:rPr lang="en-US" altLang="ko-KR" sz="2800" kern="0" dirty="0" err="1">
                 <a:latin typeface="나눔고딕 ExtraBold" panose="020D0904000000000000" pitchFamily="50" charset="-127"/>
                 <a:ea typeface="나눔고딕 ExtraBold" panose="020D0904000000000000" pitchFamily="50" charset="-127"/>
               </a:rPr>
               <a:t>Mxnet.gluon</a:t>
             </a:r>
-            <a:endParaRPr lang="ko-KR" altLang="en-US" sz="2800" kern="0" dirty="0" smtClean="0">
+            <a:endParaRPr lang="ko-KR" altLang="en-US" sz="2800" kern="0" dirty="0">
               <a:latin typeface="나눔고딕 ExtraBold" panose="020D0904000000000000" pitchFamily="50" charset="-127"/>
               <a:ea typeface="나눔고딕 ExtraBold" panose="020D0904000000000000" pitchFamily="50" charset="-127"/>
             </a:endParaRPr>
@@ -32238,7 +31609,7 @@
               <a:defRPr/>
             </a:pPr>
             <a:r>
-              <a:rPr lang="en-US" altLang="ko-KR" sz="1400" b="1" dirty="0" err="1" smtClean="0">
+              <a:rPr lang="en-US" altLang="ko-KR" sz="1400" b="1" dirty="0" err="1">
                 <a:solidFill>
                   <a:schemeClr val="tx1"/>
                 </a:solidFill>
@@ -32247,7 +31618,7 @@
               </a:rPr>
               <a:t>OpenCV</a:t>
             </a:r>
-            <a:endParaRPr lang="en-US" altLang="ko-KR" sz="1400" b="1" dirty="0" smtClean="0">
+            <a:endParaRPr lang="en-US" altLang="ko-KR" sz="1400" b="1" dirty="0">
               <a:solidFill>
                 <a:schemeClr val="tx1"/>
               </a:solidFill>
@@ -32264,7 +31635,7 @@
               <a:defRPr/>
             </a:pPr>
             <a:r>
-              <a:rPr lang="en-US" altLang="ko-KR" sz="1400" dirty="0" smtClean="0">
+              <a:rPr lang="en-US" altLang="ko-KR" sz="1400" dirty="0">
                 <a:solidFill>
                   <a:schemeClr val="tx1"/>
                 </a:solidFill>
@@ -32283,7 +31654,7 @@
               <a:defRPr/>
             </a:pPr>
             <a:r>
-              <a:rPr lang="en-US" altLang="ko-KR" sz="1400" dirty="0" err="1" smtClean="0">
+              <a:rPr lang="en-US" altLang="ko-KR" sz="1400" dirty="0" err="1">
                 <a:solidFill>
                   <a:schemeClr val="tx1"/>
                 </a:solidFill>
@@ -32293,7 +31664,7 @@
               <a:t>Scikit</a:t>
             </a:r>
             <a:r>
-              <a:rPr lang="en-US" altLang="ko-KR" sz="1400" dirty="0" smtClean="0">
+              <a:rPr lang="en-US" altLang="ko-KR" sz="1400" dirty="0">
                 <a:solidFill>
                   <a:schemeClr val="tx1"/>
                 </a:solidFill>
@@ -32338,27 +31709,27 @@
               <a:buChar char="ü"/>
             </a:pPr>
             <a:r>
-              <a:rPr lang="ko-KR" altLang="en-US" sz="1400" dirty="0" smtClean="0">
+              <a:rPr lang="ko-KR" altLang="en-US" sz="1400" dirty="0">
                 <a:latin typeface="나눔고딕" panose="020D0604000000000000" pitchFamily="50" charset="-127"/>
                 <a:ea typeface="나눔고딕" panose="020D0604000000000000" pitchFamily="50" charset="-127"/>
               </a:rPr>
               <a:t>이미지 처리</a:t>
             </a:r>
             <a:r>
-              <a:rPr lang="en-US" altLang="ko-KR" sz="1400" dirty="0" smtClean="0">
+              <a:rPr lang="en-US" altLang="ko-KR" sz="1400" dirty="0">
                 <a:latin typeface="나눔고딕" panose="020D0604000000000000" pitchFamily="50" charset="-127"/>
                 <a:ea typeface="나눔고딕" panose="020D0604000000000000" pitchFamily="50" charset="-127"/>
               </a:rPr>
               <a:t>, </a:t>
             </a:r>
             <a:r>
-              <a:rPr lang="ko-KR" altLang="en-US" sz="1400" dirty="0" smtClean="0">
+              <a:rPr lang="ko-KR" altLang="en-US" sz="1400" dirty="0">
                 <a:latin typeface="나눔고딕" panose="020D0604000000000000" pitchFamily="50" charset="-127"/>
                 <a:ea typeface="나눔고딕" panose="020D0604000000000000" pitchFamily="50" charset="-127"/>
               </a:rPr>
               <a:t>컴퓨터 비전을 위한 라이브러리</a:t>
             </a:r>
-            <a:endParaRPr lang="en-US" altLang="ko-KR" sz="1400" dirty="0" smtClean="0">
+            <a:endParaRPr lang="en-US" altLang="ko-KR" sz="1400" dirty="0">
               <a:latin typeface="나눔고딕" panose="020D0604000000000000" pitchFamily="50" charset="-127"/>
               <a:ea typeface="나눔고딕" panose="020D0604000000000000" pitchFamily="50" charset="-127"/>
             </a:endParaRPr>
@@ -32369,20 +31740,20 @@
               <a:buChar char="ü"/>
             </a:pPr>
             <a:r>
-              <a:rPr lang="en-US" altLang="ko-KR" sz="1400" dirty="0" smtClean="0">
+              <a:rPr lang="en-US" altLang="ko-KR" sz="1400" dirty="0">
                 <a:latin typeface="나눔고딕" panose="020D0604000000000000" pitchFamily="50" charset="-127"/>
                 <a:ea typeface="나눔고딕" panose="020D0604000000000000" pitchFamily="50" charset="-127"/>
               </a:rPr>
               <a:t>Windows, Linux, OS X(Mac OS), iOS, Android </a:t>
             </a:r>
             <a:r>
-              <a:rPr lang="ko-KR" altLang="en-US" sz="1400" dirty="0" smtClean="0">
+              <a:rPr lang="ko-KR" altLang="en-US" sz="1400" dirty="0">
                 <a:latin typeface="나눔고딕" panose="020D0604000000000000" pitchFamily="50" charset="-127"/>
                 <a:ea typeface="나눔고딕" panose="020D0604000000000000" pitchFamily="50" charset="-127"/>
               </a:rPr>
               <a:t>등 다양한 플랫폼을 지원</a:t>
             </a:r>
-            <a:endParaRPr lang="en-US" altLang="ko-KR" sz="1400" dirty="0" smtClean="0">
+            <a:endParaRPr lang="en-US" altLang="ko-KR" sz="1400" dirty="0">
               <a:latin typeface="나눔고딕" panose="020D0604000000000000" pitchFamily="50" charset="-127"/>
               <a:ea typeface="나눔고딕" panose="020D0604000000000000" pitchFamily="50" charset="-127"/>
             </a:endParaRPr>
@@ -32393,30 +31764,26 @@
               <a:buChar char="ü"/>
             </a:pPr>
             <a:r>
-              <a:rPr lang="ko-KR" altLang="en-US" sz="1400" dirty="0" smtClean="0">
+              <a:rPr lang="ko-KR" altLang="en-US" sz="1400" dirty="0">
                 <a:latin typeface="나눔고딕" panose="020D0604000000000000" pitchFamily="50" charset="-127"/>
                 <a:ea typeface="나눔고딕" panose="020D0604000000000000" pitchFamily="50" charset="-127"/>
               </a:rPr>
               <a:t>실시간 이미지 </a:t>
             </a:r>
             <a:r>
-              <a:rPr lang="ko-KR" altLang="en-US" sz="1400" dirty="0" err="1" smtClean="0">
+              <a:rPr lang="ko-KR" altLang="en-US" sz="1400" dirty="0" err="1">
                 <a:latin typeface="나눔고딕" panose="020D0604000000000000" pitchFamily="50" charset="-127"/>
                 <a:ea typeface="나눔고딕" panose="020D0604000000000000" pitchFamily="50" charset="-127"/>
               </a:rPr>
               <a:t>프로세싱에</a:t>
             </a:r>
             <a:r>
-              <a:rPr lang="ko-KR" altLang="en-US" sz="1400" dirty="0" smtClean="0">
+              <a:rPr lang="ko-KR" altLang="en-US" sz="1400" dirty="0">
                 <a:latin typeface="나눔고딕" panose="020D0604000000000000" pitchFamily="50" charset="-127"/>
                 <a:ea typeface="나눔고딕" panose="020D0604000000000000" pitchFamily="50" charset="-127"/>
               </a:rPr>
               <a:t> 중점을 둔 라이브러리이며 많은 영상처리 알고리즘을 구현</a:t>
             </a:r>
-            <a:endParaRPr lang="ko-KR" altLang="en-US" sz="1400" dirty="0">
-              <a:latin typeface="나눔고딕" panose="020D0604000000000000" pitchFamily="50" charset="-127"/>
-              <a:ea typeface="나눔고딕" panose="020D0604000000000000" pitchFamily="50" charset="-127"/>
-            </a:endParaRPr>
           </a:p>
         </p:txBody>
       </p:sp>
@@ -32710,7 +32077,7 @@
               <a:defRPr/>
             </a:pPr>
             <a:r>
-              <a:rPr lang="en-US" altLang="ko-KR" sz="1400" dirty="0" err="1" smtClean="0">
+              <a:rPr lang="en-US" altLang="ko-KR" sz="1400" dirty="0" err="1">
                 <a:solidFill>
                   <a:schemeClr val="tx1"/>
                 </a:solidFill>
@@ -32739,13 +32106,6 @@
   <p:clrMapOvr>
     <a:masterClrMapping/>
   </p:clrMapOvr>
-  <p:timing>
-    <p:tnLst>
-      <p:par>
-        <p:cTn id="1" dur="indefinite" restart="never" nodeType="tmRoot"/>
-      </p:par>
-    </p:tnLst>
-  </p:timing>
 </p:sld>
 </file>
 
@@ -33056,7 +32416,7 @@
               <a:defRPr/>
             </a:pPr>
             <a:r>
-              <a:rPr lang="en-US" sz="2000" b="1" dirty="0" smtClean="0">
+              <a:rPr lang="en-US" sz="2000" b="1" dirty="0">
                 <a:gradFill>
                   <a:gsLst>
                     <a:gs pos="0">
@@ -33381,7 +32741,7 @@
               <a:defRPr/>
             </a:pPr>
             <a:r>
-              <a:rPr lang="ko-KR" altLang="en-US" sz="1400" dirty="0" smtClean="0">
+              <a:rPr lang="ko-KR" altLang="en-US" sz="1400" dirty="0">
                 <a:solidFill>
                   <a:schemeClr val="tx1"/>
                 </a:solidFill>
@@ -33390,13 +32750,6 @@
               </a:rPr>
               <a:t>모델 설계하기</a:t>
             </a:r>
-            <a:endParaRPr lang="ko-KR" altLang="en-US" sz="1400" dirty="0">
-              <a:solidFill>
-                <a:schemeClr val="tx1"/>
-              </a:solidFill>
-              <a:latin typeface="나눔고딕" panose="020D0604000000000000" pitchFamily="50" charset="-127"/>
-              <a:ea typeface="나눔고딕" panose="020D0604000000000000" pitchFamily="50" charset="-127"/>
-            </a:endParaRPr>
           </a:p>
         </p:txBody>
       </p:sp>
@@ -34238,7 +33591,7 @@
               <a:t>2</a:t>
             </a:r>
             <a:r>
-              <a:rPr kumimoji="0" lang="ko-KR" altLang="ko-KR" sz="1400" dirty="0" smtClean="0">
+              <a:rPr kumimoji="0" lang="ko-KR" altLang="ko-KR" sz="1400" dirty="0">
                 <a:solidFill>
                   <a:srgbClr val="000000"/>
                 </a:solidFill>
@@ -34246,16 +33599,6 @@
                 <a:ea typeface="나눔고딕" panose="020D0604000000000000" pitchFamily="50" charset="-127"/>
               </a:rPr>
               <a:t>),</a:t>
-            </a:r>
-            <a:r>
-              <a:rPr kumimoji="0" lang="ko-KR" altLang="ko-KR" sz="1400" dirty="0">
-                <a:solidFill>
-                  <a:srgbClr val="000000"/>
-                </a:solidFill>
-                <a:latin typeface="나눔고딕" panose="020D0604000000000000" pitchFamily="50" charset="-127"/>
-                <a:ea typeface="나눔고딕" panose="020D0604000000000000" pitchFamily="50" charset="-127"/>
-              </a:rPr>
-              <a:t/>
             </a:r>
             <a:br>
               <a:rPr kumimoji="0" lang="ko-KR" altLang="ko-KR" sz="1400" dirty="0">
@@ -34783,7 +34126,7 @@
               <a:t>2</a:t>
             </a:r>
             <a:r>
-              <a:rPr kumimoji="0" lang="ko-KR" altLang="ko-KR" sz="1400" dirty="0" smtClean="0">
+              <a:rPr kumimoji="0" lang="ko-KR" altLang="ko-KR" sz="1400" dirty="0">
                 <a:solidFill>
                   <a:srgbClr val="000000"/>
                 </a:solidFill>
@@ -34791,16 +34134,6 @@
                 <a:ea typeface="나눔고딕" panose="020D0604000000000000" pitchFamily="50" charset="-127"/>
               </a:rPr>
               <a:t>),</a:t>
-            </a:r>
-            <a:r>
-              <a:rPr kumimoji="0" lang="ko-KR" altLang="ko-KR" sz="1400" dirty="0">
-                <a:solidFill>
-                  <a:srgbClr val="000000"/>
-                </a:solidFill>
-                <a:latin typeface="나눔고딕" panose="020D0604000000000000" pitchFamily="50" charset="-127"/>
-                <a:ea typeface="나눔고딕" panose="020D0604000000000000" pitchFamily="50" charset="-127"/>
-              </a:rPr>
-              <a:t/>
             </a:r>
             <a:br>
               <a:rPr kumimoji="0" lang="ko-KR" altLang="ko-KR" sz="1400" dirty="0">
@@ -35381,20 +34714,20 @@
               <a:buNone/>
             </a:pPr>
             <a:r>
-              <a:rPr lang="en-US" altLang="ko-KR" sz="2800" kern="0" dirty="0" smtClean="0">
+              <a:rPr lang="en-US" altLang="ko-KR" sz="2800" kern="0" dirty="0">
                 <a:latin typeface="나눔고딕 ExtraBold" panose="020D0904000000000000" pitchFamily="50" charset="-127"/>
                 <a:ea typeface="나눔고딕 ExtraBold" panose="020D0904000000000000" pitchFamily="50" charset="-127"/>
               </a:rPr>
               <a:t>1. </a:t>
             </a:r>
             <a:r>
-              <a:rPr lang="en-US" altLang="ko-KR" sz="2800" kern="0" dirty="0" err="1" smtClean="0">
+              <a:rPr lang="en-US" altLang="ko-KR" sz="2800" kern="0" dirty="0" err="1">
                 <a:latin typeface="나눔고딕 ExtraBold" panose="020D0904000000000000" pitchFamily="50" charset="-127"/>
                 <a:ea typeface="나눔고딕 ExtraBold" panose="020D0904000000000000" pitchFamily="50" charset="-127"/>
               </a:rPr>
               <a:t>Mxnet.gluon</a:t>
             </a:r>
-            <a:endParaRPr lang="ko-KR" altLang="en-US" sz="2800" kern="0" dirty="0" smtClean="0">
+            <a:endParaRPr lang="ko-KR" altLang="en-US" sz="2800" kern="0" dirty="0">
               <a:latin typeface="나눔고딕 ExtraBold" panose="020D0904000000000000" pitchFamily="50" charset="-127"/>
               <a:ea typeface="나눔고딕 ExtraBold" panose="020D0904000000000000" pitchFamily="50" charset="-127"/>
             </a:endParaRPr>
@@ -35411,13 +34744,6 @@
   <p:clrMapOvr>
     <a:masterClrMapping/>
   </p:clrMapOvr>
-  <p:timing>
-    <p:tnLst>
-      <p:par>
-        <p:cTn id="1" dur="indefinite" restart="never" nodeType="tmRoot"/>
-      </p:par>
-    </p:tnLst>
-  </p:timing>
 </p:sld>
 </file>
 
